--- a/presentations/Practical_1_preparing_and_QC_of_sequence_ data.pptx
+++ b/presentations/Practical_1_preparing_and_QC_of_sequence_ data.pptx
@@ -1,6 +1,6 @@
 
 <file path=ppt/presentation.xml><?xml version="1.0" encoding="utf-8"?>
-<p:presentation xmlns:a="http://schemas.openxmlformats.org/drawingml/2006/main" xmlns:r="http://schemas.openxmlformats.org/officeDocument/2006/relationships" xmlns:mc="http://schemas.openxmlformats.org/markup-compatibility/2006" xmlns:mv="urn:schemas-microsoft-com:mac:vml" xmlns:p="http://schemas.openxmlformats.org/presentationml/2006/main" mc:Ignorable="mv" mc:PreserveAttributes="mv:*" saveSubsetFonts="1" autoCompressPictures="0">
+<p:presentation xmlns:a="http://schemas.openxmlformats.org/drawingml/2006/main" xmlns:r="http://schemas.openxmlformats.org/officeDocument/2006/relationships" xmlns:p="http://schemas.openxmlformats.org/presentationml/2006/main" saveSubsetFonts="1" autoCompressPictures="0">
   <p:sldMasterIdLst>
     <p:sldMasterId id="2147483648" r:id="rId1"/>
   </p:sldMasterIdLst>
@@ -141,7 +141,7 @@
 </file>
 
 <file path=ppt/notesMasters/notesMaster1.xml><?xml version="1.0" encoding="utf-8"?>
-<p:notesMaster xmlns:a="http://schemas.openxmlformats.org/drawingml/2006/main" xmlns:r="http://schemas.openxmlformats.org/officeDocument/2006/relationships" xmlns:mc="http://schemas.openxmlformats.org/markup-compatibility/2006" xmlns:mv="urn:schemas-microsoft-com:mac:vml" xmlns:p="http://schemas.openxmlformats.org/presentationml/2006/main" mc:Ignorable="mv" mc:PreserveAttributes="mv:*">
+<p:notesMaster xmlns:a="http://schemas.openxmlformats.org/drawingml/2006/main" xmlns:r="http://schemas.openxmlformats.org/officeDocument/2006/relationships" xmlns:p="http://schemas.openxmlformats.org/presentationml/2006/main">
   <p:cSld>
     <p:bg>
       <p:bgRef idx="1001">
@@ -223,7 +223,7 @@
             <a:fld id="{7B017CDE-E91F-D348-A70E-2B7B84391936}" type="datetimeFigureOut">
               <a:rPr lang="en-US" smtClean="0"/>
               <a:pPr/>
-              <a:t>10/20/11</a:t>
+              <a:t>22/10/2011</a:t>
             </a:fld>
             <a:endParaRPr lang="en-US"/>
           </a:p>
@@ -392,6 +392,11 @@
         </p:txBody>
       </p:sp>
     </p:spTree>
+    <p:extLst>
+      <p:ext uri="{BB962C8B-B14F-4D97-AF65-F5344CB8AC3E}">
+        <p14:creationId xmlns:p14="http://schemas.microsoft.com/office/powerpoint/2010/main" val="302813801"/>
+      </p:ext>
+    </p:extLst>
   </p:cSld>
   <p:clrMap bg1="lt1" tx1="dk1" bg2="lt2" tx2="dk2" accent1="accent1" accent2="accent2" accent3="accent3" accent4="accent4" accent5="accent5" accent6="accent6" hlink="hlink" folHlink="folHlink"/>
   <p:notesStyle>
@@ -490,7 +495,7 @@
 </file>
 
 <file path=ppt/slideLayouts/slideLayout1.xml><?xml version="1.0" encoding="utf-8"?>
-<p:sldLayout xmlns:a="http://schemas.openxmlformats.org/drawingml/2006/main" xmlns:r="http://schemas.openxmlformats.org/officeDocument/2006/relationships" xmlns:mc="http://schemas.openxmlformats.org/markup-compatibility/2006" xmlns:mv="urn:schemas-microsoft-com:mac:vml" xmlns:p="http://schemas.openxmlformats.org/presentationml/2006/main" mc:Ignorable="mv" mc:PreserveAttributes="mv:*" type="title" preserve="1">
+<p:sldLayout xmlns:a="http://schemas.openxmlformats.org/drawingml/2006/main" xmlns:r="http://schemas.openxmlformats.org/officeDocument/2006/relationships" xmlns:p="http://schemas.openxmlformats.org/presentationml/2006/main" type="title" preserve="1">
   <p:cSld name="Title Slide">
     <p:spTree>
       <p:nvGrpSpPr>
@@ -671,7 +676,7 @@
             <a:fld id="{A4AAEA4C-2FC0-8F41-AA8D-DA93A16F9072}" type="datetimeFigureOut">
               <a:rPr lang="en-US" smtClean="0"/>
               <a:pPr/>
-              <a:t>10/20/11</a:t>
+              <a:t>22/10/2011</a:t>
             </a:fld>
             <a:endParaRPr lang="en-US"/>
           </a:p>
@@ -729,7 +734,7 @@
 </file>
 
 <file path=ppt/slideLayouts/slideLayout10.xml><?xml version="1.0" encoding="utf-8"?>
-<p:sldLayout xmlns:a="http://schemas.openxmlformats.org/drawingml/2006/main" xmlns:r="http://schemas.openxmlformats.org/officeDocument/2006/relationships" xmlns:mc="http://schemas.openxmlformats.org/markup-compatibility/2006" xmlns:mv="urn:schemas-microsoft-com:mac:vml" xmlns:p="http://schemas.openxmlformats.org/presentationml/2006/main" mc:Ignorable="mv" mc:PreserveAttributes="mv:*" type="vertTx" preserve="1">
+<p:sldLayout xmlns:a="http://schemas.openxmlformats.org/drawingml/2006/main" xmlns:r="http://schemas.openxmlformats.org/officeDocument/2006/relationships" xmlns:p="http://schemas.openxmlformats.org/presentationml/2006/main" type="vertTx" preserve="1">
   <p:cSld name="Title and Vertical Text">
     <p:spTree>
       <p:nvGrpSpPr>
@@ -838,7 +843,7 @@
             <a:fld id="{A4AAEA4C-2FC0-8F41-AA8D-DA93A16F9072}" type="datetimeFigureOut">
               <a:rPr lang="en-US" smtClean="0"/>
               <a:pPr/>
-              <a:t>10/20/11</a:t>
+              <a:t>22/10/2011</a:t>
             </a:fld>
             <a:endParaRPr lang="en-US"/>
           </a:p>
@@ -896,7 +901,7 @@
 </file>
 
 <file path=ppt/slideLayouts/slideLayout11.xml><?xml version="1.0" encoding="utf-8"?>
-<p:sldLayout xmlns:a="http://schemas.openxmlformats.org/drawingml/2006/main" xmlns:r="http://schemas.openxmlformats.org/officeDocument/2006/relationships" xmlns:mc="http://schemas.openxmlformats.org/markup-compatibility/2006" xmlns:mv="urn:schemas-microsoft-com:mac:vml" xmlns:p="http://schemas.openxmlformats.org/presentationml/2006/main" mc:Ignorable="mv" mc:PreserveAttributes="mv:*" type="vertTitleAndTx" preserve="1">
+<p:sldLayout xmlns:a="http://schemas.openxmlformats.org/drawingml/2006/main" xmlns:r="http://schemas.openxmlformats.org/officeDocument/2006/relationships" xmlns:p="http://schemas.openxmlformats.org/presentationml/2006/main" type="vertTitleAndTx" preserve="1">
   <p:cSld name="Vertical Title and Text">
     <p:spTree>
       <p:nvGrpSpPr>
@@ -1015,7 +1020,7 @@
             <a:fld id="{A4AAEA4C-2FC0-8F41-AA8D-DA93A16F9072}" type="datetimeFigureOut">
               <a:rPr lang="en-US" smtClean="0"/>
               <a:pPr/>
-              <a:t>10/20/11</a:t>
+              <a:t>22/10/2011</a:t>
             </a:fld>
             <a:endParaRPr lang="en-US"/>
           </a:p>
@@ -1073,7 +1078,7 @@
 </file>
 
 <file path=ppt/slideLayouts/slideLayout2.xml><?xml version="1.0" encoding="utf-8"?>
-<p:sldLayout xmlns:a="http://schemas.openxmlformats.org/drawingml/2006/main" xmlns:r="http://schemas.openxmlformats.org/officeDocument/2006/relationships" xmlns:mc="http://schemas.openxmlformats.org/markup-compatibility/2006" xmlns:mv="urn:schemas-microsoft-com:mac:vml" xmlns:p="http://schemas.openxmlformats.org/presentationml/2006/main" mc:Ignorable="mv" mc:PreserveAttributes="mv:*" type="obj" preserve="1">
+<p:sldLayout xmlns:a="http://schemas.openxmlformats.org/drawingml/2006/main" xmlns:r="http://schemas.openxmlformats.org/officeDocument/2006/relationships" xmlns:p="http://schemas.openxmlformats.org/presentationml/2006/main" type="obj" preserve="1">
   <p:cSld name="Title and Content">
     <p:spTree>
       <p:nvGrpSpPr>
@@ -1182,7 +1187,7 @@
             <a:fld id="{A4AAEA4C-2FC0-8F41-AA8D-DA93A16F9072}" type="datetimeFigureOut">
               <a:rPr lang="en-US" smtClean="0"/>
               <a:pPr/>
-              <a:t>10/20/11</a:t>
+              <a:t>22/10/2011</a:t>
             </a:fld>
             <a:endParaRPr lang="en-US"/>
           </a:p>
@@ -1240,7 +1245,7 @@
 </file>
 
 <file path=ppt/slideLayouts/slideLayout3.xml><?xml version="1.0" encoding="utf-8"?>
-<p:sldLayout xmlns:a="http://schemas.openxmlformats.org/drawingml/2006/main" xmlns:r="http://schemas.openxmlformats.org/officeDocument/2006/relationships" xmlns:mc="http://schemas.openxmlformats.org/markup-compatibility/2006" xmlns:mv="urn:schemas-microsoft-com:mac:vml" xmlns:p="http://schemas.openxmlformats.org/presentationml/2006/main" mc:Ignorable="mv" mc:PreserveAttributes="mv:*" type="secHead" preserve="1">
+<p:sldLayout xmlns:a="http://schemas.openxmlformats.org/drawingml/2006/main" xmlns:r="http://schemas.openxmlformats.org/officeDocument/2006/relationships" xmlns:p="http://schemas.openxmlformats.org/presentationml/2006/main" type="secHead" preserve="1">
   <p:cSld name="Section Header">
     <p:spTree>
       <p:nvGrpSpPr>
@@ -1425,7 +1430,7 @@
             <a:fld id="{A4AAEA4C-2FC0-8F41-AA8D-DA93A16F9072}" type="datetimeFigureOut">
               <a:rPr lang="en-US" smtClean="0"/>
               <a:pPr/>
-              <a:t>10/20/11</a:t>
+              <a:t>22/10/2011</a:t>
             </a:fld>
             <a:endParaRPr lang="en-US"/>
           </a:p>
@@ -1483,7 +1488,7 @@
 </file>
 
 <file path=ppt/slideLayouts/slideLayout4.xml><?xml version="1.0" encoding="utf-8"?>
-<p:sldLayout xmlns:a="http://schemas.openxmlformats.org/drawingml/2006/main" xmlns:r="http://schemas.openxmlformats.org/officeDocument/2006/relationships" xmlns:mc="http://schemas.openxmlformats.org/markup-compatibility/2006" xmlns:mv="urn:schemas-microsoft-com:mac:vml" xmlns:p="http://schemas.openxmlformats.org/presentationml/2006/main" mc:Ignorable="mv" mc:PreserveAttributes="mv:*" type="twoObj" preserve="1">
+<p:sldLayout xmlns:a="http://schemas.openxmlformats.org/drawingml/2006/main" xmlns:r="http://schemas.openxmlformats.org/officeDocument/2006/relationships" xmlns:p="http://schemas.openxmlformats.org/presentationml/2006/main" type="twoObj" preserve="1">
   <p:cSld name="Two Content">
     <p:spTree>
       <p:nvGrpSpPr>
@@ -1710,7 +1715,7 @@
             <a:fld id="{A4AAEA4C-2FC0-8F41-AA8D-DA93A16F9072}" type="datetimeFigureOut">
               <a:rPr lang="en-US" smtClean="0"/>
               <a:pPr/>
-              <a:t>10/20/11</a:t>
+              <a:t>22/10/2011</a:t>
             </a:fld>
             <a:endParaRPr lang="en-US"/>
           </a:p>
@@ -1768,7 +1773,7 @@
 </file>
 
 <file path=ppt/slideLayouts/slideLayout5.xml><?xml version="1.0" encoding="utf-8"?>
-<p:sldLayout xmlns:a="http://schemas.openxmlformats.org/drawingml/2006/main" xmlns:r="http://schemas.openxmlformats.org/officeDocument/2006/relationships" xmlns:mc="http://schemas.openxmlformats.org/markup-compatibility/2006" xmlns:mv="urn:schemas-microsoft-com:mac:vml" xmlns:p="http://schemas.openxmlformats.org/presentationml/2006/main" mc:Ignorable="mv" mc:PreserveAttributes="mv:*" type="twoTxTwoObj" preserve="1">
+<p:sldLayout xmlns:a="http://schemas.openxmlformats.org/drawingml/2006/main" xmlns:r="http://schemas.openxmlformats.org/officeDocument/2006/relationships" xmlns:p="http://schemas.openxmlformats.org/presentationml/2006/main" type="twoTxTwoObj" preserve="1">
   <p:cSld name="Comparison">
     <p:spTree>
       <p:nvGrpSpPr>
@@ -2129,7 +2134,7 @@
             <a:fld id="{A4AAEA4C-2FC0-8F41-AA8D-DA93A16F9072}" type="datetimeFigureOut">
               <a:rPr lang="en-US" smtClean="0"/>
               <a:pPr/>
-              <a:t>10/20/11</a:t>
+              <a:t>22/10/2011</a:t>
             </a:fld>
             <a:endParaRPr lang="en-US"/>
           </a:p>
@@ -2187,7 +2192,7 @@
 </file>
 
 <file path=ppt/slideLayouts/slideLayout6.xml><?xml version="1.0" encoding="utf-8"?>
-<p:sldLayout xmlns:a="http://schemas.openxmlformats.org/drawingml/2006/main" xmlns:r="http://schemas.openxmlformats.org/officeDocument/2006/relationships" xmlns:mc="http://schemas.openxmlformats.org/markup-compatibility/2006" xmlns:mv="urn:schemas-microsoft-com:mac:vml" xmlns:p="http://schemas.openxmlformats.org/presentationml/2006/main" mc:Ignorable="mv" mc:PreserveAttributes="mv:*" type="titleOnly" preserve="1">
+<p:sldLayout xmlns:a="http://schemas.openxmlformats.org/drawingml/2006/main" xmlns:r="http://schemas.openxmlformats.org/officeDocument/2006/relationships" xmlns:p="http://schemas.openxmlformats.org/presentationml/2006/main" type="titleOnly" preserve="1">
   <p:cSld name="Title Only">
     <p:spTree>
       <p:nvGrpSpPr>
@@ -2244,7 +2249,7 @@
             <a:fld id="{A4AAEA4C-2FC0-8F41-AA8D-DA93A16F9072}" type="datetimeFigureOut">
               <a:rPr lang="en-US" smtClean="0"/>
               <a:pPr/>
-              <a:t>10/20/11</a:t>
+              <a:t>22/10/2011</a:t>
             </a:fld>
             <a:endParaRPr lang="en-US"/>
           </a:p>
@@ -2302,7 +2307,7 @@
 </file>
 
 <file path=ppt/slideLayouts/slideLayout7.xml><?xml version="1.0" encoding="utf-8"?>
-<p:sldLayout xmlns:a="http://schemas.openxmlformats.org/drawingml/2006/main" xmlns:r="http://schemas.openxmlformats.org/officeDocument/2006/relationships" xmlns:mc="http://schemas.openxmlformats.org/markup-compatibility/2006" xmlns:mv="urn:schemas-microsoft-com:mac:vml" xmlns:p="http://schemas.openxmlformats.org/presentationml/2006/main" mc:Ignorable="mv" mc:PreserveAttributes="mv:*" type="blank" preserve="1">
+<p:sldLayout xmlns:a="http://schemas.openxmlformats.org/drawingml/2006/main" xmlns:r="http://schemas.openxmlformats.org/officeDocument/2006/relationships" xmlns:p="http://schemas.openxmlformats.org/presentationml/2006/main" type="blank" preserve="1">
   <p:cSld name="Blank">
     <p:spTree>
       <p:nvGrpSpPr>
@@ -2336,7 +2341,7 @@
             <a:fld id="{A4AAEA4C-2FC0-8F41-AA8D-DA93A16F9072}" type="datetimeFigureOut">
               <a:rPr lang="en-US" smtClean="0"/>
               <a:pPr/>
-              <a:t>10/20/11</a:t>
+              <a:t>22/10/2011</a:t>
             </a:fld>
             <a:endParaRPr lang="en-US"/>
           </a:p>
@@ -2394,7 +2399,7 @@
 </file>
 
 <file path=ppt/slideLayouts/slideLayout8.xml><?xml version="1.0" encoding="utf-8"?>
-<p:sldLayout xmlns:a="http://schemas.openxmlformats.org/drawingml/2006/main" xmlns:r="http://schemas.openxmlformats.org/officeDocument/2006/relationships" xmlns:mc="http://schemas.openxmlformats.org/markup-compatibility/2006" xmlns:mv="urn:schemas-microsoft-com:mac:vml" xmlns:p="http://schemas.openxmlformats.org/presentationml/2006/main" mc:Ignorable="mv" mc:PreserveAttributes="mv:*" type="objTx" preserve="1">
+<p:sldLayout xmlns:a="http://schemas.openxmlformats.org/drawingml/2006/main" xmlns:r="http://schemas.openxmlformats.org/officeDocument/2006/relationships" xmlns:p="http://schemas.openxmlformats.org/presentationml/2006/main" type="objTx" preserve="1">
   <p:cSld name="Content with Caption">
     <p:spTree>
       <p:nvGrpSpPr>
@@ -2610,7 +2615,7 @@
             <a:fld id="{A4AAEA4C-2FC0-8F41-AA8D-DA93A16F9072}" type="datetimeFigureOut">
               <a:rPr lang="en-US" smtClean="0"/>
               <a:pPr/>
-              <a:t>10/20/11</a:t>
+              <a:t>22/10/2011</a:t>
             </a:fld>
             <a:endParaRPr lang="en-US"/>
           </a:p>
@@ -2668,7 +2673,7 @@
 </file>
 
 <file path=ppt/slideLayouts/slideLayout9.xml><?xml version="1.0" encoding="utf-8"?>
-<p:sldLayout xmlns:a="http://schemas.openxmlformats.org/drawingml/2006/main" xmlns:r="http://schemas.openxmlformats.org/officeDocument/2006/relationships" xmlns:mc="http://schemas.openxmlformats.org/markup-compatibility/2006" xmlns:mv="urn:schemas-microsoft-com:mac:vml" xmlns:p="http://schemas.openxmlformats.org/presentationml/2006/main" mc:Ignorable="mv" mc:PreserveAttributes="mv:*" type="picTx" preserve="1">
+<p:sldLayout xmlns:a="http://schemas.openxmlformats.org/drawingml/2006/main" xmlns:r="http://schemas.openxmlformats.org/officeDocument/2006/relationships" xmlns:p="http://schemas.openxmlformats.org/presentationml/2006/main" type="picTx" preserve="1">
   <p:cSld name="Picture with Caption">
     <p:spTree>
       <p:nvGrpSpPr>
@@ -2860,7 +2865,7 @@
             <a:fld id="{A4AAEA4C-2FC0-8F41-AA8D-DA93A16F9072}" type="datetimeFigureOut">
               <a:rPr lang="en-US" smtClean="0"/>
               <a:pPr/>
-              <a:t>10/20/11</a:t>
+              <a:t>22/10/2011</a:t>
             </a:fld>
             <a:endParaRPr lang="en-US"/>
           </a:p>
@@ -2918,7 +2923,7 @@
 </file>
 
 <file path=ppt/slideMasters/slideMaster1.xml><?xml version="1.0" encoding="utf-8"?>
-<p:sldMaster xmlns:a="http://schemas.openxmlformats.org/drawingml/2006/main" xmlns:r="http://schemas.openxmlformats.org/officeDocument/2006/relationships" xmlns:mc="http://schemas.openxmlformats.org/markup-compatibility/2006" xmlns:mv="urn:schemas-microsoft-com:mac:vml" xmlns:p="http://schemas.openxmlformats.org/presentationml/2006/main" mc:Ignorable="mv" mc:PreserveAttributes="mv:*">
+<p:sldMaster xmlns:a="http://schemas.openxmlformats.org/drawingml/2006/main" xmlns:r="http://schemas.openxmlformats.org/officeDocument/2006/relationships" xmlns:p="http://schemas.openxmlformats.org/presentationml/2006/main">
   <p:cSld>
     <p:bg>
       <p:bgRef idx="1001">
@@ -3130,7 +3135,7 @@
             <a:fld id="{A4AAEA4C-2FC0-8F41-AA8D-DA93A16F9072}" type="datetimeFigureOut">
               <a:rPr lang="en-US" smtClean="0"/>
               <a:pPr/>
-              <a:t>10/20/11</a:t>
+              <a:t>22/10/2011</a:t>
             </a:fld>
             <a:endParaRPr lang="en-US"/>
           </a:p>
@@ -3485,7 +3490,7 @@
 </file>
 
 <file path=ppt/slides/slide1.xml><?xml version="1.0" encoding="utf-8"?>
-<p:sld xmlns:a="http://schemas.openxmlformats.org/drawingml/2006/main" xmlns:r="http://schemas.openxmlformats.org/officeDocument/2006/relationships" xmlns:mc="http://schemas.openxmlformats.org/markup-compatibility/2006" xmlns:mv="urn:schemas-microsoft-com:mac:vml" xmlns:p="http://schemas.openxmlformats.org/presentationml/2006/main" mc:Ignorable="mv" mc:PreserveAttributes="mv:*">
+<p:sld xmlns:a="http://schemas.openxmlformats.org/drawingml/2006/main" xmlns:r="http://schemas.openxmlformats.org/officeDocument/2006/relationships" xmlns:p="http://schemas.openxmlformats.org/presentationml/2006/main">
   <p:cSld>
     <p:spTree>
       <p:nvGrpSpPr>
@@ -3520,30 +3525,14 @@
           <a:p>
             <a:r>
               <a:rPr lang="en-US" sz="3000" dirty="0" smtClean="0"/>
-              <a:t>Practical</a:t>
-            </a:r>
-            <a:r>
-              <a:rPr lang="en-US" sz="3000" dirty="0" smtClean="0"/>
-              <a:t> </a:t>
-            </a:r>
-            <a:r>
-              <a:rPr lang="en-US" sz="3000" dirty="0" smtClean="0"/>
-              <a:t>1</a:t>
-            </a:r>
-            <a:r>
-              <a:rPr lang="en-US" sz="3000" dirty="0" smtClean="0"/>
-              <a:t/>
+              <a:t>Practical 1</a:t>
             </a:r>
             <a:br>
               <a:rPr lang="en-US" sz="3000" dirty="0" smtClean="0"/>
             </a:br>
             <a:r>
               <a:rPr lang="en-US" sz="3000" b="1" dirty="0" smtClean="0"/>
-              <a:t>Preparing </a:t>
-            </a:r>
-            <a:r>
-              <a:rPr lang="en-US" sz="3000" b="1" dirty="0" smtClean="0"/>
-              <a:t>and QC of sequence data</a:t>
+              <a:t>Preparing and QC of sequence data</a:t>
             </a:r>
             <a:endParaRPr lang="en-US" sz="3000" b="1" dirty="0"/>
           </a:p>
@@ -3667,7 +3656,7 @@
   <p:timing>
     <p:tnLst>
       <p:par>
-        <p:cTn id="1" dur="indefinite" restart="never" nodeType="tmRoot"/>
+        <p:cTn xmlns:p14="http://schemas.microsoft.com/office/powerpoint/2010/main" id="1" dur="indefinite" restart="never" nodeType="tmRoot"/>
       </p:par>
     </p:tnLst>
   </p:timing>
@@ -3675,7 +3664,7 @@
 </file>
 
 <file path=ppt/slides/slide10.xml><?xml version="1.0" encoding="utf-8"?>
-<p:sld xmlns:a="http://schemas.openxmlformats.org/drawingml/2006/main" xmlns:r="http://schemas.openxmlformats.org/officeDocument/2006/relationships" xmlns:mc="http://schemas.openxmlformats.org/markup-compatibility/2006" xmlns:mv="urn:schemas-microsoft-com:mac:vml" xmlns:p="http://schemas.openxmlformats.org/presentationml/2006/main" mc:Ignorable="mv" mc:PreserveAttributes="mv:*">
+<p:sld xmlns:a="http://schemas.openxmlformats.org/drawingml/2006/main" xmlns:r="http://schemas.openxmlformats.org/officeDocument/2006/relationships" xmlns:p="http://schemas.openxmlformats.org/presentationml/2006/main">
   <p:cSld>
     <p:spTree>
       <p:nvGrpSpPr>
@@ -3751,14 +3740,7 @@
                 <a:latin typeface="Courier New"/>
                 <a:cs typeface="Courier New"/>
               </a:rPr>
-              <a:t>+</a:t>
-            </a:r>
-            <a:r>
-              <a:rPr lang="en-US" sz="2400" dirty="0" smtClean="0">
-                <a:latin typeface="Courier New"/>
-                <a:cs typeface="Courier New"/>
-              </a:rPr>
-              <a:t>@PCUS-319-EAS487_0004_FC:6:1:1351:952#0/1</a:t>
+              <a:t>+@PCUS-319-EAS487_0004_FC:6:1:1351:952#0/1</a:t>
             </a:r>
           </a:p>
           <a:p>
@@ -3850,7 +3832,7 @@
   <p:timing>
     <p:tnLst>
       <p:par>
-        <p:cTn id="1" dur="indefinite" restart="never" nodeType="tmRoot"/>
+        <p:cTn xmlns:p14="http://schemas.microsoft.com/office/powerpoint/2010/main" id="1" dur="indefinite" restart="never" nodeType="tmRoot"/>
       </p:par>
     </p:tnLst>
   </p:timing>
@@ -3858,7 +3840,7 @@
 </file>
 
 <file path=ppt/slides/slide11.xml><?xml version="1.0" encoding="utf-8"?>
-<p:sld xmlns:a="http://schemas.openxmlformats.org/drawingml/2006/main" xmlns:r="http://schemas.openxmlformats.org/officeDocument/2006/relationships" xmlns:mc="http://schemas.openxmlformats.org/markup-compatibility/2006" xmlns:mv="urn:schemas-microsoft-com:mac:vml" xmlns:p="http://schemas.openxmlformats.org/presentationml/2006/main" mc:Ignorable="mv" mc:PreserveAttributes="mv:*">
+<p:sld xmlns:a="http://schemas.openxmlformats.org/drawingml/2006/main" xmlns:r="http://schemas.openxmlformats.org/officeDocument/2006/relationships" xmlns:p="http://schemas.openxmlformats.org/presentationml/2006/main">
   <p:cSld>
     <p:spTree>
       <p:nvGrpSpPr>
@@ -3935,15 +3917,7 @@
                 <a:ea typeface="+mj-ea"/>
                 <a:cs typeface="+mj-cs"/>
               </a:rPr>
-              <a:t>Different </a:t>
-            </a:r>
-            <a:r>
-              <a:rPr lang="en-US" dirty="0" smtClean="0">
-                <a:latin typeface="+mj-lt"/>
-                <a:ea typeface="+mj-ea"/>
-                <a:cs typeface="+mj-cs"/>
-              </a:rPr>
-              <a:t>schemes</a:t>
+              <a:t>Different schemes</a:t>
             </a:r>
           </a:p>
           <a:p>
@@ -4013,11 +3987,7 @@
             </a:r>
             <a:r>
               <a:rPr lang="en-US" dirty="0" smtClean="0"/>
-              <a:t> +</a:t>
-            </a:r>
-            <a:r>
-              <a:rPr lang="en-US" dirty="0" smtClean="0"/>
-              <a:t> 64</a:t>
+              <a:t> + 64</a:t>
             </a:r>
             <a:endParaRPr lang="en-US" dirty="0" smtClean="0">
               <a:latin typeface="+mj-lt"/>
@@ -4066,7 +4036,7 @@
   <p:timing>
     <p:tnLst>
       <p:par>
-        <p:cTn id="1" dur="indefinite" restart="never" nodeType="tmRoot"/>
+        <p:cTn xmlns:p14="http://schemas.microsoft.com/office/powerpoint/2010/main" id="1" dur="indefinite" restart="never" nodeType="tmRoot"/>
       </p:par>
     </p:tnLst>
   </p:timing>
@@ -4074,7 +4044,7 @@
 </file>
 
 <file path=ppt/slides/slide12.xml><?xml version="1.0" encoding="utf-8"?>
-<p:sld xmlns:a="http://schemas.openxmlformats.org/drawingml/2006/main" xmlns:r="http://schemas.openxmlformats.org/officeDocument/2006/relationships" xmlns:mc="http://schemas.openxmlformats.org/markup-compatibility/2006" xmlns:mv="urn:schemas-microsoft-com:mac:vml" xmlns:p="http://schemas.openxmlformats.org/presentationml/2006/main" mc:Ignorable="mv" mc:PreserveAttributes="mv:*">
+<p:sld xmlns:a="http://schemas.openxmlformats.org/drawingml/2006/main" xmlns:r="http://schemas.openxmlformats.org/officeDocument/2006/relationships" xmlns:p="http://schemas.openxmlformats.org/presentationml/2006/main">
   <p:cSld>
     <p:spTree>
       <p:nvGrpSpPr>
@@ -4243,7 +4213,7 @@
   <p:timing>
     <p:tnLst>
       <p:par>
-        <p:cTn id="1" dur="indefinite" restart="never" nodeType="tmRoot"/>
+        <p:cTn xmlns:p14="http://schemas.microsoft.com/office/powerpoint/2010/main" id="1" dur="indefinite" restart="never" nodeType="tmRoot"/>
       </p:par>
     </p:tnLst>
   </p:timing>
@@ -4251,7 +4221,7 @@
 </file>
 
 <file path=ppt/slides/slide13.xml><?xml version="1.0" encoding="utf-8"?>
-<p:sld xmlns:a="http://schemas.openxmlformats.org/drawingml/2006/main" xmlns:r="http://schemas.openxmlformats.org/officeDocument/2006/relationships" xmlns:mc="http://schemas.openxmlformats.org/markup-compatibility/2006" xmlns:mv="urn:schemas-microsoft-com:mac:vml" xmlns:p="http://schemas.openxmlformats.org/presentationml/2006/main" mc:Ignorable="mv" mc:PreserveAttributes="mv:*">
+<p:sld xmlns:a="http://schemas.openxmlformats.org/drawingml/2006/main" xmlns:r="http://schemas.openxmlformats.org/officeDocument/2006/relationships" xmlns:p="http://schemas.openxmlformats.org/presentationml/2006/main">
   <p:cSld>
     <p:spTree>
       <p:nvGrpSpPr>
@@ -4341,7 +4311,7 @@
   <p:timing>
     <p:tnLst>
       <p:par>
-        <p:cTn id="1" dur="indefinite" restart="never" nodeType="tmRoot"/>
+        <p:cTn xmlns:p14="http://schemas.microsoft.com/office/powerpoint/2010/main" id="1" dur="indefinite" restart="never" nodeType="tmRoot"/>
       </p:par>
     </p:tnLst>
   </p:timing>
@@ -4349,7 +4319,7 @@
 </file>
 
 <file path=ppt/slides/slide14.xml><?xml version="1.0" encoding="utf-8"?>
-<p:sld xmlns:a="http://schemas.openxmlformats.org/drawingml/2006/main" xmlns:r="http://schemas.openxmlformats.org/officeDocument/2006/relationships" xmlns:mc="http://schemas.openxmlformats.org/markup-compatibility/2006" xmlns:mv="urn:schemas-microsoft-com:mac:vml" xmlns:p="http://schemas.openxmlformats.org/presentationml/2006/main" mc:Ignorable="mv" mc:PreserveAttributes="mv:*">
+<p:sld xmlns:a="http://schemas.openxmlformats.org/drawingml/2006/main" xmlns:r="http://schemas.openxmlformats.org/officeDocument/2006/relationships" xmlns:p="http://schemas.openxmlformats.org/presentationml/2006/main">
   <p:cSld>
     <p:spTree>
       <p:nvGrpSpPr>
@@ -4453,7 +4423,7 @@
   <p:timing>
     <p:tnLst>
       <p:par>
-        <p:cTn id="1" dur="indefinite" restart="never" nodeType="tmRoot"/>
+        <p:cTn xmlns:p14="http://schemas.microsoft.com/office/powerpoint/2010/main" id="1" dur="indefinite" restart="never" nodeType="tmRoot"/>
       </p:par>
     </p:tnLst>
   </p:timing>
@@ -4461,7 +4431,7 @@
 </file>
 
 <file path=ppt/slides/slide15.xml><?xml version="1.0" encoding="utf-8"?>
-<p:sld xmlns:a="http://schemas.openxmlformats.org/drawingml/2006/main" xmlns:r="http://schemas.openxmlformats.org/officeDocument/2006/relationships" xmlns:mc="http://schemas.openxmlformats.org/markup-compatibility/2006" xmlns:mv="urn:schemas-microsoft-com:mac:vml" xmlns:p="http://schemas.openxmlformats.org/presentationml/2006/main" mc:Ignorable="mv" mc:PreserveAttributes="mv:*">
+<p:sld xmlns:a="http://schemas.openxmlformats.org/drawingml/2006/main" xmlns:r="http://schemas.openxmlformats.org/officeDocument/2006/relationships" xmlns:p="http://schemas.openxmlformats.org/presentationml/2006/main">
   <p:cSld>
     <p:spTree>
       <p:nvGrpSpPr>
@@ -4555,7 +4525,6 @@
               <a:rPr lang="en-US" dirty="0" smtClean="0"/>
               <a:t> file</a:t>
             </a:r>
-            <a:endParaRPr lang="en-US" dirty="0" smtClean="0"/>
           </a:p>
           <a:p>
             <a:pPr lvl="1"/>
@@ -4582,7 +4551,7 @@
   <p:timing>
     <p:tnLst>
       <p:par>
-        <p:cTn id="1" dur="indefinite" restart="never" nodeType="tmRoot"/>
+        <p:cTn xmlns:p14="http://schemas.microsoft.com/office/powerpoint/2010/main" id="1" dur="indefinite" restart="never" nodeType="tmRoot"/>
       </p:par>
     </p:tnLst>
   </p:timing>
@@ -4590,7 +4559,7 @@
 </file>
 
 <file path=ppt/slides/slide16.xml><?xml version="1.0" encoding="utf-8"?>
-<p:sld xmlns:a="http://schemas.openxmlformats.org/drawingml/2006/main" xmlns:r="http://schemas.openxmlformats.org/officeDocument/2006/relationships" xmlns:mc="http://schemas.openxmlformats.org/markup-compatibility/2006" xmlns:mv="urn:schemas-microsoft-com:mac:vml" xmlns:p="http://schemas.openxmlformats.org/presentationml/2006/main" mc:Ignorable="mv" mc:PreserveAttributes="mv:*">
+<p:sld xmlns:a="http://schemas.openxmlformats.org/drawingml/2006/main" xmlns:r="http://schemas.openxmlformats.org/officeDocument/2006/relationships" xmlns:p="http://schemas.openxmlformats.org/presentationml/2006/main">
   <p:cSld>
     <p:spTree>
       <p:nvGrpSpPr>
@@ -4665,7 +4634,7 @@
   <p:timing>
     <p:tnLst>
       <p:par>
-        <p:cTn id="1" dur="indefinite" restart="never" nodeType="tmRoot"/>
+        <p:cTn xmlns:p14="http://schemas.microsoft.com/office/powerpoint/2010/main" id="1" dur="indefinite" restart="never" nodeType="tmRoot"/>
       </p:par>
     </p:tnLst>
   </p:timing>
@@ -4673,7 +4642,7 @@
 </file>
 
 <file path=ppt/slides/slide17.xml><?xml version="1.0" encoding="utf-8"?>
-<p:sld xmlns:a="http://schemas.openxmlformats.org/drawingml/2006/main" xmlns:r="http://schemas.openxmlformats.org/officeDocument/2006/relationships" xmlns:mc="http://schemas.openxmlformats.org/markup-compatibility/2006" xmlns:mv="urn:schemas-microsoft-com:mac:vml" xmlns:p="http://schemas.openxmlformats.org/presentationml/2006/main" mc:Ignorable="mv" mc:PreserveAttributes="mv:*">
+<p:sld xmlns:a="http://schemas.openxmlformats.org/drawingml/2006/main" xmlns:r="http://schemas.openxmlformats.org/officeDocument/2006/relationships" xmlns:p="http://schemas.openxmlformats.org/presentationml/2006/main">
   <p:cSld>
     <p:spTree>
       <p:nvGrpSpPr>
@@ -4748,7 +4717,7 @@
   <p:timing>
     <p:tnLst>
       <p:par>
-        <p:cTn id="1" dur="indefinite" restart="never" nodeType="tmRoot"/>
+        <p:cTn xmlns:p14="http://schemas.microsoft.com/office/powerpoint/2010/main" id="1" dur="indefinite" restart="never" nodeType="tmRoot"/>
       </p:par>
     </p:tnLst>
   </p:timing>
@@ -4756,7 +4725,7 @@
 </file>
 
 <file path=ppt/slides/slide18.xml><?xml version="1.0" encoding="utf-8"?>
-<p:sld xmlns:a="http://schemas.openxmlformats.org/drawingml/2006/main" xmlns:r="http://schemas.openxmlformats.org/officeDocument/2006/relationships" xmlns:mc="http://schemas.openxmlformats.org/markup-compatibility/2006" xmlns:mv="urn:schemas-microsoft-com:mac:vml" xmlns:p="http://schemas.openxmlformats.org/presentationml/2006/main" mc:Ignorable="mv" mc:PreserveAttributes="mv:*">
+<p:sld xmlns:a="http://schemas.openxmlformats.org/drawingml/2006/main" xmlns:r="http://schemas.openxmlformats.org/officeDocument/2006/relationships" xmlns:p="http://schemas.openxmlformats.org/presentationml/2006/main">
   <p:cSld>
     <p:spTree>
       <p:nvGrpSpPr>
@@ -4831,7 +4800,7 @@
   <p:timing>
     <p:tnLst>
       <p:par>
-        <p:cTn id="1" dur="indefinite" restart="never" nodeType="tmRoot"/>
+        <p:cTn xmlns:p14="http://schemas.microsoft.com/office/powerpoint/2010/main" id="1" dur="indefinite" restart="never" nodeType="tmRoot"/>
       </p:par>
     </p:tnLst>
   </p:timing>
@@ -4839,7 +4808,7 @@
 </file>
 
 <file path=ppt/slides/slide19.xml><?xml version="1.0" encoding="utf-8"?>
-<p:sld xmlns:a="http://schemas.openxmlformats.org/drawingml/2006/main" xmlns:r="http://schemas.openxmlformats.org/officeDocument/2006/relationships" xmlns:mc="http://schemas.openxmlformats.org/markup-compatibility/2006" xmlns:mv="urn:schemas-microsoft-com:mac:vml" xmlns:p="http://schemas.openxmlformats.org/presentationml/2006/main" mc:Ignorable="mv" mc:PreserveAttributes="mv:*">
+<p:sld xmlns:a="http://schemas.openxmlformats.org/drawingml/2006/main" xmlns:r="http://schemas.openxmlformats.org/officeDocument/2006/relationships" xmlns:p="http://schemas.openxmlformats.org/presentationml/2006/main">
   <p:cSld>
     <p:spTree>
       <p:nvGrpSpPr>
@@ -4914,7 +4883,7 @@
   <p:timing>
     <p:tnLst>
       <p:par>
-        <p:cTn id="1" dur="indefinite" restart="never" nodeType="tmRoot"/>
+        <p:cTn xmlns:p14="http://schemas.microsoft.com/office/powerpoint/2010/main" id="1" dur="indefinite" restart="never" nodeType="tmRoot"/>
       </p:par>
     </p:tnLst>
   </p:timing>
@@ -4922,7 +4891,7 @@
 </file>
 
 <file path=ppt/slides/slide2.xml><?xml version="1.0" encoding="utf-8"?>
-<p:sld xmlns:a="http://schemas.openxmlformats.org/drawingml/2006/main" xmlns:r="http://schemas.openxmlformats.org/officeDocument/2006/relationships" xmlns:mc="http://schemas.openxmlformats.org/markup-compatibility/2006" xmlns:mv="urn:schemas-microsoft-com:mac:vml" xmlns:p="http://schemas.openxmlformats.org/presentationml/2006/main" mc:Ignorable="mv" mc:PreserveAttributes="mv:*">
+<p:sld xmlns:a="http://schemas.openxmlformats.org/drawingml/2006/main" xmlns:r="http://schemas.openxmlformats.org/officeDocument/2006/relationships" xmlns:p="http://schemas.openxmlformats.org/presentationml/2006/main">
   <p:cSld>
     <p:spTree>
       <p:nvGrpSpPr>
@@ -4955,7 +4924,11 @@
           <a:p>
             <a:r>
               <a:rPr lang="en-US" dirty="0" smtClean="0"/>
-              <a:t>Learning objectives</a:t>
+              <a:t>Learning </a:t>
+            </a:r>
+            <a:r>
+              <a:rPr lang="en-US" dirty="0" smtClean="0"/>
+              <a:t>points</a:t>
             </a:r>
             <a:endParaRPr lang="en-US" dirty="0"/>
           </a:p>
@@ -4986,13 +4959,21 @@
           <a:p>
             <a:r>
               <a:rPr lang="en-US" dirty="0" smtClean="0"/>
-              <a:t>Be able to judge a QC report</a:t>
-            </a:r>
-          </a:p>
-          <a:p>
-            <a:r>
-              <a:rPr lang="en-US" dirty="0" smtClean="0"/>
-              <a:t>Be able to filter/trim </a:t>
+              <a:t>How </a:t>
+            </a:r>
+            <a:r>
+              <a:rPr lang="en-US" dirty="0" smtClean="0"/>
+              <a:t>to judge a QC report</a:t>
+            </a:r>
+          </a:p>
+          <a:p>
+            <a:r>
+              <a:rPr lang="en-US" smtClean="0"/>
+              <a:t>How to </a:t>
+            </a:r>
+            <a:r>
+              <a:rPr lang="en-US" dirty="0" smtClean="0"/>
+              <a:t>filter/trim </a:t>
             </a:r>
             <a:r>
               <a:rPr lang="en-US" dirty="0" err="1" smtClean="0"/>
@@ -5014,7 +4995,7 @@
 </file>
 
 <file path=ppt/slides/slide20.xml><?xml version="1.0" encoding="utf-8"?>
-<p:sld xmlns:a="http://schemas.openxmlformats.org/drawingml/2006/main" xmlns:r="http://schemas.openxmlformats.org/officeDocument/2006/relationships" xmlns:mc="http://schemas.openxmlformats.org/markup-compatibility/2006" xmlns:mv="urn:schemas-microsoft-com:mac:vml" xmlns:p="http://schemas.openxmlformats.org/presentationml/2006/main" mc:Ignorable="mv" mc:PreserveAttributes="mv:*">
+<p:sld xmlns:a="http://schemas.openxmlformats.org/drawingml/2006/main" xmlns:r="http://schemas.openxmlformats.org/officeDocument/2006/relationships" xmlns:p="http://schemas.openxmlformats.org/presentationml/2006/main">
   <p:cSld>
     <p:spTree>
       <p:nvGrpSpPr>
@@ -5301,7 +5282,7 @@
   <p:timing>
     <p:tnLst>
       <p:par>
-        <p:cTn id="1" dur="indefinite" restart="never" nodeType="tmRoot"/>
+        <p:cTn xmlns:p14="http://schemas.microsoft.com/office/powerpoint/2010/main" id="1" dur="indefinite" restart="never" nodeType="tmRoot"/>
       </p:par>
     </p:tnLst>
   </p:timing>
@@ -5309,7 +5290,7 @@
 </file>
 
 <file path=ppt/slides/slide21.xml><?xml version="1.0" encoding="utf-8"?>
-<p:sld xmlns:a="http://schemas.openxmlformats.org/drawingml/2006/main" xmlns:r="http://schemas.openxmlformats.org/officeDocument/2006/relationships" xmlns:mc="http://schemas.openxmlformats.org/markup-compatibility/2006" xmlns:mv="urn:schemas-microsoft-com:mac:vml" xmlns:p="http://schemas.openxmlformats.org/presentationml/2006/main" mc:Ignorable="mv" mc:PreserveAttributes="mv:*">
+<p:sld xmlns:a="http://schemas.openxmlformats.org/drawingml/2006/main" xmlns:r="http://schemas.openxmlformats.org/officeDocument/2006/relationships" xmlns:p="http://schemas.openxmlformats.org/presentationml/2006/main">
   <p:cSld>
     <p:spTree>
       <p:nvGrpSpPr>
@@ -5501,7 +5482,7 @@
   <p:timing>
     <p:tnLst>
       <p:par>
-        <p:cTn id="1" dur="indefinite" restart="never" nodeType="tmRoot"/>
+        <p:cTn xmlns:p14="http://schemas.microsoft.com/office/powerpoint/2010/main" id="1" dur="indefinite" restart="never" nodeType="tmRoot"/>
       </p:par>
     </p:tnLst>
   </p:timing>
@@ -5509,7 +5490,7 @@
 </file>
 
 <file path=ppt/slides/slide22.xml><?xml version="1.0" encoding="utf-8"?>
-<p:sld xmlns:a="http://schemas.openxmlformats.org/drawingml/2006/main" xmlns:r="http://schemas.openxmlformats.org/officeDocument/2006/relationships" xmlns:mc="http://schemas.openxmlformats.org/markup-compatibility/2006" xmlns:mv="urn:schemas-microsoft-com:mac:vml" xmlns:p="http://schemas.openxmlformats.org/presentationml/2006/main" mc:Ignorable="mv" mc:PreserveAttributes="mv:*">
+<p:sld xmlns:a="http://schemas.openxmlformats.org/drawingml/2006/main" xmlns:r="http://schemas.openxmlformats.org/officeDocument/2006/relationships" xmlns:p="http://schemas.openxmlformats.org/presentationml/2006/main">
   <p:cSld>
     <p:spTree>
       <p:nvGrpSpPr>
@@ -5589,7 +5570,7 @@
 </file>
 
 <file path=ppt/slides/slide23.xml><?xml version="1.0" encoding="utf-8"?>
-<p:sld xmlns:a="http://schemas.openxmlformats.org/drawingml/2006/main" xmlns:r="http://schemas.openxmlformats.org/officeDocument/2006/relationships" xmlns:mc="http://schemas.openxmlformats.org/markup-compatibility/2006" xmlns:mv="urn:schemas-microsoft-com:mac:vml" xmlns:p="http://schemas.openxmlformats.org/presentationml/2006/main" mc:Ignorable="mv" mc:PreserveAttributes="mv:*">
+<p:sld xmlns:a="http://schemas.openxmlformats.org/drawingml/2006/main" xmlns:r="http://schemas.openxmlformats.org/officeDocument/2006/relationships" xmlns:p="http://schemas.openxmlformats.org/presentationml/2006/main">
   <p:cSld>
     <p:spTree>
       <p:nvGrpSpPr>
@@ -5667,7 +5648,6 @@
               <a:rPr lang="en-US" dirty="0" smtClean="0"/>
               <a:t>GUI (Java based)</a:t>
             </a:r>
-            <a:endParaRPr lang="en-US" dirty="0" smtClean="0"/>
           </a:p>
           <a:p>
             <a:r>
@@ -5703,7 +5683,7 @@
   <p:timing>
     <p:tnLst>
       <p:par>
-        <p:cTn id="1" dur="indefinite" restart="never" nodeType="tmRoot"/>
+        <p:cTn xmlns:p14="http://schemas.microsoft.com/office/powerpoint/2010/main" id="1" dur="indefinite" restart="never" nodeType="tmRoot"/>
       </p:par>
     </p:tnLst>
   </p:timing>
@@ -5711,7 +5691,7 @@
 </file>
 
 <file path=ppt/slides/slide24.xml><?xml version="1.0" encoding="utf-8"?>
-<p:sld xmlns:a="http://schemas.openxmlformats.org/drawingml/2006/main" xmlns:r="http://schemas.openxmlformats.org/officeDocument/2006/relationships" xmlns:mc="http://schemas.openxmlformats.org/markup-compatibility/2006" xmlns:mv="urn:schemas-microsoft-com:mac:vml" xmlns:p="http://schemas.openxmlformats.org/presentationml/2006/main" mc:Ignorable="mv" mc:PreserveAttributes="mv:*">
+<p:sld xmlns:a="http://schemas.openxmlformats.org/drawingml/2006/main" xmlns:r="http://schemas.openxmlformats.org/officeDocument/2006/relationships" xmlns:p="http://schemas.openxmlformats.org/presentationml/2006/main">
   <p:cSld>
     <p:spTree>
       <p:nvGrpSpPr>
@@ -5786,7 +5766,7 @@
   <p:timing>
     <p:tnLst>
       <p:par>
-        <p:cTn id="1" dur="indefinite" restart="never" nodeType="tmRoot"/>
+        <p:cTn xmlns:p14="http://schemas.microsoft.com/office/powerpoint/2010/main" id="1" dur="indefinite" restart="never" nodeType="tmRoot"/>
       </p:par>
     </p:tnLst>
   </p:timing>
@@ -5794,7 +5774,7 @@
 </file>
 
 <file path=ppt/slides/slide25.xml><?xml version="1.0" encoding="utf-8"?>
-<p:sld xmlns:a="http://schemas.openxmlformats.org/drawingml/2006/main" xmlns:r="http://schemas.openxmlformats.org/officeDocument/2006/relationships" xmlns:mc="http://schemas.openxmlformats.org/markup-compatibility/2006" xmlns:mv="urn:schemas-microsoft-com:mac:vml" xmlns:p="http://schemas.openxmlformats.org/presentationml/2006/main" mc:Ignorable="mv" mc:PreserveAttributes="mv:*">
+<p:sld xmlns:a="http://schemas.openxmlformats.org/drawingml/2006/main" xmlns:r="http://schemas.openxmlformats.org/officeDocument/2006/relationships" xmlns:p="http://schemas.openxmlformats.org/presentationml/2006/main">
   <p:cSld>
     <p:spTree>
       <p:nvGrpSpPr>
@@ -5870,7 +5850,7 @@
   <p:timing>
     <p:tnLst>
       <p:par>
-        <p:cTn id="1" dur="indefinite" restart="never" nodeType="tmRoot"/>
+        <p:cTn xmlns:p14="http://schemas.microsoft.com/office/powerpoint/2010/main" id="1" dur="indefinite" restart="never" nodeType="tmRoot"/>
       </p:par>
     </p:tnLst>
   </p:timing>
@@ -5878,7 +5858,7 @@
 </file>
 
 <file path=ppt/slides/slide26.xml><?xml version="1.0" encoding="utf-8"?>
-<p:sld xmlns:a="http://schemas.openxmlformats.org/drawingml/2006/main" xmlns:r="http://schemas.openxmlformats.org/officeDocument/2006/relationships" xmlns:mc="http://schemas.openxmlformats.org/markup-compatibility/2006" xmlns:mv="urn:schemas-microsoft-com:mac:vml" xmlns:p="http://schemas.openxmlformats.org/presentationml/2006/main" mc:Ignorable="mv" mc:PreserveAttributes="mv:*">
+<p:sld xmlns:a="http://schemas.openxmlformats.org/drawingml/2006/main" xmlns:r="http://schemas.openxmlformats.org/officeDocument/2006/relationships" xmlns:p="http://schemas.openxmlformats.org/presentationml/2006/main">
   <p:cSld>
     <p:spTree>
       <p:nvGrpSpPr>
@@ -5953,7 +5933,7 @@
   <p:timing>
     <p:tnLst>
       <p:par>
-        <p:cTn id="1" dur="indefinite" restart="never" nodeType="tmRoot"/>
+        <p:cTn xmlns:p14="http://schemas.microsoft.com/office/powerpoint/2010/main" id="1" dur="indefinite" restart="never" nodeType="tmRoot"/>
       </p:par>
     </p:tnLst>
   </p:timing>
@@ -5961,7 +5941,7 @@
 </file>
 
 <file path=ppt/slides/slide27.xml><?xml version="1.0" encoding="utf-8"?>
-<p:sld xmlns:a="http://schemas.openxmlformats.org/drawingml/2006/main" xmlns:r="http://schemas.openxmlformats.org/officeDocument/2006/relationships" xmlns:mc="http://schemas.openxmlformats.org/markup-compatibility/2006" xmlns:mv="urn:schemas-microsoft-com:mac:vml" xmlns:p="http://schemas.openxmlformats.org/presentationml/2006/main" mc:Ignorable="mv" mc:PreserveAttributes="mv:*">
+<p:sld xmlns:a="http://schemas.openxmlformats.org/drawingml/2006/main" xmlns:r="http://schemas.openxmlformats.org/officeDocument/2006/relationships" xmlns:p="http://schemas.openxmlformats.org/presentationml/2006/main">
   <p:cSld>
     <p:spTree>
       <p:nvGrpSpPr>
@@ -6036,7 +6016,7 @@
   <p:timing>
     <p:tnLst>
       <p:par>
-        <p:cTn id="1" dur="indefinite" restart="never" nodeType="tmRoot"/>
+        <p:cTn xmlns:p14="http://schemas.microsoft.com/office/powerpoint/2010/main" id="1" dur="indefinite" restart="never" nodeType="tmRoot"/>
       </p:par>
     </p:tnLst>
   </p:timing>
@@ -6044,7 +6024,7 @@
 </file>
 
 <file path=ppt/slides/slide28.xml><?xml version="1.0" encoding="utf-8"?>
-<p:sld xmlns:a="http://schemas.openxmlformats.org/drawingml/2006/main" xmlns:r="http://schemas.openxmlformats.org/officeDocument/2006/relationships" xmlns:mc="http://schemas.openxmlformats.org/markup-compatibility/2006" xmlns:mv="urn:schemas-microsoft-com:mac:vml" xmlns:p="http://schemas.openxmlformats.org/presentationml/2006/main" mc:Ignorable="mv" mc:PreserveAttributes="mv:*">
+<p:sld xmlns:a="http://schemas.openxmlformats.org/drawingml/2006/main" xmlns:r="http://schemas.openxmlformats.org/officeDocument/2006/relationships" xmlns:p="http://schemas.openxmlformats.org/presentationml/2006/main">
   <p:cSld>
     <p:spTree>
       <p:nvGrpSpPr>
@@ -6119,7 +6099,7 @@
   <p:timing>
     <p:tnLst>
       <p:par>
-        <p:cTn id="1" dur="indefinite" restart="never" nodeType="tmRoot"/>
+        <p:cTn xmlns:p14="http://schemas.microsoft.com/office/powerpoint/2010/main" id="1" dur="indefinite" restart="never" nodeType="tmRoot"/>
       </p:par>
     </p:tnLst>
   </p:timing>
@@ -6127,7 +6107,7 @@
 </file>
 
 <file path=ppt/slides/slide29.xml><?xml version="1.0" encoding="utf-8"?>
-<p:sld xmlns:a="http://schemas.openxmlformats.org/drawingml/2006/main" xmlns:r="http://schemas.openxmlformats.org/officeDocument/2006/relationships" xmlns:mc="http://schemas.openxmlformats.org/markup-compatibility/2006" xmlns:mv="urn:schemas-microsoft-com:mac:vml" xmlns:p="http://schemas.openxmlformats.org/presentationml/2006/main" mc:Ignorable="mv" mc:PreserveAttributes="mv:*">
+<p:sld xmlns:a="http://schemas.openxmlformats.org/drawingml/2006/main" xmlns:r="http://schemas.openxmlformats.org/officeDocument/2006/relationships" xmlns:p="http://schemas.openxmlformats.org/presentationml/2006/main">
   <p:cSld>
     <p:spTree>
       <p:nvGrpSpPr>
@@ -6202,7 +6182,7 @@
   <p:timing>
     <p:tnLst>
       <p:par>
-        <p:cTn id="1" dur="indefinite" restart="never" nodeType="tmRoot"/>
+        <p:cTn xmlns:p14="http://schemas.microsoft.com/office/powerpoint/2010/main" id="1" dur="indefinite" restart="never" nodeType="tmRoot"/>
       </p:par>
     </p:tnLst>
   </p:timing>
@@ -6210,7 +6190,7 @@
 </file>
 
 <file path=ppt/slides/slide3.xml><?xml version="1.0" encoding="utf-8"?>
-<p:sld xmlns:a="http://schemas.openxmlformats.org/drawingml/2006/main" xmlns:r="http://schemas.openxmlformats.org/officeDocument/2006/relationships" xmlns:mc="http://schemas.openxmlformats.org/markup-compatibility/2006" xmlns:mv="urn:schemas-microsoft-com:mac:vml" xmlns:p="http://schemas.openxmlformats.org/presentationml/2006/main" mc:Ignorable="mv" mc:PreserveAttributes="mv:*">
+<p:sld xmlns:a="http://schemas.openxmlformats.org/drawingml/2006/main" xmlns:r="http://schemas.openxmlformats.org/officeDocument/2006/relationships" xmlns:p="http://schemas.openxmlformats.org/presentationml/2006/main">
   <p:cSld>
     <p:spTree>
       <p:nvGrpSpPr>
@@ -6306,7 +6286,7 @@
 </file>
 
 <file path=ppt/slides/slide30.xml><?xml version="1.0" encoding="utf-8"?>
-<p:sld xmlns:a="http://schemas.openxmlformats.org/drawingml/2006/main" xmlns:r="http://schemas.openxmlformats.org/officeDocument/2006/relationships" xmlns:mc="http://schemas.openxmlformats.org/markup-compatibility/2006" xmlns:mv="urn:schemas-microsoft-com:mac:vml" xmlns:p="http://schemas.openxmlformats.org/presentationml/2006/main" mc:Ignorable="mv" mc:PreserveAttributes="mv:*">
+<p:sld xmlns:a="http://schemas.openxmlformats.org/drawingml/2006/main" xmlns:r="http://schemas.openxmlformats.org/officeDocument/2006/relationships" xmlns:p="http://schemas.openxmlformats.org/presentationml/2006/main">
   <p:cSld>
     <p:spTree>
       <p:nvGrpSpPr>
@@ -6440,7 +6420,7 @@
   <p:timing>
     <p:tnLst>
       <p:par>
-        <p:cTn id="1" dur="indefinite" restart="never" nodeType="tmRoot"/>
+        <p:cTn xmlns:p14="http://schemas.microsoft.com/office/powerpoint/2010/main" id="1" dur="indefinite" restart="never" nodeType="tmRoot"/>
       </p:par>
     </p:tnLst>
   </p:timing>
@@ -6448,7 +6428,7 @@
 </file>
 
 <file path=ppt/slides/slide31.xml><?xml version="1.0" encoding="utf-8"?>
-<p:sld xmlns:a="http://schemas.openxmlformats.org/drawingml/2006/main" xmlns:r="http://schemas.openxmlformats.org/officeDocument/2006/relationships" xmlns:mc="http://schemas.openxmlformats.org/markup-compatibility/2006" xmlns:mv="urn:schemas-microsoft-com:mac:vml" xmlns:p="http://schemas.openxmlformats.org/presentationml/2006/main" mc:Ignorable="mv" mc:PreserveAttributes="mv:*">
+<p:sld xmlns:a="http://schemas.openxmlformats.org/drawingml/2006/main" xmlns:r="http://schemas.openxmlformats.org/officeDocument/2006/relationships" xmlns:p="http://schemas.openxmlformats.org/presentationml/2006/main">
   <p:cSld>
     <p:spTree>
       <p:nvGrpSpPr>
@@ -6557,7 +6537,7 @@
 </file>
 
 <file path=ppt/slides/slide4.xml><?xml version="1.0" encoding="utf-8"?>
-<p:sld xmlns:a="http://schemas.openxmlformats.org/drawingml/2006/main" xmlns:r="http://schemas.openxmlformats.org/officeDocument/2006/relationships" xmlns:mc="http://schemas.openxmlformats.org/markup-compatibility/2006" xmlns:mv="urn:schemas-microsoft-com:mac:vml" xmlns:p="http://schemas.openxmlformats.org/presentationml/2006/main" mc:Ignorable="mv" mc:PreserveAttributes="mv:*">
+<p:sld xmlns:a="http://schemas.openxmlformats.org/drawingml/2006/main" xmlns:r="http://schemas.openxmlformats.org/officeDocument/2006/relationships" xmlns:p="http://schemas.openxmlformats.org/presentationml/2006/main">
   <p:cSld>
     <p:spTree>
       <p:nvGrpSpPr>
@@ -6696,7 +6676,7 @@
   <p:timing>
     <p:tnLst>
       <p:par>
-        <p:cTn id="1" dur="indefinite" restart="never" nodeType="tmRoot"/>
+        <p:cTn xmlns:p14="http://schemas.microsoft.com/office/powerpoint/2010/main" id="1" dur="indefinite" restart="never" nodeType="tmRoot"/>
       </p:par>
     </p:tnLst>
   </p:timing>
@@ -6704,7 +6684,7 @@
 </file>
 
 <file path=ppt/slides/slide5.xml><?xml version="1.0" encoding="utf-8"?>
-<p:sld xmlns:a="http://schemas.openxmlformats.org/drawingml/2006/main" xmlns:r="http://schemas.openxmlformats.org/officeDocument/2006/relationships" xmlns:mc="http://schemas.openxmlformats.org/markup-compatibility/2006" xmlns:mv="urn:schemas-microsoft-com:mac:vml" xmlns:p="http://schemas.openxmlformats.org/presentationml/2006/main" mc:Ignorable="mv" mc:PreserveAttributes="mv:*">
+<p:sld xmlns:a="http://schemas.openxmlformats.org/drawingml/2006/main" xmlns:r="http://schemas.openxmlformats.org/officeDocument/2006/relationships" xmlns:p="http://schemas.openxmlformats.org/presentationml/2006/main">
   <p:cSld>
     <p:spTree>
       <p:nvGrpSpPr>
@@ -7033,7 +7013,7 @@
   <p:timing>
     <p:tnLst>
       <p:par>
-        <p:cTn id="1" dur="indefinite" restart="never" nodeType="tmRoot"/>
+        <p:cTn xmlns:p14="http://schemas.microsoft.com/office/powerpoint/2010/main" id="1" dur="indefinite" restart="never" nodeType="tmRoot"/>
       </p:par>
     </p:tnLst>
   </p:timing>
@@ -7041,7 +7021,7 @@
 </file>
 
 <file path=ppt/slides/slide6.xml><?xml version="1.0" encoding="utf-8"?>
-<p:sld xmlns:a="http://schemas.openxmlformats.org/drawingml/2006/main" xmlns:r="http://schemas.openxmlformats.org/officeDocument/2006/relationships" xmlns:mc="http://schemas.openxmlformats.org/markup-compatibility/2006" xmlns:mv="urn:schemas-microsoft-com:mac:vml" xmlns:p="http://schemas.openxmlformats.org/presentationml/2006/main" mc:Ignorable="mv" mc:PreserveAttributes="mv:*">
+<p:sld xmlns:a="http://schemas.openxmlformats.org/drawingml/2006/main" xmlns:r="http://schemas.openxmlformats.org/officeDocument/2006/relationships" xmlns:p="http://schemas.openxmlformats.org/presentationml/2006/main">
   <p:cSld>
     <p:spTree>
       <p:nvGrpSpPr>
@@ -7363,7 +7343,7 @@
   <p:timing>
     <p:tnLst>
       <p:par>
-        <p:cTn id="1" dur="indefinite" restart="never" nodeType="tmRoot"/>
+        <p:cTn xmlns:p14="http://schemas.microsoft.com/office/powerpoint/2010/main" id="1" dur="indefinite" restart="never" nodeType="tmRoot"/>
       </p:par>
     </p:tnLst>
   </p:timing>
@@ -7371,7 +7351,7 @@
 </file>
 
 <file path=ppt/slides/slide7.xml><?xml version="1.0" encoding="utf-8"?>
-<p:sld xmlns:a="http://schemas.openxmlformats.org/drawingml/2006/main" xmlns:r="http://schemas.openxmlformats.org/officeDocument/2006/relationships" xmlns:mc="http://schemas.openxmlformats.org/markup-compatibility/2006" xmlns:mv="urn:schemas-microsoft-com:mac:vml" xmlns:p="http://schemas.openxmlformats.org/presentationml/2006/main" mc:Ignorable="mv" mc:PreserveAttributes="mv:*">
+<p:sld xmlns:a="http://schemas.openxmlformats.org/drawingml/2006/main" xmlns:r="http://schemas.openxmlformats.org/officeDocument/2006/relationships" xmlns:p="http://schemas.openxmlformats.org/presentationml/2006/main">
   <p:cSld>
     <p:spTree>
       <p:nvGrpSpPr>
@@ -7500,7 +7480,7 @@
   <p:timing>
     <p:tnLst>
       <p:par>
-        <p:cTn id="1" dur="indefinite" restart="never" nodeType="tmRoot"/>
+        <p:cTn xmlns:p14="http://schemas.microsoft.com/office/powerpoint/2010/main" id="1" dur="indefinite" restart="never" nodeType="tmRoot"/>
       </p:par>
     </p:tnLst>
   </p:timing>
@@ -7508,7 +7488,7 @@
 </file>
 
 <file path=ppt/slides/slide8.xml><?xml version="1.0" encoding="utf-8"?>
-<p:sld xmlns:a="http://schemas.openxmlformats.org/drawingml/2006/main" xmlns:r="http://schemas.openxmlformats.org/officeDocument/2006/relationships" xmlns:mc="http://schemas.openxmlformats.org/markup-compatibility/2006" xmlns:mv="urn:schemas-microsoft-com:mac:vml" xmlns:p="http://schemas.openxmlformats.org/presentationml/2006/main" mc:Ignorable="mv" mc:PreserveAttributes="mv:*">
+<p:sld xmlns:a="http://schemas.openxmlformats.org/drawingml/2006/main" xmlns:r="http://schemas.openxmlformats.org/officeDocument/2006/relationships" xmlns:p="http://schemas.openxmlformats.org/presentationml/2006/main">
   <p:cSld>
     <p:spTree>
       <p:nvGrpSpPr>
@@ -7754,7 +7734,7 @@
   <p:timing>
     <p:tnLst>
       <p:par>
-        <p:cTn id="1" dur="indefinite" restart="never" nodeType="tmRoot"/>
+        <p:cTn xmlns:p14="http://schemas.microsoft.com/office/powerpoint/2010/main" id="1" dur="indefinite" restart="never" nodeType="tmRoot"/>
       </p:par>
     </p:tnLst>
   </p:timing>
@@ -7762,7 +7742,7 @@
 </file>
 
 <file path=ppt/slides/slide9.xml><?xml version="1.0" encoding="utf-8"?>
-<p:sld xmlns:a="http://schemas.openxmlformats.org/drawingml/2006/main" xmlns:r="http://schemas.openxmlformats.org/officeDocument/2006/relationships" xmlns:mc="http://schemas.openxmlformats.org/markup-compatibility/2006" xmlns:mv="urn:schemas-microsoft-com:mac:vml" xmlns:p="http://schemas.openxmlformats.org/presentationml/2006/main" mc:Ignorable="mv" mc:PreserveAttributes="mv:*">
+<p:sld xmlns:a="http://schemas.openxmlformats.org/drawingml/2006/main" xmlns:r="http://schemas.openxmlformats.org/officeDocument/2006/relationships" xmlns:p="http://schemas.openxmlformats.org/presentationml/2006/main">
   <p:cSld>
     <p:spTree>
       <p:nvGrpSpPr>
@@ -8076,7 +8056,7 @@
   <p:timing>
     <p:tnLst>
       <p:par>
-        <p:cTn id="1" dur="indefinite" restart="never" nodeType="tmRoot"/>
+        <p:cTn xmlns:p14="http://schemas.microsoft.com/office/powerpoint/2010/main" id="1" dur="indefinite" restart="never" nodeType="tmRoot"/>
       </p:par>
     </p:tnLst>
   </p:timing>

--- a/presentations/Practical_1_preparing_and_QC_of_sequence_ data.pptx
+++ b/presentations/Practical_1_preparing_and_QC_of_sequence_ data.pptx
@@ -5,7 +5,7 @@
     <p:sldMasterId id="2147483648" r:id="rId1"/>
   </p:sldMasterIdLst>
   <p:notesMasterIdLst>
-    <p:notesMasterId r:id="rId33"/>
+    <p:notesMasterId r:id="rId35"/>
   </p:notesMasterIdLst>
   <p:sldIdLst>
     <p:sldId id="256" r:id="rId2"/>
@@ -14,31 +14,33 @@
     <p:sldId id="258" r:id="rId5"/>
     <p:sldId id="259" r:id="rId6"/>
     <p:sldId id="260" r:id="rId7"/>
-    <p:sldId id="261" r:id="rId8"/>
-    <p:sldId id="286" r:id="rId9"/>
-    <p:sldId id="262" r:id="rId10"/>
-    <p:sldId id="281" r:id="rId11"/>
+    <p:sldId id="288" r:id="rId8"/>
+    <p:sldId id="261" r:id="rId9"/>
+    <p:sldId id="286" r:id="rId10"/>
+    <p:sldId id="289" r:id="rId11"/>
     <p:sldId id="282" r:id="rId12"/>
-    <p:sldId id="263" r:id="rId13"/>
-    <p:sldId id="264" r:id="rId14"/>
-    <p:sldId id="265" r:id="rId15"/>
-    <p:sldId id="266" r:id="rId16"/>
-    <p:sldId id="267" r:id="rId17"/>
-    <p:sldId id="268" r:id="rId18"/>
-    <p:sldId id="269" r:id="rId19"/>
-    <p:sldId id="270" r:id="rId20"/>
-    <p:sldId id="271" r:id="rId21"/>
-    <p:sldId id="272" r:id="rId22"/>
-    <p:sldId id="283" r:id="rId23"/>
-    <p:sldId id="273" r:id="rId24"/>
-    <p:sldId id="274" r:id="rId25"/>
-    <p:sldId id="275" r:id="rId26"/>
-    <p:sldId id="276" r:id="rId27"/>
-    <p:sldId id="277" r:id="rId28"/>
-    <p:sldId id="278" r:id="rId29"/>
-    <p:sldId id="279" r:id="rId30"/>
-    <p:sldId id="280" r:id="rId31"/>
-    <p:sldId id="284" r:id="rId32"/>
+    <p:sldId id="262" r:id="rId13"/>
+    <p:sldId id="263" r:id="rId14"/>
+    <p:sldId id="264" r:id="rId15"/>
+    <p:sldId id="265" r:id="rId16"/>
+    <p:sldId id="266" r:id="rId17"/>
+    <p:sldId id="287" r:id="rId18"/>
+    <p:sldId id="267" r:id="rId19"/>
+    <p:sldId id="268" r:id="rId20"/>
+    <p:sldId id="269" r:id="rId21"/>
+    <p:sldId id="290" r:id="rId22"/>
+    <p:sldId id="270" r:id="rId23"/>
+    <p:sldId id="291" r:id="rId24"/>
+    <p:sldId id="271" r:id="rId25"/>
+    <p:sldId id="272" r:id="rId26"/>
+    <p:sldId id="273" r:id="rId27"/>
+    <p:sldId id="274" r:id="rId28"/>
+    <p:sldId id="276" r:id="rId29"/>
+    <p:sldId id="277" r:id="rId30"/>
+    <p:sldId id="278" r:id="rId31"/>
+    <p:sldId id="279" r:id="rId32"/>
+    <p:sldId id="280" r:id="rId33"/>
+    <p:sldId id="284" r:id="rId34"/>
   </p:sldIdLst>
   <p:sldSz cx="9144000" cy="6858000" type="screen4x3"/>
   <p:notesSz cx="6858000" cy="9144000"/>
@@ -223,7 +225,7 @@
             <a:fld id="{7B017CDE-E91F-D348-A70E-2B7B84391936}" type="datetimeFigureOut">
               <a:rPr lang="en-US" smtClean="0"/>
               <a:pPr/>
-              <a:t>22/10/2011</a:t>
+              <a:t>24/10/2011</a:t>
             </a:fld>
             <a:endParaRPr lang="en-US"/>
           </a:p>
@@ -676,7 +678,7 @@
             <a:fld id="{A4AAEA4C-2FC0-8F41-AA8D-DA93A16F9072}" type="datetimeFigureOut">
               <a:rPr lang="en-US" smtClean="0"/>
               <a:pPr/>
-              <a:t>22/10/2011</a:t>
+              <a:t>24/10/2011</a:t>
             </a:fld>
             <a:endParaRPr lang="en-US"/>
           </a:p>
@@ -843,7 +845,7 @@
             <a:fld id="{A4AAEA4C-2FC0-8F41-AA8D-DA93A16F9072}" type="datetimeFigureOut">
               <a:rPr lang="en-US" smtClean="0"/>
               <a:pPr/>
-              <a:t>22/10/2011</a:t>
+              <a:t>24/10/2011</a:t>
             </a:fld>
             <a:endParaRPr lang="en-US"/>
           </a:p>
@@ -1020,7 +1022,7 @@
             <a:fld id="{A4AAEA4C-2FC0-8F41-AA8D-DA93A16F9072}" type="datetimeFigureOut">
               <a:rPr lang="en-US" smtClean="0"/>
               <a:pPr/>
-              <a:t>22/10/2011</a:t>
+              <a:t>24/10/2011</a:t>
             </a:fld>
             <a:endParaRPr lang="en-US"/>
           </a:p>
@@ -1187,7 +1189,7 @@
             <a:fld id="{A4AAEA4C-2FC0-8F41-AA8D-DA93A16F9072}" type="datetimeFigureOut">
               <a:rPr lang="en-US" smtClean="0"/>
               <a:pPr/>
-              <a:t>22/10/2011</a:t>
+              <a:t>24/10/2011</a:t>
             </a:fld>
             <a:endParaRPr lang="en-US"/>
           </a:p>
@@ -1430,7 +1432,7 @@
             <a:fld id="{A4AAEA4C-2FC0-8F41-AA8D-DA93A16F9072}" type="datetimeFigureOut">
               <a:rPr lang="en-US" smtClean="0"/>
               <a:pPr/>
-              <a:t>22/10/2011</a:t>
+              <a:t>24/10/2011</a:t>
             </a:fld>
             <a:endParaRPr lang="en-US"/>
           </a:p>
@@ -1715,7 +1717,7 @@
             <a:fld id="{A4AAEA4C-2FC0-8F41-AA8D-DA93A16F9072}" type="datetimeFigureOut">
               <a:rPr lang="en-US" smtClean="0"/>
               <a:pPr/>
-              <a:t>22/10/2011</a:t>
+              <a:t>24/10/2011</a:t>
             </a:fld>
             <a:endParaRPr lang="en-US"/>
           </a:p>
@@ -2134,7 +2136,7 @@
             <a:fld id="{A4AAEA4C-2FC0-8F41-AA8D-DA93A16F9072}" type="datetimeFigureOut">
               <a:rPr lang="en-US" smtClean="0"/>
               <a:pPr/>
-              <a:t>22/10/2011</a:t>
+              <a:t>24/10/2011</a:t>
             </a:fld>
             <a:endParaRPr lang="en-US"/>
           </a:p>
@@ -2249,7 +2251,7 @@
             <a:fld id="{A4AAEA4C-2FC0-8F41-AA8D-DA93A16F9072}" type="datetimeFigureOut">
               <a:rPr lang="en-US" smtClean="0"/>
               <a:pPr/>
-              <a:t>22/10/2011</a:t>
+              <a:t>24/10/2011</a:t>
             </a:fld>
             <a:endParaRPr lang="en-US"/>
           </a:p>
@@ -2341,7 +2343,7 @@
             <a:fld id="{A4AAEA4C-2FC0-8F41-AA8D-DA93A16F9072}" type="datetimeFigureOut">
               <a:rPr lang="en-US" smtClean="0"/>
               <a:pPr/>
-              <a:t>22/10/2011</a:t>
+              <a:t>24/10/2011</a:t>
             </a:fld>
             <a:endParaRPr lang="en-US"/>
           </a:p>
@@ -2615,7 +2617,7 @@
             <a:fld id="{A4AAEA4C-2FC0-8F41-AA8D-DA93A16F9072}" type="datetimeFigureOut">
               <a:rPr lang="en-US" smtClean="0"/>
               <a:pPr/>
-              <a:t>22/10/2011</a:t>
+              <a:t>24/10/2011</a:t>
             </a:fld>
             <a:endParaRPr lang="en-US"/>
           </a:p>
@@ -2865,7 +2867,7 @@
             <a:fld id="{A4AAEA4C-2FC0-8F41-AA8D-DA93A16F9072}" type="datetimeFigureOut">
               <a:rPr lang="en-US" smtClean="0"/>
               <a:pPr/>
-              <a:t>22/10/2011</a:t>
+              <a:t>24/10/2011</a:t>
             </a:fld>
             <a:endParaRPr lang="en-US"/>
           </a:p>
@@ -3135,7 +3137,7 @@
             <a:fld id="{A4AAEA4C-2FC0-8F41-AA8D-DA93A16F9072}" type="datetimeFigureOut">
               <a:rPr lang="en-US" smtClean="0"/>
               <a:pPr/>
-              <a:t>22/10/2011</a:t>
+              <a:t>24/10/2011</a:t>
             </a:fld>
             <a:endParaRPr lang="en-US"/>
           </a:p>
@@ -3737,6 +3739,36 @@
             </a:pPr>
             <a:r>
               <a:rPr lang="en-US" sz="2400" dirty="0" smtClean="0">
+                <a:solidFill>
+                  <a:schemeClr val="bg1"/>
+                </a:solidFill>
+                <a:latin typeface="Courier New"/>
+                <a:cs typeface="Courier New"/>
+              </a:rPr>
+              <a:t>@PCUS-319-EAS487_0004_FC:6:1:1351:952#0/1</a:t>
+            </a:r>
+          </a:p>
+          <a:p>
+            <a:pPr marL="0" indent="0">
+              <a:buNone/>
+            </a:pPr>
+            <a:r>
+              <a:rPr lang="en-US" sz="2400" dirty="0" smtClean="0">
+                <a:solidFill>
+                  <a:schemeClr val="bg1"/>
+                </a:solidFill>
+                <a:latin typeface="Courier New"/>
+                <a:cs typeface="Courier New"/>
+              </a:rPr>
+              <a:t>CCAACATAGCTGGATGCCAACATAGCTGGATTGTTATAGCTGGTTTGCTTTTCTAACTCGCTGGAAGTTTATAAGCATTCCTACTATTTCATAGTATTAC</a:t>
+            </a:r>
+          </a:p>
+          <a:p>
+            <a:pPr marL="0" indent="0">
+              <a:buNone/>
+            </a:pPr>
+            <a:r>
+              <a:rPr lang="en-US" sz="2400" dirty="0" smtClean="0">
                 <a:latin typeface="Courier New"/>
                 <a:cs typeface="Courier New"/>
               </a:rPr>
@@ -3763,13 +3795,13 @@
       </p:sp>
       <p:sp>
         <p:nvSpPr>
-          <p:cNvPr id="4" name="TextBox 3"/>
+          <p:cNvPr id="7" name="TextBox 6"/>
           <p:cNvSpPr txBox="1"/>
           <p:nvPr/>
         </p:nvSpPr>
         <p:spPr>
           <a:xfrm>
-            <a:off x="457200" y="3512207"/>
+            <a:off x="2203323" y="1657467"/>
             <a:ext cx="4333338" cy="1200328"/>
           </a:xfrm>
           <a:prstGeom prst="rect">
@@ -3825,6 +3857,11 @@
         </p:txBody>
       </p:sp>
     </p:spTree>
+    <p:extLst>
+      <p:ext uri="{BB962C8B-B14F-4D97-AF65-F5344CB8AC3E}">
+        <p14:creationId xmlns:p14="http://schemas.microsoft.com/office/powerpoint/2010/main" val="4283438115"/>
+      </p:ext>
+    </p:extLst>
   </p:cSld>
   <p:clrMapOvr>
     <a:masterClrMapping/>
@@ -4077,11 +4114,19 @@
           <a:p>
             <a:r>
               <a:rPr lang="en-US" dirty="0" err="1" smtClean="0"/>
-              <a:t>FastQ</a:t>
-            </a:r>
-            <a:r>
-              <a:rPr lang="en-US" dirty="0" smtClean="0"/>
-              <a:t> formats</a:t>
+              <a:t>Illumina</a:t>
+            </a:r>
+            <a:r>
+              <a:rPr lang="en-US" dirty="0" smtClean="0"/>
+              <a:t>: </a:t>
+            </a:r>
+            <a:r>
+              <a:rPr lang="en-US" dirty="0" err="1" smtClean="0"/>
+              <a:t>fastq</a:t>
+            </a:r>
+            <a:r>
+              <a:rPr lang="en-US" dirty="0" smtClean="0"/>
+              <a:t> file</a:t>
             </a:r>
             <a:endParaRPr lang="en-US" dirty="0"/>
           </a:p>
@@ -4100,108 +4145,245 @@
         <p:spPr/>
         <p:txBody>
           <a:bodyPr>
-            <a:normAutofit fontScale="92500" lnSpcReduction="20000"/>
+            <a:normAutofit lnSpcReduction="10000"/>
           </a:bodyPr>
           <a:lstStyle/>
           <a:p>
-            <a:pPr marL="0" indent="0" algn="ctr">
+            <a:pPr marL="0" indent="0">
               <a:buNone/>
             </a:pPr>
             <a:r>
-              <a:rPr lang="en-US" dirty="0" smtClean="0"/>
-              <a:t>Cock PJ et al 2009</a:t>
-            </a:r>
-          </a:p>
-          <a:p>
-            <a:pPr marL="0" indent="0" algn="ctr">
+              <a:rPr lang="en-US" sz="2400" dirty="0" smtClean="0">
+                <a:latin typeface="Courier New"/>
+                <a:cs typeface="Courier New"/>
+              </a:rPr>
+              <a:t>@PCUS-319-EAS487_0004_FC:6:1:1351:952#0/1</a:t>
+            </a:r>
+          </a:p>
+          <a:p>
+            <a:pPr marL="0" indent="0">
               <a:buNone/>
             </a:pPr>
-            <a:endParaRPr lang="en-US" dirty="0" smtClean="0"/>
-          </a:p>
-          <a:p>
-            <a:pPr marL="0" indent="0" algn="ctr">
+            <a:r>
+              <a:rPr lang="en-US" sz="2400" dirty="0" smtClean="0">
+                <a:latin typeface="Courier New"/>
+                <a:cs typeface="Courier New"/>
+              </a:rPr>
+              <a:t>CCAACATAGCTGGATGCCAACATAGCTGGATTGTTATAGCTGGTTTGCTTTTCTAACTCGCTGGAAGTTTATAAGCATTCCTACTATTTCATAGTATTAC</a:t>
+            </a:r>
+          </a:p>
+          <a:p>
+            <a:pPr marL="0" indent="0">
               <a:buNone/>
             </a:pPr>
             <a:r>
-              <a:rPr lang="en-US" sz="2595" dirty="0" smtClean="0"/>
-              <a:t>The Sanger FASTQ file format for sequences with quality scores, and the </a:t>
-            </a:r>
-            <a:r>
-              <a:rPr lang="en-US" sz="2595" dirty="0" err="1" smtClean="0"/>
-              <a:t>Solexa/Illumina</a:t>
-            </a:r>
-            <a:r>
-              <a:rPr lang="en-US" sz="2595" dirty="0" smtClean="0"/>
-              <a:t> FASTQ variants.</a:t>
-            </a:r>
-          </a:p>
-          <a:p>
-            <a:pPr marL="0" indent="0" algn="ctr">
+              <a:rPr lang="en-US" sz="2400" dirty="0" smtClean="0">
+                <a:latin typeface="Courier New"/>
+                <a:cs typeface="Courier New"/>
+              </a:rPr>
+              <a:t>+@PCUS-319-EAS487_0004_FC:6:1:1351:952#0/1</a:t>
+            </a:r>
+          </a:p>
+          <a:p>
+            <a:pPr marL="0" indent="0">
               <a:buNone/>
             </a:pPr>
-            <a:endParaRPr lang="en-US" dirty="0" smtClean="0"/>
-          </a:p>
-          <a:p>
-            <a:pPr marL="0" indent="0" algn="ctr">
+            <a:r>
+              <a:rPr lang="en-US" sz="2400" dirty="0" err="1" smtClean="0">
+                <a:latin typeface="Courier New"/>
+                <a:cs typeface="Courier New"/>
+              </a:rPr>
+              <a:t>BBbfYcbV^BV`cQffaBZfB_fdfUYaa]`adcbfef\acfd^cad^fOabRceb`beSbdfaad_e^^dbeedTbd`V\ecdfffYBddb^fa\d\de</a:t>
+            </a:r>
+            <a:endParaRPr lang="en-US" sz="2400" dirty="0" smtClean="0">
+              <a:latin typeface="Courier New"/>
+              <a:cs typeface="Courier New"/>
+            </a:endParaRPr>
+          </a:p>
+          <a:p>
+            <a:pPr marL="0" indent="0">
               <a:buNone/>
             </a:pPr>
-            <a:r>
-              <a:rPr lang="en-US" dirty="0" smtClean="0"/>
-              <a:t>Nucleic Acids Res. 2010 Apr;38(6):1767-71. </a:t>
-            </a:r>
-          </a:p>
-          <a:p>
-            <a:pPr marL="0" indent="0" algn="ctr">
+            <a:endParaRPr lang="en-US" sz="2400" dirty="0" smtClean="0">
+              <a:latin typeface="Courier New"/>
+              <a:cs typeface="Courier New"/>
+            </a:endParaRPr>
+          </a:p>
+          <a:p>
+            <a:pPr marL="0" indent="0">
               <a:buNone/>
             </a:pPr>
-            <a:endParaRPr lang="en-US" dirty="0" smtClean="0"/>
-          </a:p>
-          <a:p>
-            <a:pPr marL="0" indent="0" algn="ctr">
+            <a:r>
+              <a:rPr lang="en-US" sz="2400" dirty="0" smtClean="0">
+                <a:cs typeface="Courier New"/>
+              </a:rPr>
+              <a:t>Matching pair in the other file:</a:t>
+            </a:r>
+          </a:p>
+          <a:p>
+            <a:pPr marL="0" indent="0">
               <a:buNone/>
             </a:pPr>
             <a:r>
-              <a:rPr lang="en-US" dirty="0" smtClean="0"/>
-              <a:t>and</a:t>
-            </a:r>
-          </a:p>
-          <a:p>
-            <a:pPr marL="0" indent="0" algn="ctr">
-              <a:buNone/>
-            </a:pPr>
-            <a:endParaRPr lang="en-US" dirty="0" smtClean="0"/>
-          </a:p>
-          <a:p>
-            <a:pPr marL="0" indent="0" algn="ctr">
-              <a:buNone/>
-            </a:pPr>
-            <a:r>
-              <a:rPr lang="en-US" dirty="0" smtClean="0"/>
-              <a:t>http://</a:t>
-            </a:r>
-            <a:r>
-              <a:rPr lang="en-US" dirty="0" err="1" smtClean="0"/>
-              <a:t>en.wikipedia.org/wiki/Fastq</a:t>
-            </a:r>
-            <a:endParaRPr lang="en-US" dirty="0" smtClean="0"/>
-          </a:p>
-          <a:p>
-            <a:pPr marL="0" indent="0" algn="ctr">
-              <a:buNone/>
-            </a:pPr>
-            <a:endParaRPr lang="en-US" dirty="0" smtClean="0"/>
-          </a:p>
-          <a:p>
-            <a:pPr marL="0" indent="0" algn="ctr">
-              <a:buNone/>
-            </a:pPr>
-            <a:endParaRPr lang="en-US" dirty="0" smtClean="0"/>
-          </a:p>
-          <a:p>
-            <a:pPr marL="0" indent="0" algn="ctr">
-              <a:buNone/>
-            </a:pPr>
-            <a:endParaRPr lang="en-US" dirty="0"/>
+              <a:rPr lang="en-US" sz="2400" dirty="0" smtClean="0">
+                <a:latin typeface="Courier New"/>
+                <a:cs typeface="Courier New"/>
+              </a:rPr>
+              <a:t>+@PCUS-319-EAS487_0004_FC:6:1:1351:952#0/2</a:t>
+            </a:r>
+          </a:p>
+        </p:txBody>
+      </p:sp>
+      <p:sp>
+        <p:nvSpPr>
+          <p:cNvPr id="5" name="Oval 4"/>
+          <p:cNvSpPr/>
+          <p:nvPr/>
+        </p:nvSpPr>
+        <p:spPr>
+          <a:xfrm>
+            <a:off x="7958664" y="3136254"/>
+            <a:ext cx="362857" cy="290286"/>
+          </a:xfrm>
+          <a:prstGeom prst="ellipse">
+            <a:avLst/>
+          </a:prstGeom>
+          <a:noFill/>
+          <a:ln w="28575" cap="flat" cmpd="sng" algn="ctr">
+            <a:solidFill>
+              <a:schemeClr val="accent1">
+                <a:shade val="95000"/>
+                <a:satMod val="105000"/>
+              </a:schemeClr>
+            </a:solidFill>
+            <a:prstDash val="solid"/>
+            <a:round/>
+            <a:headEnd type="none" w="med" len="med"/>
+            <a:tailEnd type="none" w="med" len="med"/>
+          </a:ln>
+        </p:spPr>
+        <p:style>
+          <a:lnRef idx="1">
+            <a:schemeClr val="accent1"/>
+          </a:lnRef>
+          <a:fillRef idx="3">
+            <a:schemeClr val="accent1"/>
+          </a:fillRef>
+          <a:effectRef idx="2">
+            <a:schemeClr val="accent1"/>
+          </a:effectRef>
+          <a:fontRef idx="minor">
+            <a:schemeClr val="lt1"/>
+          </a:fontRef>
+        </p:style>
+        <p:txBody>
+          <a:bodyPr rtlCol="0" anchor="ctr"/>
+          <a:lstStyle/>
+          <a:p>
+            <a:pPr algn="ctr"/>
+            <a:endParaRPr lang="en-US"/>
+          </a:p>
+        </p:txBody>
+      </p:sp>
+      <p:sp>
+        <p:nvSpPr>
+          <p:cNvPr id="6" name="Oval 5"/>
+          <p:cNvSpPr/>
+          <p:nvPr/>
+        </p:nvSpPr>
+        <p:spPr>
+          <a:xfrm>
+            <a:off x="7751839" y="1681342"/>
+            <a:ext cx="362857" cy="290286"/>
+          </a:xfrm>
+          <a:prstGeom prst="ellipse">
+            <a:avLst/>
+          </a:prstGeom>
+          <a:noFill/>
+          <a:ln w="28575" cap="flat" cmpd="sng" algn="ctr">
+            <a:solidFill>
+              <a:schemeClr val="accent1">
+                <a:shade val="95000"/>
+                <a:satMod val="105000"/>
+              </a:schemeClr>
+            </a:solidFill>
+            <a:prstDash val="solid"/>
+            <a:round/>
+            <a:headEnd type="none" w="med" len="med"/>
+            <a:tailEnd type="none" w="med" len="med"/>
+          </a:ln>
+        </p:spPr>
+        <p:style>
+          <a:lnRef idx="1">
+            <a:schemeClr val="accent1"/>
+          </a:lnRef>
+          <a:fillRef idx="3">
+            <a:schemeClr val="accent1"/>
+          </a:fillRef>
+          <a:effectRef idx="2">
+            <a:schemeClr val="accent1"/>
+          </a:effectRef>
+          <a:fontRef idx="minor">
+            <a:schemeClr val="lt1"/>
+          </a:fontRef>
+        </p:style>
+        <p:txBody>
+          <a:bodyPr rtlCol="0" anchor="ctr"/>
+          <a:lstStyle/>
+          <a:p>
+            <a:pPr algn="ctr"/>
+            <a:endParaRPr lang="en-US"/>
+          </a:p>
+        </p:txBody>
+      </p:sp>
+      <p:sp>
+        <p:nvSpPr>
+          <p:cNvPr id="7" name="Oval 6"/>
+          <p:cNvSpPr/>
+          <p:nvPr/>
+        </p:nvSpPr>
+        <p:spPr>
+          <a:xfrm>
+            <a:off x="7958664" y="5464952"/>
+            <a:ext cx="362857" cy="290286"/>
+          </a:xfrm>
+          <a:prstGeom prst="ellipse">
+            <a:avLst/>
+          </a:prstGeom>
+          <a:noFill/>
+          <a:ln w="28575" cap="flat" cmpd="sng" algn="ctr">
+            <a:solidFill>
+              <a:schemeClr val="accent1">
+                <a:shade val="95000"/>
+                <a:satMod val="105000"/>
+              </a:schemeClr>
+            </a:solidFill>
+            <a:prstDash val="solid"/>
+            <a:round/>
+            <a:headEnd type="none" w="med" len="med"/>
+            <a:tailEnd type="none" w="med" len="med"/>
+          </a:ln>
+        </p:spPr>
+        <p:style>
+          <a:lnRef idx="1">
+            <a:schemeClr val="accent1"/>
+          </a:lnRef>
+          <a:fillRef idx="3">
+            <a:schemeClr val="accent1"/>
+          </a:fillRef>
+          <a:effectRef idx="2">
+            <a:schemeClr val="accent1"/>
+          </a:effectRef>
+          <a:fontRef idx="minor">
+            <a:schemeClr val="lt1"/>
+          </a:fontRef>
+        </p:style>
+        <p:txBody>
+          <a:bodyPr rtlCol="0" anchor="ctr"/>
+          <a:lstStyle/>
+          <a:p>
+            <a:pPr algn="ctr"/>
+            <a:endParaRPr lang="en-US"/>
           </a:p>
         </p:txBody>
       </p:sp>
@@ -4221,6 +4403,183 @@
 </file>
 
 <file path=ppt/slides/slide13.xml><?xml version="1.0" encoding="utf-8"?>
+<p:sld xmlns:a="http://schemas.openxmlformats.org/drawingml/2006/main" xmlns:r="http://schemas.openxmlformats.org/officeDocument/2006/relationships" xmlns:p="http://schemas.openxmlformats.org/presentationml/2006/main">
+  <p:cSld>
+    <p:spTree>
+      <p:nvGrpSpPr>
+        <p:cNvPr id="1" name=""/>
+        <p:cNvGrpSpPr/>
+        <p:nvPr/>
+      </p:nvGrpSpPr>
+      <p:grpSpPr>
+        <a:xfrm>
+          <a:off x="0" y="0"/>
+          <a:ext cx="0" cy="0"/>
+          <a:chOff x="0" y="0"/>
+          <a:chExt cx="0" cy="0"/>
+        </a:xfrm>
+      </p:grpSpPr>
+      <p:sp>
+        <p:nvSpPr>
+          <p:cNvPr id="2" name="Title 1"/>
+          <p:cNvSpPr>
+            <a:spLocks noGrp="1"/>
+          </p:cNvSpPr>
+          <p:nvPr>
+            <p:ph type="title"/>
+          </p:nvPr>
+        </p:nvSpPr>
+        <p:spPr/>
+        <p:txBody>
+          <a:bodyPr/>
+          <a:lstStyle/>
+          <a:p>
+            <a:r>
+              <a:rPr lang="en-US" dirty="0" err="1" smtClean="0"/>
+              <a:t>FastQ</a:t>
+            </a:r>
+            <a:r>
+              <a:rPr lang="en-US" dirty="0" smtClean="0"/>
+              <a:t> formats</a:t>
+            </a:r>
+            <a:endParaRPr lang="en-US" dirty="0"/>
+          </a:p>
+        </p:txBody>
+      </p:sp>
+      <p:sp>
+        <p:nvSpPr>
+          <p:cNvPr id="3" name="Content Placeholder 2"/>
+          <p:cNvSpPr>
+            <a:spLocks noGrp="1"/>
+          </p:cNvSpPr>
+          <p:nvPr>
+            <p:ph idx="1"/>
+          </p:nvPr>
+        </p:nvSpPr>
+        <p:spPr/>
+        <p:txBody>
+          <a:bodyPr>
+            <a:normAutofit fontScale="92500" lnSpcReduction="20000"/>
+          </a:bodyPr>
+          <a:lstStyle/>
+          <a:p>
+            <a:pPr marL="0" indent="0" algn="ctr">
+              <a:buNone/>
+            </a:pPr>
+            <a:r>
+              <a:rPr lang="en-US" dirty="0" smtClean="0"/>
+              <a:t>Cock PJ et al 2009</a:t>
+            </a:r>
+          </a:p>
+          <a:p>
+            <a:pPr marL="0" indent="0" algn="ctr">
+              <a:buNone/>
+            </a:pPr>
+            <a:endParaRPr lang="en-US" dirty="0" smtClean="0"/>
+          </a:p>
+          <a:p>
+            <a:pPr marL="0" indent="0" algn="ctr">
+              <a:buNone/>
+            </a:pPr>
+            <a:r>
+              <a:rPr lang="en-US" sz="2595" dirty="0" smtClean="0"/>
+              <a:t>The Sanger FASTQ file format for sequences with quality scores, and the </a:t>
+            </a:r>
+            <a:r>
+              <a:rPr lang="en-US" sz="2595" dirty="0" err="1" smtClean="0"/>
+              <a:t>Solexa/Illumina</a:t>
+            </a:r>
+            <a:r>
+              <a:rPr lang="en-US" sz="2595" dirty="0" smtClean="0"/>
+              <a:t> FASTQ variants.</a:t>
+            </a:r>
+          </a:p>
+          <a:p>
+            <a:pPr marL="0" indent="0" algn="ctr">
+              <a:buNone/>
+            </a:pPr>
+            <a:endParaRPr lang="en-US" dirty="0" smtClean="0"/>
+          </a:p>
+          <a:p>
+            <a:pPr marL="0" indent="0" algn="ctr">
+              <a:buNone/>
+            </a:pPr>
+            <a:r>
+              <a:rPr lang="en-US" dirty="0" smtClean="0"/>
+              <a:t>Nucleic Acids Res. 2010 Apr;38(6):1767-71. </a:t>
+            </a:r>
+          </a:p>
+          <a:p>
+            <a:pPr marL="0" indent="0" algn="ctr">
+              <a:buNone/>
+            </a:pPr>
+            <a:endParaRPr lang="en-US" dirty="0" smtClean="0"/>
+          </a:p>
+          <a:p>
+            <a:pPr marL="0" indent="0" algn="ctr">
+              <a:buNone/>
+            </a:pPr>
+            <a:r>
+              <a:rPr lang="en-US" dirty="0" smtClean="0"/>
+              <a:t>and</a:t>
+            </a:r>
+          </a:p>
+          <a:p>
+            <a:pPr marL="0" indent="0" algn="ctr">
+              <a:buNone/>
+            </a:pPr>
+            <a:endParaRPr lang="en-US" dirty="0" smtClean="0"/>
+          </a:p>
+          <a:p>
+            <a:pPr marL="0" indent="0" algn="ctr">
+              <a:buNone/>
+            </a:pPr>
+            <a:r>
+              <a:rPr lang="en-US" dirty="0" smtClean="0"/>
+              <a:t>http://</a:t>
+            </a:r>
+            <a:r>
+              <a:rPr lang="en-US" dirty="0" err="1" smtClean="0"/>
+              <a:t>en.wikipedia.org/wiki/Fastq</a:t>
+            </a:r>
+            <a:endParaRPr lang="en-US" dirty="0" smtClean="0"/>
+          </a:p>
+          <a:p>
+            <a:pPr marL="0" indent="0" algn="ctr">
+              <a:buNone/>
+            </a:pPr>
+            <a:endParaRPr lang="en-US" dirty="0" smtClean="0"/>
+          </a:p>
+          <a:p>
+            <a:pPr marL="0" indent="0" algn="ctr">
+              <a:buNone/>
+            </a:pPr>
+            <a:endParaRPr lang="en-US" dirty="0" smtClean="0"/>
+          </a:p>
+          <a:p>
+            <a:pPr marL="0" indent="0" algn="ctr">
+              <a:buNone/>
+            </a:pPr>
+            <a:endParaRPr lang="en-US" dirty="0"/>
+          </a:p>
+        </p:txBody>
+      </p:sp>
+    </p:spTree>
+  </p:cSld>
+  <p:clrMapOvr>
+    <a:masterClrMapping/>
+  </p:clrMapOvr>
+  <p:timing>
+    <p:tnLst>
+      <p:par>
+        <p:cTn xmlns:p14="http://schemas.microsoft.com/office/powerpoint/2010/main" id="1" dur="indefinite" restart="never" nodeType="tmRoot"/>
+      </p:par>
+    </p:tnLst>
+  </p:timing>
+</p:sld>
+</file>
+
+<file path=ppt/slides/slide14.xml><?xml version="1.0" encoding="utf-8"?>
 <p:sld xmlns:a="http://schemas.openxmlformats.org/drawingml/2006/main" xmlns:r="http://schemas.openxmlformats.org/officeDocument/2006/relationships" xmlns:p="http://schemas.openxmlformats.org/presentationml/2006/main">
   <p:cSld>
     <p:spTree>
@@ -4318,118 +4677,6 @@
 </p:sld>
 </file>
 
-<file path=ppt/slides/slide14.xml><?xml version="1.0" encoding="utf-8"?>
-<p:sld xmlns:a="http://schemas.openxmlformats.org/drawingml/2006/main" xmlns:r="http://schemas.openxmlformats.org/officeDocument/2006/relationships" xmlns:p="http://schemas.openxmlformats.org/presentationml/2006/main">
-  <p:cSld>
-    <p:spTree>
-      <p:nvGrpSpPr>
-        <p:cNvPr id="1" name=""/>
-        <p:cNvGrpSpPr/>
-        <p:nvPr/>
-      </p:nvGrpSpPr>
-      <p:grpSpPr>
-        <a:xfrm>
-          <a:off x="0" y="0"/>
-          <a:ext cx="0" cy="0"/>
-          <a:chOff x="0" y="0"/>
-          <a:chExt cx="0" cy="0"/>
-        </a:xfrm>
-      </p:grpSpPr>
-      <p:sp>
-        <p:nvSpPr>
-          <p:cNvPr id="2" name="Title 1"/>
-          <p:cNvSpPr>
-            <a:spLocks noGrp="1"/>
-          </p:cNvSpPr>
-          <p:nvPr>
-            <p:ph type="title"/>
-          </p:nvPr>
-        </p:nvSpPr>
-        <p:spPr/>
-        <p:txBody>
-          <a:bodyPr/>
-          <a:lstStyle/>
-          <a:p>
-            <a:r>
-              <a:rPr lang="en-US" dirty="0" smtClean="0"/>
-              <a:t>Quality Control</a:t>
-            </a:r>
-            <a:endParaRPr lang="en-US" dirty="0"/>
-          </a:p>
-        </p:txBody>
-      </p:sp>
-      <p:sp>
-        <p:nvSpPr>
-          <p:cNvPr id="3" name="Content Placeholder 2"/>
-          <p:cNvSpPr>
-            <a:spLocks noGrp="1"/>
-          </p:cNvSpPr>
-          <p:nvPr>
-            <p:ph idx="1"/>
-          </p:nvPr>
-        </p:nvSpPr>
-        <p:spPr/>
-        <p:txBody>
-          <a:bodyPr/>
-          <a:lstStyle/>
-          <a:p>
-            <a:r>
-              <a:rPr lang="en-US" dirty="0" smtClean="0"/>
-              <a:t>454 (and others): </a:t>
-            </a:r>
-            <a:r>
-              <a:rPr lang="en-US" dirty="0" err="1" smtClean="0"/>
-              <a:t>Prinseq</a:t>
-            </a:r>
-            <a:endParaRPr lang="en-US" dirty="0" smtClean="0"/>
-          </a:p>
-          <a:p>
-            <a:endParaRPr lang="en-US" dirty="0" smtClean="0"/>
-          </a:p>
-          <a:p>
-            <a:r>
-              <a:rPr lang="en-US" dirty="0" err="1" smtClean="0"/>
-              <a:t>Illumina</a:t>
-            </a:r>
-            <a:r>
-              <a:rPr lang="en-US" dirty="0" smtClean="0"/>
-              <a:t> (and others): </a:t>
-            </a:r>
-            <a:r>
-              <a:rPr lang="en-US" dirty="0" err="1" smtClean="0"/>
-              <a:t>fastQC</a:t>
-            </a:r>
-            <a:r>
-              <a:rPr lang="en-US" dirty="0" smtClean="0"/>
-              <a:t>, </a:t>
-            </a:r>
-            <a:r>
-              <a:rPr lang="en-US" dirty="0" err="1" smtClean="0"/>
-              <a:t>fastQA</a:t>
-            </a:r>
-            <a:r>
-              <a:rPr lang="en-US" dirty="0" smtClean="0"/>
-              <a:t>, etc</a:t>
-            </a:r>
-            <a:endParaRPr lang="en-US" dirty="0"/>
-          </a:p>
-        </p:txBody>
-      </p:sp>
-    </p:spTree>
-  </p:cSld>
-  <p:clrMapOvr>
-    <a:masterClrMapping/>
-  </p:clrMapOvr>
-  <p:timing>
-    <p:tnLst>
-      <p:par>
-        <p:cTn xmlns:p14="http://schemas.microsoft.com/office/powerpoint/2010/main" id="1" dur="indefinite" restart="never" nodeType="tmRoot"/>
-      </p:par>
-    </p:tnLst>
-  </p:timing>
-</p:sld>
-</file>
-
 <file path=ppt/slides/slide15.xml><?xml version="1.0" encoding="utf-8"?>
 <p:sld xmlns:a="http://schemas.openxmlformats.org/drawingml/2006/main" xmlns:r="http://schemas.openxmlformats.org/officeDocument/2006/relationships" xmlns:p="http://schemas.openxmlformats.org/presentationml/2006/main">
   <p:cSld>
@@ -4463,82 +4710,66 @@
           <a:lstStyle/>
           <a:p>
             <a:r>
+              <a:rPr lang="en-US" dirty="0" smtClean="0"/>
+              <a:t>Quality Control</a:t>
+            </a:r>
+            <a:endParaRPr lang="en-US" dirty="0"/>
+          </a:p>
+        </p:txBody>
+      </p:sp>
+      <p:sp>
+        <p:nvSpPr>
+          <p:cNvPr id="3" name="Content Placeholder 2"/>
+          <p:cNvSpPr>
+            <a:spLocks noGrp="1"/>
+          </p:cNvSpPr>
+          <p:nvPr>
+            <p:ph idx="1"/>
+          </p:nvPr>
+        </p:nvSpPr>
+        <p:spPr/>
+        <p:txBody>
+          <a:bodyPr/>
+          <a:lstStyle/>
+          <a:p>
+            <a:r>
+              <a:rPr lang="en-US" dirty="0" smtClean="0"/>
+              <a:t>454 (and others): </a:t>
+            </a:r>
+            <a:r>
               <a:rPr lang="en-US" dirty="0" err="1" smtClean="0"/>
               <a:t>Prinseq</a:t>
             </a:r>
-            <a:endParaRPr lang="en-US" dirty="0"/>
-          </a:p>
-        </p:txBody>
-      </p:sp>
-      <p:sp>
-        <p:nvSpPr>
-          <p:cNvPr id="3" name="Content Placeholder 2"/>
-          <p:cNvSpPr>
-            <a:spLocks noGrp="1"/>
-          </p:cNvSpPr>
-          <p:nvPr>
-            <p:ph idx="1"/>
-          </p:nvPr>
-        </p:nvSpPr>
-        <p:spPr/>
-        <p:txBody>
-          <a:bodyPr/>
-          <a:lstStyle/>
-          <a:p>
-            <a:r>
-              <a:rPr lang="en-US" dirty="0" smtClean="0"/>
-              <a:t>http://</a:t>
-            </a:r>
+            <a:endParaRPr lang="en-US" dirty="0" smtClean="0"/>
+          </a:p>
+          <a:p>
+            <a:endParaRPr lang="en-US" dirty="0" smtClean="0"/>
+          </a:p>
+          <a:p>
             <a:r>
               <a:rPr lang="en-US" dirty="0" err="1" smtClean="0"/>
-              <a:t>edwards.sdsu.edu/prinseq_beta</a:t>
-            </a:r>
-            <a:endParaRPr lang="en-US" dirty="0" smtClean="0"/>
-          </a:p>
-          <a:p>
-            <a:r>
-              <a:rPr lang="en-US" dirty="0" smtClean="0"/>
-              <a:t>Web-based and stand-alone</a:t>
-            </a:r>
-          </a:p>
-          <a:p>
-            <a:r>
-              <a:rPr lang="en-US" dirty="0" smtClean="0"/>
-              <a:t>Upload </a:t>
-            </a:r>
-          </a:p>
-          <a:p>
-            <a:pPr lvl="1"/>
+              <a:t>Illumina</a:t>
+            </a:r>
+            <a:r>
+              <a:rPr lang="en-US" dirty="0" smtClean="0"/>
+              <a:t> (and others): </a:t>
+            </a:r>
             <a:r>
               <a:rPr lang="en-US" dirty="0" err="1" smtClean="0"/>
-              <a:t>fasta</a:t>
-            </a:r>
-            <a:r>
-              <a:rPr lang="en-US" dirty="0" smtClean="0"/>
-              <a:t> or </a:t>
+              <a:t>fastQC</a:t>
+            </a:r>
+            <a:r>
+              <a:rPr lang="en-US" dirty="0" smtClean="0"/>
+              <a:t>, </a:t>
             </a:r>
             <a:r>
               <a:rPr lang="en-US" dirty="0" err="1" smtClean="0"/>
-              <a:t>fastq</a:t>
-            </a:r>
-            <a:r>
-              <a:rPr lang="en-US" dirty="0" smtClean="0"/>
-              <a:t> file</a:t>
-            </a:r>
-          </a:p>
-          <a:p>
-            <a:pPr lvl="1"/>
-            <a:r>
-              <a:rPr lang="en-US" dirty="0" err="1" smtClean="0"/>
-              <a:t>qual</a:t>
-            </a:r>
-            <a:r>
-              <a:rPr lang="en-US" dirty="0" smtClean="0"/>
-              <a:t> file (optional)</a:t>
-            </a:r>
-          </a:p>
-          <a:p>
-            <a:pPr lvl="1"/>
+              <a:t>fastQA</a:t>
+            </a:r>
+            <a:r>
+              <a:rPr lang="en-US" dirty="0" smtClean="0"/>
+              <a:t>, etc</a:t>
+            </a:r>
             <a:endParaRPr lang="en-US" dirty="0"/>
           </a:p>
         </p:txBody>
@@ -4594,38 +4825,84 @@
               <a:rPr lang="en-US" dirty="0" err="1" smtClean="0"/>
               <a:t>Prinseq</a:t>
             </a:r>
-            <a:r>
-              <a:rPr lang="en-US" dirty="0" smtClean="0"/>
-              <a:t>: read length</a:t>
-            </a:r>
             <a:endParaRPr lang="en-US" dirty="0"/>
           </a:p>
         </p:txBody>
       </p:sp>
-      <p:pic>
-        <p:nvPicPr>
-          <p:cNvPr id="5" name="Picture 4" descr="prinseq_1.png"/>
-          <p:cNvPicPr>
-            <a:picLocks noChangeAspect="1"/>
-          </p:cNvPicPr>
-          <p:nvPr/>
-        </p:nvPicPr>
-        <p:blipFill>
-          <a:blip r:embed="rId2"/>
-          <a:stretch>
-            <a:fillRect/>
-          </a:stretch>
-        </p:blipFill>
-        <p:spPr>
-          <a:xfrm>
-            <a:off x="349249" y="1497438"/>
-            <a:ext cx="8445501" cy="3492500"/>
-          </a:xfrm>
-          <a:prstGeom prst="rect">
-            <a:avLst/>
-          </a:prstGeom>
-        </p:spPr>
-      </p:pic>
+      <p:sp>
+        <p:nvSpPr>
+          <p:cNvPr id="3" name="Content Placeholder 2"/>
+          <p:cNvSpPr>
+            <a:spLocks noGrp="1"/>
+          </p:cNvSpPr>
+          <p:nvPr>
+            <p:ph idx="1"/>
+          </p:nvPr>
+        </p:nvSpPr>
+        <p:spPr/>
+        <p:txBody>
+          <a:bodyPr/>
+          <a:lstStyle/>
+          <a:p>
+            <a:r>
+              <a:rPr lang="en-US" dirty="0" smtClean="0"/>
+              <a:t>http://</a:t>
+            </a:r>
+            <a:r>
+              <a:rPr lang="en-US" dirty="0" err="1" smtClean="0"/>
+              <a:t>edwards.sdsu.edu/prinseq_beta</a:t>
+            </a:r>
+            <a:endParaRPr lang="en-US" dirty="0" smtClean="0"/>
+          </a:p>
+          <a:p>
+            <a:r>
+              <a:rPr lang="en-US" dirty="0" smtClean="0"/>
+              <a:t>Web-based and stand-alone</a:t>
+            </a:r>
+          </a:p>
+          <a:p>
+            <a:r>
+              <a:rPr lang="en-US" dirty="0" smtClean="0"/>
+              <a:t>Upload </a:t>
+            </a:r>
+          </a:p>
+          <a:p>
+            <a:pPr lvl="1"/>
+            <a:r>
+              <a:rPr lang="en-US" dirty="0" err="1" smtClean="0"/>
+              <a:t>fasta</a:t>
+            </a:r>
+            <a:r>
+              <a:rPr lang="en-US" dirty="0" smtClean="0"/>
+              <a:t> or </a:t>
+            </a:r>
+            <a:r>
+              <a:rPr lang="en-US" dirty="0" err="1" smtClean="0"/>
+              <a:t>fastq</a:t>
+            </a:r>
+            <a:r>
+              <a:rPr lang="en-US" dirty="0" smtClean="0"/>
+              <a:t> file</a:t>
+            </a:r>
+          </a:p>
+          <a:p>
+            <a:pPr lvl="1"/>
+            <a:r>
+              <a:rPr lang="en-US" dirty="0" err="1" smtClean="0"/>
+              <a:t>qual</a:t>
+            </a:r>
+            <a:r>
+              <a:rPr lang="en-US" dirty="0" smtClean="0"/>
+              <a:t> file (optional</a:t>
+            </a:r>
+            <a:r>
+              <a:rPr lang="en-US" dirty="0" smtClean="0"/>
+              <a:t>)</a:t>
+            </a:r>
+            <a:endParaRPr lang="en-US" dirty="0" smtClean="0"/>
+          </a:p>
+        </p:txBody>
+      </p:sp>
     </p:spTree>
   </p:cSld>
   <p:clrMapOvr>
@@ -4677,50 +4954,76 @@
               <a:rPr lang="en-US" dirty="0" err="1" smtClean="0"/>
               <a:t>Prinseq</a:t>
             </a:r>
-            <a:r>
-              <a:rPr lang="en-US" dirty="0" smtClean="0"/>
-              <a:t>: quality per position</a:t>
-            </a:r>
             <a:endParaRPr lang="en-US" dirty="0"/>
           </a:p>
         </p:txBody>
       </p:sp>
-      <p:pic>
-        <p:nvPicPr>
-          <p:cNvPr id="4" name="Picture 3" descr="prinseq_2.png"/>
-          <p:cNvPicPr>
-            <a:picLocks noChangeAspect="1"/>
-          </p:cNvPicPr>
-          <p:nvPr/>
-        </p:nvPicPr>
-        <p:blipFill>
-          <a:blip r:embed="rId2"/>
-          <a:stretch>
-            <a:fillRect/>
-          </a:stretch>
-        </p:blipFill>
-        <p:spPr>
-          <a:xfrm>
-            <a:off x="241300" y="1111250"/>
-            <a:ext cx="8445500" cy="4635500"/>
-          </a:xfrm>
-          <a:prstGeom prst="rect">
-            <a:avLst/>
-          </a:prstGeom>
-        </p:spPr>
-      </p:pic>
+      <p:sp>
+        <p:nvSpPr>
+          <p:cNvPr id="3" name="Content Placeholder 2"/>
+          <p:cNvSpPr>
+            <a:spLocks noGrp="1"/>
+          </p:cNvSpPr>
+          <p:nvPr>
+            <p:ph idx="1"/>
+          </p:nvPr>
+        </p:nvSpPr>
+        <p:spPr/>
+        <p:txBody>
+          <a:bodyPr/>
+          <a:lstStyle/>
+          <a:p>
+            <a:pPr algn="ctr"/>
+            <a:r>
+              <a:rPr lang="en-US" dirty="0" smtClean="0"/>
+              <a:t>Demo</a:t>
+            </a:r>
+          </a:p>
+          <a:p>
+            <a:pPr algn="ctr"/>
+            <a:endParaRPr lang="en-US" dirty="0" smtClean="0"/>
+          </a:p>
+          <a:p>
+            <a:pPr algn="ctr"/>
+            <a:r>
+              <a:rPr lang="en-US" dirty="0" smtClean="0">
+                <a:sym typeface="Wingdings"/>
+              </a:rPr>
+              <a:t></a:t>
+            </a:r>
+            <a:r>
+              <a:rPr lang="en-US" dirty="0" smtClean="0"/>
+              <a:t>the </a:t>
+            </a:r>
+            <a:r>
+              <a:rPr lang="en-US" dirty="0"/>
+              <a:t>454 GS FLX+ </a:t>
+            </a:r>
+            <a:r>
+              <a:rPr lang="en-US" dirty="0" smtClean="0"/>
+              <a:t>shotgun reads </a:t>
+            </a:r>
+            <a:r>
+              <a:rPr lang="en-US" dirty="0"/>
+              <a:t>for this course</a:t>
+            </a:r>
+          </a:p>
+          <a:p>
+            <a:pPr algn="ctr"/>
+            <a:endParaRPr lang="en-US" dirty="0"/>
+          </a:p>
+        </p:txBody>
+      </p:sp>
     </p:spTree>
+    <p:extLst>
+      <p:ext uri="{BB962C8B-B14F-4D97-AF65-F5344CB8AC3E}">
+        <p14:creationId xmlns:p14="http://schemas.microsoft.com/office/powerpoint/2010/main" val="4290503936"/>
+      </p:ext>
+    </p:extLst>
   </p:cSld>
   <p:clrMapOvr>
     <a:masterClrMapping/>
   </p:clrMapOvr>
-  <p:timing>
-    <p:tnLst>
-      <p:par>
-        <p:cTn xmlns:p14="http://schemas.microsoft.com/office/powerpoint/2010/main" id="1" dur="indefinite" restart="never" nodeType="tmRoot"/>
-      </p:par>
-    </p:tnLst>
-  </p:timing>
 </p:sld>
 </file>
 
@@ -4762,7 +5065,7 @@
             </a:r>
             <a:r>
               <a:rPr lang="en-US" dirty="0" smtClean="0"/>
-              <a:t>: quality values</a:t>
+              <a:t>: read length</a:t>
             </a:r>
             <a:endParaRPr lang="en-US" dirty="0"/>
           </a:p>
@@ -4770,7 +5073,7 @@
       </p:sp>
       <p:pic>
         <p:nvPicPr>
-          <p:cNvPr id="3" name="Picture 2" descr="prinseq_3.png"/>
+          <p:cNvPr id="3" name="Picture 2"/>
           <p:cNvPicPr>
             <a:picLocks noChangeAspect="1"/>
           </p:cNvPicPr>
@@ -4784,8 +5087,8 @@
         </p:blipFill>
         <p:spPr>
           <a:xfrm>
-            <a:off x="1619250" y="1307131"/>
-            <a:ext cx="5905500" cy="3238500"/>
+            <a:off x="254000" y="1676400"/>
+            <a:ext cx="8636000" cy="3492500"/>
           </a:xfrm>
           <a:prstGeom prst="rect">
             <a:avLst/>
@@ -4845,6 +5148,504 @@
             </a:r>
             <a:r>
               <a:rPr lang="en-US" dirty="0" smtClean="0"/>
+              <a:t>: quality per position</a:t>
+            </a:r>
+            <a:endParaRPr lang="en-US" dirty="0"/>
+          </a:p>
+        </p:txBody>
+      </p:sp>
+      <p:pic>
+        <p:nvPicPr>
+          <p:cNvPr id="3" name="Picture 2"/>
+          <p:cNvPicPr>
+            <a:picLocks noChangeAspect="1"/>
+          </p:cNvPicPr>
+          <p:nvPr/>
+        </p:nvPicPr>
+        <p:blipFill>
+          <a:blip r:embed="rId2"/>
+          <a:stretch>
+            <a:fillRect/>
+          </a:stretch>
+        </p:blipFill>
+        <p:spPr>
+          <a:xfrm>
+            <a:off x="342900" y="1356270"/>
+            <a:ext cx="8445500" cy="4635500"/>
+          </a:xfrm>
+          <a:prstGeom prst="rect">
+            <a:avLst/>
+          </a:prstGeom>
+        </p:spPr>
+      </p:pic>
+      <p:cxnSp>
+        <p:nvCxnSpPr>
+          <p:cNvPr id="6" name="Straight Connector 5"/>
+          <p:cNvCxnSpPr/>
+          <p:nvPr/>
+        </p:nvCxnSpPr>
+        <p:spPr>
+          <a:xfrm>
+            <a:off x="925975" y="3572047"/>
+            <a:ext cx="7566536" cy="0"/>
+          </a:xfrm>
+          <a:prstGeom prst="line">
+            <a:avLst/>
+          </a:prstGeom>
+        </p:spPr>
+        <p:style>
+          <a:lnRef idx="2">
+            <a:schemeClr val="accent1"/>
+          </a:lnRef>
+          <a:fillRef idx="0">
+            <a:schemeClr val="accent1"/>
+          </a:fillRef>
+          <a:effectRef idx="1">
+            <a:schemeClr val="accent1"/>
+          </a:effectRef>
+          <a:fontRef idx="minor">
+            <a:schemeClr val="tx1"/>
+          </a:fontRef>
+        </p:style>
+      </p:cxnSp>
+    </p:spTree>
+  </p:cSld>
+  <p:clrMapOvr>
+    <a:masterClrMapping/>
+  </p:clrMapOvr>
+  <p:timing>
+    <p:tnLst>
+      <p:par>
+        <p:cTn xmlns:p14="http://schemas.microsoft.com/office/powerpoint/2010/main" id="1" dur="indefinite" restart="never" nodeType="tmRoot">
+          <p:childTnLst>
+            <p:seq concurrent="1" nextAc="seek">
+              <p:cTn id="2" dur="indefinite" nodeType="mainSeq">
+                <p:childTnLst>
+                  <p:par>
+                    <p:cTn id="3" fill="hold">
+                      <p:stCondLst>
+                        <p:cond delay="indefinite"/>
+                      </p:stCondLst>
+                      <p:childTnLst>
+                        <p:par>
+                          <p:cTn id="4" fill="hold">
+                            <p:stCondLst>
+                              <p:cond delay="0"/>
+                            </p:stCondLst>
+                            <p:childTnLst>
+                              <p:par>
+                                <p:cTn id="5" presetID="2" presetClass="entr" presetSubtype="4" fill="hold" nodeType="clickEffect">
+                                  <p:stCondLst>
+                                    <p:cond delay="0"/>
+                                  </p:stCondLst>
+                                  <p:childTnLst>
+                                    <p:set>
+                                      <p:cBhvr>
+                                        <p:cTn id="6" dur="1" fill="hold">
+                                          <p:stCondLst>
+                                            <p:cond delay="0"/>
+                                          </p:stCondLst>
+                                        </p:cTn>
+                                        <p:tgtEl>
+                                          <p:spTgt spid="6"/>
+                                        </p:tgtEl>
+                                        <p:attrNameLst>
+                                          <p:attrName>style.visibility</p:attrName>
+                                        </p:attrNameLst>
+                                      </p:cBhvr>
+                                      <p:to>
+                                        <p:strVal val="visible"/>
+                                      </p:to>
+                                    </p:set>
+                                    <p:anim calcmode="lin" valueType="num">
+                                      <p:cBhvr additive="base">
+                                        <p:cTn id="7" dur="500" fill="hold"/>
+                                        <p:tgtEl>
+                                          <p:spTgt spid="6"/>
+                                        </p:tgtEl>
+                                        <p:attrNameLst>
+                                          <p:attrName>ppt_x</p:attrName>
+                                        </p:attrNameLst>
+                                      </p:cBhvr>
+                                      <p:tavLst>
+                                        <p:tav tm="0">
+                                          <p:val>
+                                            <p:strVal val="#ppt_x"/>
+                                          </p:val>
+                                        </p:tav>
+                                        <p:tav tm="100000">
+                                          <p:val>
+                                            <p:strVal val="#ppt_x"/>
+                                          </p:val>
+                                        </p:tav>
+                                      </p:tavLst>
+                                    </p:anim>
+                                    <p:anim calcmode="lin" valueType="num">
+                                      <p:cBhvr additive="base">
+                                        <p:cTn id="8" dur="500" fill="hold"/>
+                                        <p:tgtEl>
+                                          <p:spTgt spid="6"/>
+                                        </p:tgtEl>
+                                        <p:attrNameLst>
+                                          <p:attrName>ppt_y</p:attrName>
+                                        </p:attrNameLst>
+                                      </p:cBhvr>
+                                      <p:tavLst>
+                                        <p:tav tm="0">
+                                          <p:val>
+                                            <p:strVal val="1+#ppt_h/2"/>
+                                          </p:val>
+                                        </p:tav>
+                                        <p:tav tm="100000">
+                                          <p:val>
+                                            <p:strVal val="#ppt_y"/>
+                                          </p:val>
+                                        </p:tav>
+                                      </p:tavLst>
+                                    </p:anim>
+                                  </p:childTnLst>
+                                </p:cTn>
+                              </p:par>
+                            </p:childTnLst>
+                          </p:cTn>
+                        </p:par>
+                      </p:childTnLst>
+                    </p:cTn>
+                  </p:par>
+                </p:childTnLst>
+              </p:cTn>
+              <p:prevCondLst>
+                <p:cond evt="onPrev" delay="0">
+                  <p:tgtEl>
+                    <p:sldTgt/>
+                  </p:tgtEl>
+                </p:cond>
+              </p:prevCondLst>
+              <p:nextCondLst>
+                <p:cond evt="onNext" delay="0">
+                  <p:tgtEl>
+                    <p:sldTgt/>
+                  </p:tgtEl>
+                </p:cond>
+              </p:nextCondLst>
+            </p:seq>
+          </p:childTnLst>
+        </p:cTn>
+      </p:par>
+    </p:tnLst>
+  </p:timing>
+</p:sld>
+</file>
+
+<file path=ppt/slides/slide2.xml><?xml version="1.0" encoding="utf-8"?>
+<p:sld xmlns:a="http://schemas.openxmlformats.org/drawingml/2006/main" xmlns:r="http://schemas.openxmlformats.org/officeDocument/2006/relationships" xmlns:p="http://schemas.openxmlformats.org/presentationml/2006/main">
+  <p:cSld>
+    <p:spTree>
+      <p:nvGrpSpPr>
+        <p:cNvPr id="1" name=""/>
+        <p:cNvGrpSpPr/>
+        <p:nvPr/>
+      </p:nvGrpSpPr>
+      <p:grpSpPr>
+        <a:xfrm>
+          <a:off x="0" y="0"/>
+          <a:ext cx="0" cy="0"/>
+          <a:chOff x="0" y="0"/>
+          <a:chExt cx="0" cy="0"/>
+        </a:xfrm>
+      </p:grpSpPr>
+      <p:sp>
+        <p:nvSpPr>
+          <p:cNvPr id="2" name="Title 1"/>
+          <p:cNvSpPr>
+            <a:spLocks noGrp="1"/>
+          </p:cNvSpPr>
+          <p:nvPr>
+            <p:ph type="title"/>
+          </p:nvPr>
+        </p:nvSpPr>
+        <p:spPr/>
+        <p:txBody>
+          <a:bodyPr/>
+          <a:lstStyle/>
+          <a:p>
+            <a:r>
+              <a:rPr lang="en-US" dirty="0" smtClean="0"/>
+              <a:t>Learning points</a:t>
+            </a:r>
+            <a:endParaRPr lang="en-US" dirty="0"/>
+          </a:p>
+        </p:txBody>
+      </p:sp>
+      <p:sp>
+        <p:nvSpPr>
+          <p:cNvPr id="3" name="Content Placeholder 2"/>
+          <p:cNvSpPr>
+            <a:spLocks noGrp="1"/>
+          </p:cNvSpPr>
+          <p:nvPr>
+            <p:ph idx="1"/>
+          </p:nvPr>
+        </p:nvSpPr>
+        <p:spPr/>
+        <p:txBody>
+          <a:bodyPr>
+            <a:normAutofit/>
+          </a:bodyPr>
+          <a:lstStyle/>
+          <a:p>
+            <a:r>
+              <a:rPr lang="en-US" dirty="0" smtClean="0"/>
+              <a:t>Understand read file formats </a:t>
+            </a:r>
+          </a:p>
+          <a:p>
+            <a:r>
+              <a:rPr lang="en-US" dirty="0" smtClean="0"/>
+              <a:t>How to judge a QC report</a:t>
+            </a:r>
+          </a:p>
+          <a:p>
+            <a:r>
+              <a:rPr lang="en-US" smtClean="0"/>
+              <a:t>How to </a:t>
+            </a:r>
+            <a:r>
+              <a:rPr lang="en-US" dirty="0" smtClean="0"/>
+              <a:t>filter/trim </a:t>
+            </a:r>
+            <a:r>
+              <a:rPr lang="en-US" dirty="0" err="1" smtClean="0"/>
+              <a:t>Illumina</a:t>
+            </a:r>
+            <a:r>
+              <a:rPr lang="en-US" dirty="0" smtClean="0"/>
+              <a:t> reads</a:t>
+            </a:r>
+          </a:p>
+        </p:txBody>
+      </p:sp>
+    </p:spTree>
+  </p:cSld>
+  <p:clrMapOvr>
+    <a:masterClrMapping/>
+  </p:clrMapOvr>
+</p:sld>
+</file>
+
+<file path=ppt/slides/slide20.xml><?xml version="1.0" encoding="utf-8"?>
+<p:sld xmlns:a="http://schemas.openxmlformats.org/drawingml/2006/main" xmlns:r="http://schemas.openxmlformats.org/officeDocument/2006/relationships" xmlns:p="http://schemas.openxmlformats.org/presentationml/2006/main">
+  <p:cSld>
+    <p:spTree>
+      <p:nvGrpSpPr>
+        <p:cNvPr id="1" name=""/>
+        <p:cNvGrpSpPr/>
+        <p:nvPr/>
+      </p:nvGrpSpPr>
+      <p:grpSpPr>
+        <a:xfrm>
+          <a:off x="0" y="0"/>
+          <a:ext cx="0" cy="0"/>
+          <a:chOff x="0" y="0"/>
+          <a:chExt cx="0" cy="0"/>
+        </a:xfrm>
+      </p:grpSpPr>
+      <p:sp>
+        <p:nvSpPr>
+          <p:cNvPr id="2" name="Title 1"/>
+          <p:cNvSpPr>
+            <a:spLocks noGrp="1"/>
+          </p:cNvSpPr>
+          <p:nvPr>
+            <p:ph type="title"/>
+          </p:nvPr>
+        </p:nvSpPr>
+        <p:spPr/>
+        <p:txBody>
+          <a:bodyPr/>
+          <a:lstStyle/>
+          <a:p>
+            <a:r>
+              <a:rPr lang="en-US" dirty="0" err="1" smtClean="0"/>
+              <a:t>Prinseq</a:t>
+            </a:r>
+            <a:r>
+              <a:rPr lang="en-US" dirty="0" smtClean="0"/>
+              <a:t>: quality values</a:t>
+            </a:r>
+            <a:endParaRPr lang="en-US" dirty="0"/>
+          </a:p>
+        </p:txBody>
+      </p:sp>
+      <p:pic>
+        <p:nvPicPr>
+          <p:cNvPr id="4" name="Picture 3"/>
+          <p:cNvPicPr>
+            <a:picLocks noChangeAspect="1"/>
+          </p:cNvPicPr>
+          <p:nvPr/>
+        </p:nvPicPr>
+        <p:blipFill>
+          <a:blip r:embed="rId2"/>
+          <a:stretch>
+            <a:fillRect/>
+          </a:stretch>
+        </p:blipFill>
+        <p:spPr>
+          <a:xfrm>
+            <a:off x="1612900" y="1803400"/>
+            <a:ext cx="5905500" cy="3238500"/>
+          </a:xfrm>
+          <a:prstGeom prst="rect">
+            <a:avLst/>
+          </a:prstGeom>
+        </p:spPr>
+      </p:pic>
+    </p:spTree>
+  </p:cSld>
+  <p:clrMapOvr>
+    <a:masterClrMapping/>
+  </p:clrMapOvr>
+  <p:timing>
+    <p:tnLst>
+      <p:par>
+        <p:cTn xmlns:p14="http://schemas.microsoft.com/office/powerpoint/2010/main" id="1" dur="indefinite" restart="never" nodeType="tmRoot"/>
+      </p:par>
+    </p:tnLst>
+  </p:timing>
+</p:sld>
+</file>
+
+<file path=ppt/slides/slide21.xml><?xml version="1.0" encoding="utf-8"?>
+<p:sld xmlns:a="http://schemas.openxmlformats.org/drawingml/2006/main" xmlns:r="http://schemas.openxmlformats.org/officeDocument/2006/relationships" xmlns:p="http://schemas.openxmlformats.org/presentationml/2006/main">
+  <p:cSld>
+    <p:spTree>
+      <p:nvGrpSpPr>
+        <p:cNvPr id="1" name=""/>
+        <p:cNvGrpSpPr/>
+        <p:nvPr/>
+      </p:nvGrpSpPr>
+      <p:grpSpPr>
+        <a:xfrm>
+          <a:off x="0" y="0"/>
+          <a:ext cx="0" cy="0"/>
+          <a:chOff x="0" y="0"/>
+          <a:chExt cx="0" cy="0"/>
+        </a:xfrm>
+      </p:grpSpPr>
+      <p:sp>
+        <p:nvSpPr>
+          <p:cNvPr id="2" name="Title 1"/>
+          <p:cNvSpPr>
+            <a:spLocks noGrp="1"/>
+          </p:cNvSpPr>
+          <p:nvPr>
+            <p:ph type="title"/>
+          </p:nvPr>
+        </p:nvSpPr>
+        <p:spPr/>
+        <p:txBody>
+          <a:bodyPr/>
+          <a:lstStyle/>
+          <a:p>
+            <a:r>
+              <a:rPr lang="en-US" dirty="0" err="1" smtClean="0"/>
+              <a:t>Prinseq</a:t>
+            </a:r>
+            <a:r>
+              <a:rPr lang="en-US" dirty="0" smtClean="0"/>
+              <a:t>: </a:t>
+            </a:r>
+            <a:r>
+              <a:rPr lang="en-US" dirty="0" smtClean="0"/>
+              <a:t>GC content</a:t>
+            </a:r>
+            <a:endParaRPr lang="en-US" dirty="0"/>
+          </a:p>
+        </p:txBody>
+      </p:sp>
+      <p:pic>
+        <p:nvPicPr>
+          <p:cNvPr id="5" name="Picture 4"/>
+          <p:cNvPicPr>
+            <a:picLocks noChangeAspect="1"/>
+          </p:cNvPicPr>
+          <p:nvPr/>
+        </p:nvPicPr>
+        <p:blipFill>
+          <a:blip r:embed="rId2"/>
+          <a:stretch>
+            <a:fillRect/>
+          </a:stretch>
+        </p:blipFill>
+        <p:spPr>
+          <a:xfrm>
+            <a:off x="215900" y="1676400"/>
+            <a:ext cx="8712200" cy="3492500"/>
+          </a:xfrm>
+          <a:prstGeom prst="rect">
+            <a:avLst/>
+          </a:prstGeom>
+        </p:spPr>
+      </p:pic>
+    </p:spTree>
+    <p:extLst>
+      <p:ext uri="{BB962C8B-B14F-4D97-AF65-F5344CB8AC3E}">
+        <p14:creationId xmlns:p14="http://schemas.microsoft.com/office/powerpoint/2010/main" val="2024505314"/>
+      </p:ext>
+    </p:extLst>
+  </p:cSld>
+  <p:clrMapOvr>
+    <a:masterClrMapping/>
+  </p:clrMapOvr>
+  <p:timing>
+    <p:tnLst>
+      <p:par>
+        <p:cTn xmlns:p14="http://schemas.microsoft.com/office/powerpoint/2010/main" id="1" dur="indefinite" restart="never" nodeType="tmRoot"/>
+      </p:par>
+    </p:tnLst>
+  </p:timing>
+</p:sld>
+</file>
+
+<file path=ppt/slides/slide22.xml><?xml version="1.0" encoding="utf-8"?>
+<p:sld xmlns:a="http://schemas.openxmlformats.org/drawingml/2006/main" xmlns:r="http://schemas.openxmlformats.org/officeDocument/2006/relationships" xmlns:p="http://schemas.openxmlformats.org/presentationml/2006/main">
+  <p:cSld>
+    <p:spTree>
+      <p:nvGrpSpPr>
+        <p:cNvPr id="1" name=""/>
+        <p:cNvGrpSpPr/>
+        <p:nvPr/>
+      </p:nvGrpSpPr>
+      <p:grpSpPr>
+        <a:xfrm>
+          <a:off x="0" y="0"/>
+          <a:ext cx="0" cy="0"/>
+          <a:chOff x="0" y="0"/>
+          <a:chExt cx="0" cy="0"/>
+        </a:xfrm>
+      </p:grpSpPr>
+      <p:sp>
+        <p:nvSpPr>
+          <p:cNvPr id="2" name="Title 1"/>
+          <p:cNvSpPr>
+            <a:spLocks noGrp="1"/>
+          </p:cNvSpPr>
+          <p:nvPr>
+            <p:ph type="title"/>
+          </p:nvPr>
+        </p:nvSpPr>
+        <p:spPr/>
+        <p:txBody>
+          <a:bodyPr/>
+          <a:lstStyle/>
+          <a:p>
+            <a:r>
+              <a:rPr lang="en-US" dirty="0" err="1" smtClean="0"/>
+              <a:t>Prinseq</a:t>
+            </a:r>
+            <a:r>
+              <a:rPr lang="en-US" dirty="0" smtClean="0"/>
               <a:t>: duplicate reads</a:t>
             </a:r>
             <a:endParaRPr lang="en-US" dirty="0"/>
@@ -4875,6 +5676,36 @@
           </a:prstGeom>
         </p:spPr>
       </p:pic>
+      <p:sp>
+        <p:nvSpPr>
+          <p:cNvPr id="5" name="TextBox 4"/>
+          <p:cNvSpPr txBox="1"/>
+          <p:nvPr/>
+        </p:nvSpPr>
+        <p:spPr>
+          <a:xfrm>
+            <a:off x="3904986" y="1417638"/>
+            <a:ext cx="1351902" cy="461665"/>
+          </a:xfrm>
+          <a:prstGeom prst="rect">
+            <a:avLst/>
+          </a:prstGeom>
+          <a:noFill/>
+        </p:spPr>
+        <p:txBody>
+          <a:bodyPr wrap="none" rtlCol="0">
+            <a:spAutoFit/>
+          </a:bodyPr>
+          <a:lstStyle/>
+          <a:p>
+            <a:r>
+              <a:rPr lang="en-US" sz="2400" b="1" dirty="0" smtClean="0"/>
+              <a:t>Expected</a:t>
+            </a:r>
+            <a:endParaRPr lang="en-US" sz="2400" b="1" dirty="0"/>
+          </a:p>
+        </p:txBody>
+      </p:sp>
     </p:spTree>
   </p:cSld>
   <p:clrMapOvr>
@@ -4890,7 +5721,7 @@
 </p:sld>
 </file>
 
-<file path=ppt/slides/slide2.xml><?xml version="1.0" encoding="utf-8"?>
+<file path=ppt/slides/slide23.xml><?xml version="1.0" encoding="utf-8"?>
 <p:sld xmlns:a="http://schemas.openxmlformats.org/drawingml/2006/main" xmlns:r="http://schemas.openxmlformats.org/officeDocument/2006/relationships" xmlns:p="http://schemas.openxmlformats.org/presentationml/2006/main">
   <p:cSld>
     <p:spTree>
@@ -4923,78 +5754,92 @@
           <a:lstStyle/>
           <a:p>
             <a:r>
-              <a:rPr lang="en-US" dirty="0" smtClean="0"/>
-              <a:t>Learning </a:t>
-            </a:r>
-            <a:r>
-              <a:rPr lang="en-US" dirty="0" smtClean="0"/>
-              <a:t>points</a:t>
+              <a:rPr lang="en-US" dirty="0" err="1" smtClean="0"/>
+              <a:t>Prinseq</a:t>
+            </a:r>
+            <a:r>
+              <a:rPr lang="en-US" dirty="0" smtClean="0"/>
+              <a:t>: duplicate reads</a:t>
             </a:r>
             <a:endParaRPr lang="en-US" dirty="0"/>
           </a:p>
         </p:txBody>
       </p:sp>
-      <p:sp>
-        <p:nvSpPr>
-          <p:cNvPr id="3" name="Content Placeholder 2"/>
-          <p:cNvSpPr>
-            <a:spLocks noGrp="1"/>
-          </p:cNvSpPr>
-          <p:nvPr>
-            <p:ph idx="1"/>
-          </p:nvPr>
-        </p:nvSpPr>
-        <p:spPr/>
-        <p:txBody>
-          <a:bodyPr>
-            <a:normAutofit/>
+      <p:pic>
+        <p:nvPicPr>
+          <p:cNvPr id="4" name="Picture 3"/>
+          <p:cNvPicPr>
+            <a:picLocks noChangeAspect="1"/>
+          </p:cNvPicPr>
+          <p:nvPr/>
+        </p:nvPicPr>
+        <p:blipFill>
+          <a:blip r:embed="rId2"/>
+          <a:stretch>
+            <a:fillRect/>
+          </a:stretch>
+        </p:blipFill>
+        <p:spPr>
+          <a:xfrm>
+            <a:off x="254000" y="1676400"/>
+            <a:ext cx="8636000" cy="3492500"/>
+          </a:xfrm>
+          <a:prstGeom prst="rect">
+            <a:avLst/>
+          </a:prstGeom>
+        </p:spPr>
+      </p:pic>
+      <p:sp>
+        <p:nvSpPr>
+          <p:cNvPr id="5" name="TextBox 4"/>
+          <p:cNvSpPr txBox="1"/>
+          <p:nvPr/>
+        </p:nvSpPr>
+        <p:spPr>
+          <a:xfrm>
+            <a:off x="3904986" y="1417638"/>
+            <a:ext cx="1410813" cy="461665"/>
+          </a:xfrm>
+          <a:prstGeom prst="rect">
+            <a:avLst/>
+          </a:prstGeom>
+          <a:noFill/>
+        </p:spPr>
+        <p:txBody>
+          <a:bodyPr wrap="none" rtlCol="0">
+            <a:spAutoFit/>
           </a:bodyPr>
           <a:lstStyle/>
           <a:p>
             <a:r>
-              <a:rPr lang="en-US" dirty="0" smtClean="0"/>
-              <a:t>Understand read file formats </a:t>
-            </a:r>
-          </a:p>
-          <a:p>
-            <a:r>
-              <a:rPr lang="en-US" dirty="0" smtClean="0"/>
-              <a:t>How </a:t>
-            </a:r>
-            <a:r>
-              <a:rPr lang="en-US" dirty="0" smtClean="0"/>
-              <a:t>to judge a QC report</a:t>
-            </a:r>
-          </a:p>
-          <a:p>
-            <a:r>
-              <a:rPr lang="en-US" smtClean="0"/>
-              <a:t>How to </a:t>
-            </a:r>
-            <a:r>
-              <a:rPr lang="en-US" dirty="0" smtClean="0"/>
-              <a:t>filter/trim </a:t>
-            </a:r>
-            <a:r>
-              <a:rPr lang="en-US" dirty="0" err="1" smtClean="0"/>
-              <a:t>Illumina</a:t>
-            </a:r>
-            <a:r>
-              <a:rPr lang="en-US" dirty="0" smtClean="0"/>
-              <a:t> reads</a:t>
-            </a:r>
+              <a:rPr lang="en-US" sz="2400" b="1" dirty="0" smtClean="0"/>
+              <a:t>Observed</a:t>
+            </a:r>
+            <a:endParaRPr lang="en-US" sz="2400" b="1" dirty="0"/>
           </a:p>
         </p:txBody>
       </p:sp>
     </p:spTree>
+    <p:extLst>
+      <p:ext uri="{BB962C8B-B14F-4D97-AF65-F5344CB8AC3E}">
+        <p14:creationId xmlns:p14="http://schemas.microsoft.com/office/powerpoint/2010/main" val="1712503304"/>
+      </p:ext>
+    </p:extLst>
   </p:cSld>
   <p:clrMapOvr>
     <a:masterClrMapping/>
   </p:clrMapOvr>
+  <p:timing>
+    <p:tnLst>
+      <p:par>
+        <p:cTn xmlns:p14="http://schemas.microsoft.com/office/powerpoint/2010/main" id="1" dur="indefinite" restart="never" nodeType="tmRoot"/>
+      </p:par>
+    </p:tnLst>
+  </p:timing>
 </p:sld>
 </file>
 
-<file path=ppt/slides/slide20.xml><?xml version="1.0" encoding="utf-8"?>
+<file path=ppt/slides/slide24.xml><?xml version="1.0" encoding="utf-8"?>
 <p:sld xmlns:a="http://schemas.openxmlformats.org/drawingml/2006/main" xmlns:r="http://schemas.openxmlformats.org/officeDocument/2006/relationships" xmlns:p="http://schemas.openxmlformats.org/presentationml/2006/main">
   <p:cSld>
     <p:spTree>
@@ -5289,7 +6134,7 @@
 </p:sld>
 </file>
 
-<file path=ppt/slides/slide21.xml><?xml version="1.0" encoding="utf-8"?>
+<file path=ppt/slides/slide25.xml><?xml version="1.0" encoding="utf-8"?>
 <p:sld xmlns:a="http://schemas.openxmlformats.org/drawingml/2006/main" xmlns:r="http://schemas.openxmlformats.org/officeDocument/2006/relationships" xmlns:p="http://schemas.openxmlformats.org/presentationml/2006/main">
   <p:cSld>
     <p:spTree>
@@ -5333,30 +6178,6 @@
           </a:p>
         </p:txBody>
       </p:sp>
-      <p:pic>
-        <p:nvPicPr>
-          <p:cNvPr id="4" name="Picture 3" descr="prinseq_6.png"/>
-          <p:cNvPicPr>
-            <a:picLocks noChangeAspect="1"/>
-          </p:cNvPicPr>
-          <p:nvPr/>
-        </p:nvPicPr>
-        <p:blipFill>
-          <a:blip r:embed="rId2"/>
-          <a:stretch>
-            <a:fillRect/>
-          </a:stretch>
-        </p:blipFill>
-        <p:spPr>
-          <a:xfrm>
-            <a:off x="3472013" y="1089878"/>
-            <a:ext cx="5671987" cy="5768122"/>
-          </a:xfrm>
-          <a:prstGeom prst="rect">
-            <a:avLst/>
-          </a:prstGeom>
-        </p:spPr>
-      </p:pic>
       <p:sp>
         <p:nvSpPr>
           <p:cNvPr id="5" name="Rectangle 4"/>
@@ -5474,269 +6295,9 @@
           </a:p>
         </p:txBody>
       </p:sp>
-    </p:spTree>
-  </p:cSld>
-  <p:clrMapOvr>
-    <a:masterClrMapping/>
-  </p:clrMapOvr>
-  <p:timing>
-    <p:tnLst>
-      <p:par>
-        <p:cTn xmlns:p14="http://schemas.microsoft.com/office/powerpoint/2010/main" id="1" dur="indefinite" restart="never" nodeType="tmRoot"/>
-      </p:par>
-    </p:tnLst>
-  </p:timing>
-</p:sld>
-</file>
-
-<file path=ppt/slides/slide22.xml><?xml version="1.0" encoding="utf-8"?>
-<p:sld xmlns:a="http://schemas.openxmlformats.org/drawingml/2006/main" xmlns:r="http://schemas.openxmlformats.org/officeDocument/2006/relationships" xmlns:p="http://schemas.openxmlformats.org/presentationml/2006/main">
-  <p:cSld>
-    <p:spTree>
-      <p:nvGrpSpPr>
-        <p:cNvPr id="1" name=""/>
-        <p:cNvGrpSpPr/>
-        <p:nvPr/>
-      </p:nvGrpSpPr>
-      <p:grpSpPr>
-        <a:xfrm>
-          <a:off x="0" y="0"/>
-          <a:ext cx="0" cy="0"/>
-          <a:chOff x="0" y="0"/>
-          <a:chExt cx="0" cy="0"/>
-        </a:xfrm>
-      </p:grpSpPr>
-      <p:sp>
-        <p:nvSpPr>
-          <p:cNvPr id="2" name="Title 1"/>
-          <p:cNvSpPr>
-            <a:spLocks noGrp="1"/>
-          </p:cNvSpPr>
-          <p:nvPr>
-            <p:ph type="title"/>
-          </p:nvPr>
-        </p:nvSpPr>
-        <p:spPr/>
-        <p:txBody>
-          <a:bodyPr/>
-          <a:lstStyle/>
-          <a:p>
-            <a:r>
-              <a:rPr lang="en-US" dirty="0" smtClean="0"/>
-              <a:t>Practical 1</a:t>
-            </a:r>
-            <a:endParaRPr lang="en-US" dirty="0"/>
-          </a:p>
-        </p:txBody>
-      </p:sp>
-      <p:sp>
-        <p:nvSpPr>
-          <p:cNvPr id="3" name="Content Placeholder 2"/>
-          <p:cNvSpPr>
-            <a:spLocks noGrp="1"/>
-          </p:cNvSpPr>
-          <p:nvPr>
-            <p:ph idx="1"/>
-          </p:nvPr>
-        </p:nvSpPr>
-        <p:spPr/>
-        <p:txBody>
-          <a:bodyPr/>
-          <a:lstStyle/>
-          <a:p>
-            <a:pPr algn="ctr"/>
-            <a:endParaRPr lang="en-US" dirty="0" smtClean="0"/>
-          </a:p>
-          <a:p>
-            <a:pPr algn="ctr"/>
-            <a:r>
-              <a:rPr lang="en-US" dirty="0" smtClean="0"/>
-              <a:t>Demo: </a:t>
-            </a:r>
-            <a:r>
-              <a:rPr lang="en-US" dirty="0" err="1" smtClean="0"/>
-              <a:t>Prinseq</a:t>
-            </a:r>
-            <a:endParaRPr lang="en-US" dirty="0"/>
-          </a:p>
-        </p:txBody>
-      </p:sp>
-    </p:spTree>
-  </p:cSld>
-  <p:clrMapOvr>
-    <a:masterClrMapping/>
-  </p:clrMapOvr>
-</p:sld>
-</file>
-
-<file path=ppt/slides/slide23.xml><?xml version="1.0" encoding="utf-8"?>
-<p:sld xmlns:a="http://schemas.openxmlformats.org/drawingml/2006/main" xmlns:r="http://schemas.openxmlformats.org/officeDocument/2006/relationships" xmlns:p="http://schemas.openxmlformats.org/presentationml/2006/main">
-  <p:cSld>
-    <p:spTree>
-      <p:nvGrpSpPr>
-        <p:cNvPr id="1" name=""/>
-        <p:cNvGrpSpPr/>
-        <p:nvPr/>
-      </p:nvGrpSpPr>
-      <p:grpSpPr>
-        <a:xfrm>
-          <a:off x="0" y="0"/>
-          <a:ext cx="0" cy="0"/>
-          <a:chOff x="0" y="0"/>
-          <a:chExt cx="0" cy="0"/>
-        </a:xfrm>
-      </p:grpSpPr>
-      <p:sp>
-        <p:nvSpPr>
-          <p:cNvPr id="2" name="Title 1"/>
-          <p:cNvSpPr>
-            <a:spLocks noGrp="1"/>
-          </p:cNvSpPr>
-          <p:nvPr>
-            <p:ph type="title"/>
-          </p:nvPr>
-        </p:nvSpPr>
-        <p:spPr/>
-        <p:txBody>
-          <a:bodyPr/>
-          <a:lstStyle/>
-          <a:p>
-            <a:r>
-              <a:rPr lang="en-US" dirty="0" err="1" smtClean="0"/>
-              <a:t>FastQC</a:t>
-            </a:r>
-            <a:endParaRPr lang="en-US" dirty="0"/>
-          </a:p>
-        </p:txBody>
-      </p:sp>
-      <p:sp>
-        <p:nvSpPr>
-          <p:cNvPr id="3" name="Content Placeholder 2"/>
-          <p:cNvSpPr>
-            <a:spLocks noGrp="1"/>
-          </p:cNvSpPr>
-          <p:nvPr>
-            <p:ph idx="1"/>
-          </p:nvPr>
-        </p:nvSpPr>
-        <p:spPr/>
-        <p:txBody>
-          <a:bodyPr/>
-          <a:lstStyle/>
-          <a:p>
-            <a:r>
-              <a:rPr lang="en-US" sz="2400" dirty="0" smtClean="0"/>
-              <a:t>http://</a:t>
-            </a:r>
-            <a:r>
-              <a:rPr lang="en-US" sz="2400" dirty="0" err="1" smtClean="0"/>
-              <a:t>www.bioinformatics.bbsrc.ac.uk/projects/fastqc</a:t>
-            </a:r>
-            <a:r>
-              <a:rPr lang="en-US" sz="2400" dirty="0" smtClean="0"/>
-              <a:t>/</a:t>
-            </a:r>
-          </a:p>
-          <a:p>
-            <a:r>
-              <a:rPr lang="en-US" dirty="0" smtClean="0"/>
-              <a:t>Stand-alone</a:t>
-            </a:r>
-          </a:p>
-          <a:p>
-            <a:r>
-              <a:rPr lang="en-US" dirty="0" smtClean="0"/>
-              <a:t>GUI (Java based)</a:t>
-            </a:r>
-          </a:p>
-          <a:p>
-            <a:r>
-              <a:rPr lang="en-US" dirty="0" smtClean="0"/>
-              <a:t>Use</a:t>
-            </a:r>
-          </a:p>
-          <a:p>
-            <a:pPr lvl="1"/>
-            <a:r>
-              <a:rPr lang="en-US" dirty="0" err="1" smtClean="0"/>
-              <a:t>fastq</a:t>
-            </a:r>
-            <a:r>
-              <a:rPr lang="en-US" dirty="0" smtClean="0"/>
-              <a:t> file</a:t>
-            </a:r>
-          </a:p>
-          <a:p>
-            <a:pPr lvl="1"/>
-            <a:r>
-              <a:rPr lang="en-US" dirty="0" smtClean="0"/>
-              <a:t>BAM/SAM</a:t>
-            </a:r>
-          </a:p>
-        </p:txBody>
-      </p:sp>
-    </p:spTree>
-  </p:cSld>
-  <p:clrMapOvr>
-    <a:masterClrMapping/>
-  </p:clrMapOvr>
-  <p:timing>
-    <p:tnLst>
-      <p:par>
-        <p:cTn xmlns:p14="http://schemas.microsoft.com/office/powerpoint/2010/main" id="1" dur="indefinite" restart="never" nodeType="tmRoot"/>
-      </p:par>
-    </p:tnLst>
-  </p:timing>
-</p:sld>
-</file>
-
-<file path=ppt/slides/slide24.xml><?xml version="1.0" encoding="utf-8"?>
-<p:sld xmlns:a="http://schemas.openxmlformats.org/drawingml/2006/main" xmlns:r="http://schemas.openxmlformats.org/officeDocument/2006/relationships" xmlns:p="http://schemas.openxmlformats.org/presentationml/2006/main">
-  <p:cSld>
-    <p:spTree>
-      <p:nvGrpSpPr>
-        <p:cNvPr id="1" name=""/>
-        <p:cNvGrpSpPr/>
-        <p:nvPr/>
-      </p:nvGrpSpPr>
-      <p:grpSpPr>
-        <a:xfrm>
-          <a:off x="0" y="0"/>
-          <a:ext cx="0" cy="0"/>
-          <a:chOff x="0" y="0"/>
-          <a:chExt cx="0" cy="0"/>
-        </a:xfrm>
-      </p:grpSpPr>
-      <p:sp>
-        <p:nvSpPr>
-          <p:cNvPr id="2" name="Title 1"/>
-          <p:cNvSpPr>
-            <a:spLocks noGrp="1"/>
-          </p:cNvSpPr>
-          <p:nvPr>
-            <p:ph type="title"/>
-          </p:nvPr>
-        </p:nvSpPr>
-        <p:spPr/>
-        <p:txBody>
-          <a:bodyPr/>
-          <a:lstStyle/>
-          <a:p>
-            <a:r>
-              <a:rPr lang="en-US" dirty="0" err="1" smtClean="0"/>
-              <a:t>FastQC</a:t>
-            </a:r>
-            <a:r>
-              <a:rPr lang="en-US" dirty="0" smtClean="0"/>
-              <a:t>: quality per position</a:t>
-            </a:r>
-            <a:endParaRPr lang="en-US" dirty="0"/>
-          </a:p>
-        </p:txBody>
-      </p:sp>
       <p:pic>
         <p:nvPicPr>
-          <p:cNvPr id="7" name="Picture 6" descr="FastQC_1.jpg"/>
+          <p:cNvPr id="3" name="Picture 2"/>
           <p:cNvPicPr>
             <a:picLocks noChangeAspect="1"/>
           </p:cNvPicPr>
@@ -5750,92 +6311,8 @@
         </p:blipFill>
         <p:spPr>
           <a:xfrm>
-            <a:off x="0" y="1077321"/>
-            <a:ext cx="9144000" cy="3429000"/>
-          </a:xfrm>
-          <a:prstGeom prst="rect">
-            <a:avLst/>
-          </a:prstGeom>
-        </p:spPr>
-      </p:pic>
-    </p:spTree>
-  </p:cSld>
-  <p:clrMapOvr>
-    <a:masterClrMapping/>
-  </p:clrMapOvr>
-  <p:timing>
-    <p:tnLst>
-      <p:par>
-        <p:cTn xmlns:p14="http://schemas.microsoft.com/office/powerpoint/2010/main" id="1" dur="indefinite" restart="never" nodeType="tmRoot"/>
-      </p:par>
-    </p:tnLst>
-  </p:timing>
-</p:sld>
-</file>
-
-<file path=ppt/slides/slide25.xml><?xml version="1.0" encoding="utf-8"?>
-<p:sld xmlns:a="http://schemas.openxmlformats.org/drawingml/2006/main" xmlns:r="http://schemas.openxmlformats.org/officeDocument/2006/relationships" xmlns:p="http://schemas.openxmlformats.org/presentationml/2006/main">
-  <p:cSld>
-    <p:spTree>
-      <p:nvGrpSpPr>
-        <p:cNvPr id="1" name=""/>
-        <p:cNvGrpSpPr/>
-        <p:nvPr/>
-      </p:nvGrpSpPr>
-      <p:grpSpPr>
-        <a:xfrm>
-          <a:off x="0" y="0"/>
-          <a:ext cx="0" cy="0"/>
-          <a:chOff x="0" y="0"/>
-          <a:chExt cx="0" cy="0"/>
-        </a:xfrm>
-      </p:grpSpPr>
-      <p:sp>
-        <p:nvSpPr>
-          <p:cNvPr id="2" name="Title 1"/>
-          <p:cNvSpPr>
-            <a:spLocks noGrp="1"/>
-          </p:cNvSpPr>
-          <p:nvPr>
-            <p:ph type="title"/>
-          </p:nvPr>
-        </p:nvSpPr>
-        <p:spPr/>
-        <p:txBody>
-          <a:bodyPr/>
-          <a:lstStyle/>
-          <a:p>
-            <a:r>
-              <a:rPr lang="en-US" dirty="0" err="1" smtClean="0"/>
-              <a:t>FastQC</a:t>
-            </a:r>
-            <a:r>
-              <a:rPr lang="en-US" dirty="0" smtClean="0"/>
-              <a:t>: quality per position</a:t>
-            </a:r>
-            <a:endParaRPr lang="en-US" dirty="0"/>
-          </a:p>
-        </p:txBody>
-      </p:sp>
-      <p:pic>
-        <p:nvPicPr>
-          <p:cNvPr id="5" name="Picture 4" descr="FastQC_1.jpg"/>
-          <p:cNvPicPr>
-            <a:picLocks noChangeAspect="1"/>
-          </p:cNvPicPr>
-          <p:nvPr/>
-        </p:nvPicPr>
-        <p:blipFill>
-          <a:blip r:embed="rId2"/>
-          <a:srcRect l="46501" r="806" b="29673"/>
-          <a:stretch>
-            <a:fillRect/>
-          </a:stretch>
-        </p:blipFill>
-        <p:spPr>
-          <a:xfrm>
-            <a:off x="58939" y="1077322"/>
-            <a:ext cx="9085062" cy="4546964"/>
+            <a:off x="3518107" y="1417638"/>
+            <a:ext cx="5073484" cy="5160211"/>
           </a:xfrm>
           <a:prstGeom prst="rect">
             <a:avLst/>
@@ -5893,9 +6370,130 @@
               <a:rPr lang="en-US" dirty="0" err="1" smtClean="0"/>
               <a:t>FastQC</a:t>
             </a:r>
-            <a:r>
-              <a:rPr lang="en-US" dirty="0" smtClean="0"/>
-              <a:t>: quality values </a:t>
+            <a:endParaRPr lang="en-US" dirty="0"/>
+          </a:p>
+        </p:txBody>
+      </p:sp>
+      <p:sp>
+        <p:nvSpPr>
+          <p:cNvPr id="3" name="Content Placeholder 2"/>
+          <p:cNvSpPr>
+            <a:spLocks noGrp="1"/>
+          </p:cNvSpPr>
+          <p:nvPr>
+            <p:ph idx="1"/>
+          </p:nvPr>
+        </p:nvSpPr>
+        <p:spPr/>
+        <p:txBody>
+          <a:bodyPr/>
+          <a:lstStyle/>
+          <a:p>
+            <a:r>
+              <a:rPr lang="en-US" sz="2400" dirty="0" smtClean="0"/>
+              <a:t>http://</a:t>
+            </a:r>
+            <a:r>
+              <a:rPr lang="en-US" sz="2400" dirty="0" err="1" smtClean="0"/>
+              <a:t>www.bioinformatics.bbsrc.ac.uk/projects/fastqc</a:t>
+            </a:r>
+            <a:r>
+              <a:rPr lang="en-US" sz="2400" dirty="0" smtClean="0"/>
+              <a:t>/</a:t>
+            </a:r>
+          </a:p>
+          <a:p>
+            <a:r>
+              <a:rPr lang="en-US" dirty="0" smtClean="0"/>
+              <a:t>Stand-alone</a:t>
+            </a:r>
+          </a:p>
+          <a:p>
+            <a:r>
+              <a:rPr lang="en-US" dirty="0" smtClean="0"/>
+              <a:t>GUI (Java based)</a:t>
+            </a:r>
+          </a:p>
+          <a:p>
+            <a:r>
+              <a:rPr lang="en-US" dirty="0" smtClean="0"/>
+              <a:t>Use</a:t>
+            </a:r>
+          </a:p>
+          <a:p>
+            <a:pPr lvl="1"/>
+            <a:r>
+              <a:rPr lang="en-US" dirty="0" err="1" smtClean="0"/>
+              <a:t>fastq</a:t>
+            </a:r>
+            <a:r>
+              <a:rPr lang="en-US" dirty="0" smtClean="0"/>
+              <a:t> file</a:t>
+            </a:r>
+          </a:p>
+          <a:p>
+            <a:pPr lvl="1"/>
+            <a:r>
+              <a:rPr lang="en-US" dirty="0" smtClean="0"/>
+              <a:t>BAM/SAM</a:t>
+            </a:r>
+          </a:p>
+        </p:txBody>
+      </p:sp>
+    </p:spTree>
+  </p:cSld>
+  <p:clrMapOvr>
+    <a:masterClrMapping/>
+  </p:clrMapOvr>
+  <p:timing>
+    <p:tnLst>
+      <p:par>
+        <p:cTn xmlns:p14="http://schemas.microsoft.com/office/powerpoint/2010/main" id="1" dur="indefinite" restart="never" nodeType="tmRoot"/>
+      </p:par>
+    </p:tnLst>
+  </p:timing>
+</p:sld>
+</file>
+
+<file path=ppt/slides/slide27.xml><?xml version="1.0" encoding="utf-8"?>
+<p:sld xmlns:a="http://schemas.openxmlformats.org/drawingml/2006/main" xmlns:r="http://schemas.openxmlformats.org/officeDocument/2006/relationships" xmlns:p="http://schemas.openxmlformats.org/presentationml/2006/main">
+  <p:cSld>
+    <p:spTree>
+      <p:nvGrpSpPr>
+        <p:cNvPr id="1" name=""/>
+        <p:cNvGrpSpPr/>
+        <p:nvPr/>
+      </p:nvGrpSpPr>
+      <p:grpSpPr>
+        <a:xfrm>
+          <a:off x="0" y="0"/>
+          <a:ext cx="0" cy="0"/>
+          <a:chOff x="0" y="0"/>
+          <a:chExt cx="0" cy="0"/>
+        </a:xfrm>
+      </p:grpSpPr>
+      <p:sp>
+        <p:nvSpPr>
+          <p:cNvPr id="2" name="Title 1"/>
+          <p:cNvSpPr>
+            <a:spLocks noGrp="1"/>
+          </p:cNvSpPr>
+          <p:nvPr>
+            <p:ph type="title"/>
+          </p:nvPr>
+        </p:nvSpPr>
+        <p:spPr/>
+        <p:txBody>
+          <a:bodyPr/>
+          <a:lstStyle/>
+          <a:p>
+            <a:r>
+              <a:rPr lang="en-US" dirty="0" err="1" smtClean="0"/>
+              <a:t>FastQC</a:t>
+            </a:r>
+            <a:r>
+              <a:rPr lang="en-US" dirty="0" smtClean="0"/>
+              <a:t>: quality per position</a:t>
             </a:r>
             <a:endParaRPr lang="en-US" dirty="0"/>
           </a:p>
@@ -5903,7 +6501,7 @@
       </p:sp>
       <p:pic>
         <p:nvPicPr>
-          <p:cNvPr id="4" name="Picture 3" descr="FastQC_3.png"/>
+          <p:cNvPr id="3" name="Picture 2"/>
           <p:cNvPicPr>
             <a:picLocks noChangeAspect="1"/>
           </p:cNvPicPr>
@@ -5917,8 +6515,8 @@
         </p:blipFill>
         <p:spPr>
           <a:xfrm>
-            <a:off x="1128438" y="1077321"/>
-            <a:ext cx="6887123" cy="5165342"/>
+            <a:off x="1124397" y="1266571"/>
+            <a:ext cx="6802607" cy="5101955"/>
           </a:xfrm>
           <a:prstGeom prst="rect">
             <a:avLst/>
@@ -5940,7 +6538,90 @@
 </p:sld>
 </file>
 
-<file path=ppt/slides/slide27.xml><?xml version="1.0" encoding="utf-8"?>
+<file path=ppt/slides/slide28.xml><?xml version="1.0" encoding="utf-8"?>
+<p:sld xmlns:a="http://schemas.openxmlformats.org/drawingml/2006/main" xmlns:r="http://schemas.openxmlformats.org/officeDocument/2006/relationships" xmlns:p="http://schemas.openxmlformats.org/presentationml/2006/main">
+  <p:cSld>
+    <p:spTree>
+      <p:nvGrpSpPr>
+        <p:cNvPr id="1" name=""/>
+        <p:cNvGrpSpPr/>
+        <p:nvPr/>
+      </p:nvGrpSpPr>
+      <p:grpSpPr>
+        <a:xfrm>
+          <a:off x="0" y="0"/>
+          <a:ext cx="0" cy="0"/>
+          <a:chOff x="0" y="0"/>
+          <a:chExt cx="0" cy="0"/>
+        </a:xfrm>
+      </p:grpSpPr>
+      <p:sp>
+        <p:nvSpPr>
+          <p:cNvPr id="2" name="Title 1"/>
+          <p:cNvSpPr>
+            <a:spLocks noGrp="1"/>
+          </p:cNvSpPr>
+          <p:nvPr>
+            <p:ph type="title"/>
+          </p:nvPr>
+        </p:nvSpPr>
+        <p:spPr/>
+        <p:txBody>
+          <a:bodyPr/>
+          <a:lstStyle/>
+          <a:p>
+            <a:r>
+              <a:rPr lang="en-US" dirty="0" err="1" smtClean="0"/>
+              <a:t>FastQC</a:t>
+            </a:r>
+            <a:r>
+              <a:rPr lang="en-US" dirty="0" smtClean="0"/>
+              <a:t>: quality values </a:t>
+            </a:r>
+            <a:endParaRPr lang="en-US" dirty="0"/>
+          </a:p>
+        </p:txBody>
+      </p:sp>
+      <p:pic>
+        <p:nvPicPr>
+          <p:cNvPr id="4" name="Picture 3" descr="FastQC_3.png"/>
+          <p:cNvPicPr>
+            <a:picLocks noChangeAspect="1"/>
+          </p:cNvPicPr>
+          <p:nvPr/>
+        </p:nvPicPr>
+        <p:blipFill>
+          <a:blip r:embed="rId2"/>
+          <a:stretch>
+            <a:fillRect/>
+          </a:stretch>
+        </p:blipFill>
+        <p:spPr>
+          <a:xfrm>
+            <a:off x="1600613" y="1302228"/>
+            <a:ext cx="6414948" cy="4811211"/>
+          </a:xfrm>
+          <a:prstGeom prst="rect">
+            <a:avLst/>
+          </a:prstGeom>
+        </p:spPr>
+      </p:pic>
+    </p:spTree>
+  </p:cSld>
+  <p:clrMapOvr>
+    <a:masterClrMapping/>
+  </p:clrMapOvr>
+  <p:timing>
+    <p:tnLst>
+      <p:par>
+        <p:cTn xmlns:p14="http://schemas.microsoft.com/office/powerpoint/2010/main" id="1" dur="indefinite" restart="never" nodeType="tmRoot"/>
+      </p:par>
+    </p:tnLst>
+  </p:timing>
+</p:sld>
+</file>
+
+<file path=ppt/slides/slide29.xml><?xml version="1.0" encoding="utf-8"?>
 <p:sld xmlns:a="http://schemas.openxmlformats.org/drawingml/2006/main" xmlns:r="http://schemas.openxmlformats.org/officeDocument/2006/relationships" xmlns:p="http://schemas.openxmlformats.org/presentationml/2006/main">
   <p:cSld>
     <p:spTree>
@@ -6023,7 +6704,103 @@
 </p:sld>
 </file>
 
-<file path=ppt/slides/slide28.xml><?xml version="1.0" encoding="utf-8"?>
+<file path=ppt/slides/slide3.xml><?xml version="1.0" encoding="utf-8"?>
+<p:sld xmlns:a="http://schemas.openxmlformats.org/drawingml/2006/main" xmlns:r="http://schemas.openxmlformats.org/officeDocument/2006/relationships" xmlns:p="http://schemas.openxmlformats.org/presentationml/2006/main">
+  <p:cSld>
+    <p:spTree>
+      <p:nvGrpSpPr>
+        <p:cNvPr id="1" name=""/>
+        <p:cNvGrpSpPr/>
+        <p:nvPr/>
+      </p:nvGrpSpPr>
+      <p:grpSpPr>
+        <a:xfrm>
+          <a:off x="0" y="0"/>
+          <a:ext cx="0" cy="0"/>
+          <a:chOff x="0" y="0"/>
+          <a:chExt cx="0" cy="0"/>
+        </a:xfrm>
+      </p:grpSpPr>
+      <p:sp>
+        <p:nvSpPr>
+          <p:cNvPr id="2" name="Title 1"/>
+          <p:cNvSpPr>
+            <a:spLocks noGrp="1"/>
+          </p:cNvSpPr>
+          <p:nvPr>
+            <p:ph type="title"/>
+          </p:nvPr>
+        </p:nvSpPr>
+        <p:spPr/>
+        <p:txBody>
+          <a:bodyPr/>
+          <a:lstStyle/>
+          <a:p>
+            <a:r>
+              <a:rPr lang="en-US" dirty="0" smtClean="0"/>
+              <a:t>Formats</a:t>
+            </a:r>
+            <a:endParaRPr lang="en-US" dirty="0"/>
+          </a:p>
+        </p:txBody>
+      </p:sp>
+      <p:sp>
+        <p:nvSpPr>
+          <p:cNvPr id="3" name="Content Placeholder 2"/>
+          <p:cNvSpPr>
+            <a:spLocks noGrp="1"/>
+          </p:cNvSpPr>
+          <p:nvPr>
+            <p:ph idx="1"/>
+          </p:nvPr>
+        </p:nvSpPr>
+        <p:spPr/>
+        <p:txBody>
+          <a:bodyPr/>
+          <a:lstStyle/>
+          <a:p>
+            <a:r>
+              <a:rPr lang="en-US" dirty="0" err="1" smtClean="0"/>
+              <a:t>sff</a:t>
+            </a:r>
+            <a:r>
+              <a:rPr lang="en-US" dirty="0" smtClean="0"/>
+              <a:t> (454)</a:t>
+            </a:r>
+          </a:p>
+          <a:p>
+            <a:r>
+              <a:rPr lang="en-US" dirty="0" err="1" smtClean="0"/>
+              <a:t>fasta</a:t>
+            </a:r>
+            <a:r>
+              <a:rPr lang="en-US" dirty="0" smtClean="0"/>
+              <a:t> + </a:t>
+            </a:r>
+            <a:r>
+              <a:rPr lang="en-US" dirty="0" err="1" smtClean="0"/>
+              <a:t>qual</a:t>
+            </a:r>
+            <a:endParaRPr lang="en-US" dirty="0" smtClean="0"/>
+          </a:p>
+          <a:p>
+            <a:r>
+              <a:rPr lang="en-US" dirty="0" err="1" smtClean="0"/>
+              <a:t>fastq</a:t>
+            </a:r>
+            <a:endParaRPr lang="en-US" dirty="0"/>
+          </a:p>
+        </p:txBody>
+      </p:sp>
+    </p:spTree>
+  </p:cSld>
+  <p:clrMapOvr>
+    <a:masterClrMapping/>
+  </p:clrMapOvr>
+</p:sld>
+</file>
+
+<file path=ppt/slides/slide30.xml><?xml version="1.0" encoding="utf-8"?>
 <p:sld xmlns:a="http://schemas.openxmlformats.org/drawingml/2006/main" xmlns:r="http://schemas.openxmlformats.org/officeDocument/2006/relationships" xmlns:p="http://schemas.openxmlformats.org/presentationml/2006/main">
   <p:cSld>
     <p:spTree>
@@ -6106,7 +6883,7 @@
 </p:sld>
 </file>
 
-<file path=ppt/slides/slide29.xml><?xml version="1.0" encoding="utf-8"?>
+<file path=ppt/slides/slide31.xml><?xml version="1.0" encoding="utf-8"?>
 <p:sld xmlns:a="http://schemas.openxmlformats.org/drawingml/2006/main" xmlns:r="http://schemas.openxmlformats.org/officeDocument/2006/relationships" xmlns:p="http://schemas.openxmlformats.org/presentationml/2006/main">
   <p:cSld>
     <p:spTree>
@@ -6166,7 +6943,7 @@
         </p:blipFill>
         <p:spPr>
           <a:xfrm>
-            <a:off x="802216" y="1203325"/>
+            <a:off x="802216" y="1189815"/>
             <a:ext cx="7539567" cy="5654675"/>
           </a:xfrm>
           <a:prstGeom prst="rect">
@@ -6189,7 +6966,7 @@
 </p:sld>
 </file>
 
-<file path=ppt/slides/slide3.xml><?xml version="1.0" encoding="utf-8"?>
+<file path=ppt/slides/slide32.xml><?xml version="1.0" encoding="utf-8"?>
 <p:sld xmlns:a="http://schemas.openxmlformats.org/drawingml/2006/main" xmlns:r="http://schemas.openxmlformats.org/officeDocument/2006/relationships" xmlns:p="http://schemas.openxmlformats.org/presentationml/2006/main">
   <p:cSld>
     <p:spTree>
@@ -6223,102 +7000,6 @@
           <a:p>
             <a:r>
               <a:rPr lang="en-US" dirty="0" smtClean="0"/>
-              <a:t>Formats</a:t>
-            </a:r>
-            <a:endParaRPr lang="en-US" dirty="0"/>
-          </a:p>
-        </p:txBody>
-      </p:sp>
-      <p:sp>
-        <p:nvSpPr>
-          <p:cNvPr id="3" name="Content Placeholder 2"/>
-          <p:cNvSpPr>
-            <a:spLocks noGrp="1"/>
-          </p:cNvSpPr>
-          <p:nvPr>
-            <p:ph idx="1"/>
-          </p:nvPr>
-        </p:nvSpPr>
-        <p:spPr/>
-        <p:txBody>
-          <a:bodyPr/>
-          <a:lstStyle/>
-          <a:p>
-            <a:r>
-              <a:rPr lang="en-US" dirty="0" err="1" smtClean="0"/>
-              <a:t>sff</a:t>
-            </a:r>
-            <a:r>
-              <a:rPr lang="en-US" dirty="0" smtClean="0"/>
-              <a:t> (454)</a:t>
-            </a:r>
-          </a:p>
-          <a:p>
-            <a:r>
-              <a:rPr lang="en-US" dirty="0" err="1" smtClean="0"/>
-              <a:t>fasta</a:t>
-            </a:r>
-            <a:r>
-              <a:rPr lang="en-US" dirty="0" smtClean="0"/>
-              <a:t> + </a:t>
-            </a:r>
-            <a:r>
-              <a:rPr lang="en-US" dirty="0" err="1" smtClean="0"/>
-              <a:t>qual</a:t>
-            </a:r>
-            <a:endParaRPr lang="en-US" dirty="0" smtClean="0"/>
-          </a:p>
-          <a:p>
-            <a:r>
-              <a:rPr lang="en-US" dirty="0" err="1" smtClean="0"/>
-              <a:t>fastq</a:t>
-            </a:r>
-            <a:endParaRPr lang="en-US" dirty="0"/>
-          </a:p>
-        </p:txBody>
-      </p:sp>
-    </p:spTree>
-  </p:cSld>
-  <p:clrMapOvr>
-    <a:masterClrMapping/>
-  </p:clrMapOvr>
-</p:sld>
-</file>
-
-<file path=ppt/slides/slide30.xml><?xml version="1.0" encoding="utf-8"?>
-<p:sld xmlns:a="http://schemas.openxmlformats.org/drawingml/2006/main" xmlns:r="http://schemas.openxmlformats.org/officeDocument/2006/relationships" xmlns:p="http://schemas.openxmlformats.org/presentationml/2006/main">
-  <p:cSld>
-    <p:spTree>
-      <p:nvGrpSpPr>
-        <p:cNvPr id="1" name=""/>
-        <p:cNvGrpSpPr/>
-        <p:nvPr/>
-      </p:nvGrpSpPr>
-      <p:grpSpPr>
-        <a:xfrm>
-          <a:off x="0" y="0"/>
-          <a:ext cx="0" cy="0"/>
-          <a:chOff x="0" y="0"/>
-          <a:chExt cx="0" cy="0"/>
-        </a:xfrm>
-      </p:grpSpPr>
-      <p:sp>
-        <p:nvSpPr>
-          <p:cNvPr id="2" name="Title 1"/>
-          <p:cNvSpPr>
-            <a:spLocks noGrp="1"/>
-          </p:cNvSpPr>
-          <p:nvPr>
-            <p:ph type="title"/>
-          </p:nvPr>
-        </p:nvSpPr>
-        <p:spPr/>
-        <p:txBody>
-          <a:bodyPr/>
-          <a:lstStyle/>
-          <a:p>
-            <a:r>
-              <a:rPr lang="en-US" dirty="0" smtClean="0"/>
               <a:t>Filtering/trimming</a:t>
             </a:r>
             <a:endParaRPr lang="en-US" dirty="0"/>
@@ -6427,7 +7108,7 @@
 </p:sld>
 </file>
 
-<file path=ppt/slides/slide31.xml><?xml version="1.0" encoding="utf-8"?>
+<file path=ppt/slides/slide33.xml><?xml version="1.0" encoding="utf-8"?>
 <p:sld xmlns:a="http://schemas.openxmlformats.org/drawingml/2006/main" xmlns:r="http://schemas.openxmlformats.org/officeDocument/2006/relationships" xmlns:p="http://schemas.openxmlformats.org/presentationml/2006/main">
   <p:cSld>
     <p:spTree>
@@ -7383,96 +8064,397 @@
           <a:lstStyle/>
           <a:p>
             <a:r>
+              <a:rPr lang="en-US" dirty="0" smtClean="0"/>
+              <a:t>Quality scores</a:t>
+            </a:r>
+            <a:endParaRPr lang="en-US" dirty="0"/>
+          </a:p>
+        </p:txBody>
+      </p:sp>
+      <p:sp>
+        <p:nvSpPr>
+          <p:cNvPr id="3" name="Content Placeholder 2"/>
+          <p:cNvSpPr>
+            <a:spLocks noGrp="1"/>
+          </p:cNvSpPr>
+          <p:nvPr>
+            <p:ph idx="1"/>
+          </p:nvPr>
+        </p:nvSpPr>
+        <p:spPr/>
+        <p:txBody>
+          <a:bodyPr/>
+          <a:lstStyle/>
+          <a:p>
+            <a:r>
               <a:rPr lang="en-US" dirty="0" err="1" smtClean="0"/>
-              <a:t>Illumina</a:t>
-            </a:r>
-            <a:r>
-              <a:rPr lang="en-US" dirty="0" smtClean="0"/>
-              <a:t>: </a:t>
-            </a:r>
-            <a:r>
-              <a:rPr lang="en-US" dirty="0" err="1" smtClean="0"/>
-              <a:t>fastq</a:t>
-            </a:r>
-            <a:r>
-              <a:rPr lang="en-US" dirty="0" smtClean="0"/>
-              <a:t> file</a:t>
-            </a:r>
+              <a:t>Phred</a:t>
+            </a:r>
+            <a:r>
+              <a:rPr lang="en-US" dirty="0" smtClean="0"/>
+              <a:t>-based</a:t>
+            </a:r>
+          </a:p>
+          <a:p>
+            <a:endParaRPr lang="en-US" dirty="0" smtClean="0"/>
+          </a:p>
+          <a:p>
+            <a:endParaRPr lang="en-US" dirty="0" smtClean="0"/>
+          </a:p>
+          <a:p>
+            <a:endParaRPr lang="en-US" dirty="0" smtClean="0"/>
+          </a:p>
+          <a:p>
             <a:endParaRPr lang="en-US" dirty="0"/>
           </a:p>
-        </p:txBody>
-      </p:sp>
-      <p:sp>
-        <p:nvSpPr>
-          <p:cNvPr id="3" name="Content Placeholder 2"/>
-          <p:cNvSpPr>
-            <a:spLocks noGrp="1"/>
-          </p:cNvSpPr>
-          <p:nvPr>
-            <p:ph idx="1"/>
-          </p:nvPr>
-        </p:nvSpPr>
-        <p:spPr/>
-        <p:txBody>
-          <a:bodyPr>
-            <a:normAutofit/>
-          </a:bodyPr>
-          <a:lstStyle/>
-          <a:p>
-            <a:pPr marL="0" indent="0">
-              <a:buNone/>
-            </a:pPr>
-            <a:r>
-              <a:rPr lang="en-US" sz="2400" dirty="0" smtClean="0">
-                <a:latin typeface="Courier New"/>
-                <a:cs typeface="Courier New"/>
-              </a:rPr>
-              <a:t>@PCUS-319-EAS487_0004_FC:6:1:1351:952#0/1</a:t>
-            </a:r>
-          </a:p>
-          <a:p>
-            <a:pPr marL="0" indent="0">
-              <a:buNone/>
-            </a:pPr>
-            <a:r>
-              <a:rPr lang="en-US" sz="2400" dirty="0" smtClean="0">
-                <a:latin typeface="Courier New"/>
-                <a:cs typeface="Courier New"/>
-              </a:rPr>
-              <a:t>CCAACATAGCTGGATGCCAACATAGCTGGATTGTTATAGCTGGTTTGCTTTTCTAACTCGCTGGAAGTTTATAAGCATTCCTACTATTTCATAGTATTAC</a:t>
-            </a:r>
-          </a:p>
-          <a:p>
-            <a:pPr marL="0" indent="0">
-              <a:buNone/>
-            </a:pPr>
-            <a:r>
-              <a:rPr lang="en-US" sz="2400" dirty="0" smtClean="0">
-                <a:latin typeface="Courier New"/>
-                <a:cs typeface="Courier New"/>
-              </a:rPr>
-              <a:t>+@PCUS-319-EAS487_0004_FC:6:1:1351:952#0/1</a:t>
-            </a:r>
-          </a:p>
-          <a:p>
-            <a:pPr marL="0" indent="0">
-              <a:buNone/>
-            </a:pPr>
-            <a:r>
-              <a:rPr lang="en-US" sz="2400" dirty="0" err="1" smtClean="0">
-                <a:latin typeface="Courier New"/>
-                <a:cs typeface="Courier New"/>
-              </a:rPr>
-              <a:t>BBbfYcbV^BV`cQffaBZfB_fdfUYaa]`adcbfef\acfd^cad^fOabRceb`beSbdfaad_e^^dbeedTbd`V\ecdfffYBddb^fa\d\de</a:t>
-            </a:r>
-            <a:endParaRPr lang="en-US" sz="2400" dirty="0">
-              <a:latin typeface="Courier New"/>
-              <a:cs typeface="Courier New"/>
-            </a:endParaRPr>
-          </a:p>
-        </p:txBody>
-      </p:sp>
+          <a:p>
+            <a:endParaRPr lang="en-US" dirty="0"/>
+          </a:p>
+          <a:p>
+            <a:pPr algn="r"/>
+            <a:endParaRPr lang="de-DE" sz="2400" dirty="0" smtClean="0"/>
+          </a:p>
+          <a:p>
+            <a:pPr algn="r"/>
+            <a:r>
+              <a:rPr lang="de-DE" sz="2400" dirty="0" smtClean="0"/>
+              <a:t>http</a:t>
+            </a:r>
+            <a:r>
+              <a:rPr lang="de-DE" sz="2400" dirty="0"/>
+              <a:t>://</a:t>
+            </a:r>
+            <a:r>
+              <a:rPr lang="de-DE" sz="2400" dirty="0" err="1"/>
+              <a:t>en.wikipedia.org</a:t>
+            </a:r>
+            <a:r>
+              <a:rPr lang="de-DE" sz="2400" dirty="0"/>
+              <a:t>/</a:t>
+            </a:r>
+            <a:r>
+              <a:rPr lang="de-DE" sz="2400" dirty="0" err="1"/>
+              <a:t>wiki</a:t>
+            </a:r>
+            <a:r>
+              <a:rPr lang="de-DE" sz="2400" dirty="0"/>
+              <a:t>/</a:t>
+            </a:r>
+            <a:r>
+              <a:rPr lang="de-DE" sz="2400" dirty="0" err="1"/>
+              <a:t>Phred_quality_score</a:t>
+            </a:r>
+            <a:endParaRPr lang="en-US" sz="2400" dirty="0"/>
+          </a:p>
+        </p:txBody>
+      </p:sp>
+      <p:graphicFrame>
+        <p:nvGraphicFramePr>
+          <p:cNvPr id="5" name="Table 4"/>
+          <p:cNvGraphicFramePr>
+            <a:graphicFrameLocks noGrp="1"/>
+          </p:cNvGraphicFramePr>
+          <p:nvPr>
+            <p:extLst>
+              <p:ext uri="{D42A27DB-BD31-4B8C-83A1-F6EECF244321}">
+                <p14:modId xmlns:p14="http://schemas.microsoft.com/office/powerpoint/2010/main" val="1704512047"/>
+              </p:ext>
+            </p:extLst>
+          </p:nvPr>
+        </p:nvGraphicFramePr>
+        <p:xfrm>
+          <a:off x="1253767" y="2666938"/>
+          <a:ext cx="6096000" cy="2494280"/>
+        </p:xfrm>
+        <a:graphic>
+          <a:graphicData uri="http://schemas.openxmlformats.org/drawingml/2006/table">
+            <a:tbl>
+              <a:tblPr firstRow="1" bandRow="1">
+                <a:tableStyleId>{3C2FFA5D-87B4-456A-9821-1D502468CF0F}</a:tableStyleId>
+              </a:tblPr>
+              <a:tblGrid>
+                <a:gridCol w="2032000"/>
+                <a:gridCol w="2032000"/>
+                <a:gridCol w="2032000"/>
+              </a:tblGrid>
+              <a:tr h="370840">
+                <a:tc>
+                  <a:txBody>
+                    <a:bodyPr/>
+                    <a:lstStyle/>
+                    <a:p>
+                      <a:r>
+                        <a:rPr lang="en-US" dirty="0" err="1" smtClean="0"/>
+                        <a:t>Phred</a:t>
+                      </a:r>
+                      <a:r>
+                        <a:rPr lang="en-US" dirty="0" smtClean="0"/>
+                        <a:t> Quality Score</a:t>
+                      </a:r>
+                      <a:endParaRPr lang="en-US" dirty="0"/>
+                    </a:p>
+                  </a:txBody>
+                  <a:tcPr/>
+                </a:tc>
+                <a:tc>
+                  <a:txBody>
+                    <a:bodyPr/>
+                    <a:lstStyle/>
+                    <a:p>
+                      <a:r>
+                        <a:rPr lang="en-US" dirty="0" smtClean="0"/>
+                        <a:t>Probability of incorrect base call</a:t>
+                      </a:r>
+                      <a:endParaRPr lang="en-US" dirty="0"/>
+                    </a:p>
+                  </a:txBody>
+                  <a:tcPr/>
+                </a:tc>
+                <a:tc>
+                  <a:txBody>
+                    <a:bodyPr/>
+                    <a:lstStyle/>
+                    <a:p>
+                      <a:r>
+                        <a:rPr lang="en-US" dirty="0" smtClean="0"/>
+                        <a:t>Base call accuracy</a:t>
+                      </a:r>
+                      <a:endParaRPr lang="en-US" dirty="0"/>
+                    </a:p>
+                  </a:txBody>
+                  <a:tcPr/>
+                </a:tc>
+              </a:tr>
+              <a:tr h="370840">
+                <a:tc>
+                  <a:txBody>
+                    <a:bodyPr/>
+                    <a:lstStyle/>
+                    <a:p>
+                      <a:r>
+                        <a:rPr lang="en-US" dirty="0" smtClean="0"/>
+                        <a:t>10</a:t>
+                      </a:r>
+                      <a:endParaRPr lang="en-US" dirty="0"/>
+                    </a:p>
+                  </a:txBody>
+                  <a:tcPr/>
+                </a:tc>
+                <a:tc>
+                  <a:txBody>
+                    <a:bodyPr/>
+                    <a:lstStyle/>
+                    <a:p>
+                      <a:r>
+                        <a:rPr lang="en-US" dirty="0" smtClean="0"/>
+                        <a:t>1 in 10</a:t>
+                      </a:r>
+                      <a:endParaRPr lang="en-US" dirty="0"/>
+                    </a:p>
+                  </a:txBody>
+                  <a:tcPr/>
+                </a:tc>
+                <a:tc>
+                  <a:txBody>
+                    <a:bodyPr/>
+                    <a:lstStyle/>
+                    <a:p>
+                      <a:r>
+                        <a:rPr lang="en-US" dirty="0" smtClean="0"/>
+                        <a:t>90 %</a:t>
+                      </a:r>
+                      <a:endParaRPr lang="en-US" dirty="0"/>
+                    </a:p>
+                  </a:txBody>
+                  <a:tcPr/>
+                </a:tc>
+              </a:tr>
+              <a:tr h="370840">
+                <a:tc>
+                  <a:txBody>
+                    <a:bodyPr/>
+                    <a:lstStyle/>
+                    <a:p>
+                      <a:r>
+                        <a:rPr lang="en-US" dirty="0" smtClean="0"/>
+                        <a:t>20</a:t>
+                      </a:r>
+                      <a:endParaRPr lang="en-US" dirty="0"/>
+                    </a:p>
+                  </a:txBody>
+                  <a:tcPr/>
+                </a:tc>
+                <a:tc>
+                  <a:txBody>
+                    <a:bodyPr/>
+                    <a:lstStyle/>
+                    <a:p>
+                      <a:r>
+                        <a:rPr lang="en-US" dirty="0" smtClean="0"/>
+                        <a:t>1 in 100</a:t>
+                      </a:r>
+                      <a:endParaRPr lang="en-US" dirty="0"/>
+                    </a:p>
+                  </a:txBody>
+                  <a:tcPr/>
+                </a:tc>
+                <a:tc>
+                  <a:txBody>
+                    <a:bodyPr/>
+                    <a:lstStyle/>
+                    <a:p>
+                      <a:r>
+                        <a:rPr lang="en-US" dirty="0" smtClean="0"/>
+                        <a:t>99 %</a:t>
+                      </a:r>
+                      <a:endParaRPr lang="en-US" dirty="0"/>
+                    </a:p>
+                  </a:txBody>
+                  <a:tcPr/>
+                </a:tc>
+              </a:tr>
+              <a:tr h="370840">
+                <a:tc>
+                  <a:txBody>
+                    <a:bodyPr/>
+                    <a:lstStyle/>
+                    <a:p>
+                      <a:r>
+                        <a:rPr lang="en-US" dirty="0" smtClean="0"/>
+                        <a:t>30</a:t>
+                      </a:r>
+                      <a:endParaRPr lang="en-US" dirty="0"/>
+                    </a:p>
+                  </a:txBody>
+                  <a:tcPr/>
+                </a:tc>
+                <a:tc>
+                  <a:txBody>
+                    <a:bodyPr/>
+                    <a:lstStyle/>
+                    <a:p>
+                      <a:r>
+                        <a:rPr lang="en-US" dirty="0" smtClean="0"/>
+                        <a:t>1 in 1 000</a:t>
+                      </a:r>
+                      <a:endParaRPr lang="en-US" dirty="0"/>
+                    </a:p>
+                  </a:txBody>
+                  <a:tcPr/>
+                </a:tc>
+                <a:tc>
+                  <a:txBody>
+                    <a:bodyPr/>
+                    <a:lstStyle/>
+                    <a:p>
+                      <a:r>
+                        <a:rPr lang="en-US" dirty="0" smtClean="0"/>
+                        <a:t>99.9 %</a:t>
+                      </a:r>
+                      <a:endParaRPr lang="en-US" dirty="0"/>
+                    </a:p>
+                  </a:txBody>
+                  <a:tcPr/>
+                </a:tc>
+              </a:tr>
+              <a:tr h="370840">
+                <a:tc>
+                  <a:txBody>
+                    <a:bodyPr/>
+                    <a:lstStyle/>
+                    <a:p>
+                      <a:r>
+                        <a:rPr lang="en-US" dirty="0" smtClean="0"/>
+                        <a:t>40</a:t>
+                      </a:r>
+                      <a:endParaRPr lang="en-US" dirty="0"/>
+                    </a:p>
+                  </a:txBody>
+                  <a:tcPr/>
+                </a:tc>
+                <a:tc>
+                  <a:txBody>
+                    <a:bodyPr/>
+                    <a:lstStyle/>
+                    <a:p>
+                      <a:r>
+                        <a:rPr lang="en-US" dirty="0" smtClean="0"/>
+                        <a:t>1 in 10 000</a:t>
+                      </a:r>
+                      <a:endParaRPr lang="en-US" dirty="0"/>
+                    </a:p>
+                  </a:txBody>
+                  <a:tcPr/>
+                </a:tc>
+                <a:tc>
+                  <a:txBody>
+                    <a:bodyPr/>
+                    <a:lstStyle/>
+                    <a:p>
+                      <a:r>
+                        <a:rPr lang="en-US" dirty="0" smtClean="0"/>
+                        <a:t>99.99 %</a:t>
+                      </a:r>
+                      <a:endParaRPr lang="en-US" dirty="0"/>
+                    </a:p>
+                  </a:txBody>
+                  <a:tcPr/>
+                </a:tc>
+              </a:tr>
+              <a:tr h="370840">
+                <a:tc>
+                  <a:txBody>
+                    <a:bodyPr/>
+                    <a:lstStyle/>
+                    <a:p>
+                      <a:r>
+                        <a:rPr lang="en-US" dirty="0" smtClean="0"/>
+                        <a:t>50</a:t>
+                      </a:r>
+                      <a:endParaRPr lang="en-US" dirty="0"/>
+                    </a:p>
+                  </a:txBody>
+                  <a:tcPr/>
+                </a:tc>
+                <a:tc>
+                  <a:txBody>
+                    <a:bodyPr/>
+                    <a:lstStyle/>
+                    <a:p>
+                      <a:r>
+                        <a:rPr lang="en-US" dirty="0" smtClean="0"/>
+                        <a:t>1 in 100 000</a:t>
+                      </a:r>
+                      <a:endParaRPr lang="en-US" dirty="0"/>
+                    </a:p>
+                  </a:txBody>
+                  <a:tcPr/>
+                </a:tc>
+                <a:tc>
+                  <a:txBody>
+                    <a:bodyPr/>
+                    <a:lstStyle/>
+                    <a:p>
+                      <a:r>
+                        <a:rPr lang="en-US" dirty="0" smtClean="0"/>
+                        <a:t>99.999 %</a:t>
+                      </a:r>
+                      <a:endParaRPr lang="en-US" dirty="0"/>
+                    </a:p>
+                  </a:txBody>
+                  <a:tcPr/>
+                </a:tc>
+              </a:tr>
+            </a:tbl>
+          </a:graphicData>
+        </a:graphic>
+      </p:graphicFrame>
     </p:spTree>
+    <p:extLst>
+      <p:ext uri="{BB962C8B-B14F-4D97-AF65-F5344CB8AC3E}">
+        <p14:creationId xmlns:p14="http://schemas.microsoft.com/office/powerpoint/2010/main" val="1819162558"/>
+      </p:ext>
+    </p:extLst>
   </p:cSld>
   <p:clrMapOvr>
     <a:masterClrMapping/>
@@ -7606,123 +8588,6 @@
               <a:latin typeface="Courier New"/>
               <a:cs typeface="Courier New"/>
             </a:endParaRPr>
-          </a:p>
-        </p:txBody>
-      </p:sp>
-      <p:sp>
-        <p:nvSpPr>
-          <p:cNvPr id="5" name="Rectangle 4"/>
-          <p:cNvSpPr/>
-          <p:nvPr/>
-        </p:nvSpPr>
-        <p:spPr>
-          <a:xfrm>
-            <a:off x="457200" y="1734207"/>
-            <a:ext cx="8117489" cy="1471448"/>
-          </a:xfrm>
-          <a:prstGeom prst="rect">
-            <a:avLst/>
-          </a:prstGeom>
-          <a:solidFill>
-            <a:schemeClr val="accent1">
-              <a:alpha val="30000"/>
-            </a:schemeClr>
-          </a:solidFill>
-        </p:spPr>
-        <p:style>
-          <a:lnRef idx="1">
-            <a:schemeClr val="accent1"/>
-          </a:lnRef>
-          <a:fillRef idx="3">
-            <a:schemeClr val="accent1"/>
-          </a:fillRef>
-          <a:effectRef idx="2">
-            <a:schemeClr val="accent1"/>
-          </a:effectRef>
-          <a:fontRef idx="minor">
-            <a:schemeClr val="lt1"/>
-          </a:fontRef>
-        </p:style>
-        <p:txBody>
-          <a:bodyPr rtlCol="0" anchor="ctr"/>
-          <a:lstStyle/>
-          <a:p>
-            <a:pPr algn="ctr"/>
-            <a:r>
-              <a:rPr lang="en-US" sz="3100" b="1" dirty="0" smtClean="0">
-                <a:effectLst>
-                  <a:outerShdw blurRad="50800" dist="38100" dir="2700000" algn="tl" rotWithShape="0">
-                    <a:srgbClr val="000000">
-                      <a:alpha val="43000"/>
-                    </a:srgbClr>
-                  </a:outerShdw>
-                </a:effectLst>
-              </a:rPr>
-              <a:t>Sequence</a:t>
-            </a:r>
-            <a:endParaRPr lang="en-US" sz="3100" b="1" dirty="0">
-              <a:effectLst>
-                <a:outerShdw blurRad="50800" dist="38100" dir="2700000" algn="tl" rotWithShape="0">
-                  <a:srgbClr val="000000">
-                    <a:alpha val="43000"/>
-                  </a:srgbClr>
-                </a:outerShdw>
-              </a:effectLst>
-            </a:endParaRPr>
-          </a:p>
-        </p:txBody>
-      </p:sp>
-      <p:sp>
-        <p:nvSpPr>
-          <p:cNvPr id="6" name="Rectangle 5"/>
-          <p:cNvSpPr/>
-          <p:nvPr/>
-        </p:nvSpPr>
-        <p:spPr>
-          <a:xfrm>
-            <a:off x="457200" y="3358055"/>
-            <a:ext cx="8117489" cy="1471448"/>
-          </a:xfrm>
-          <a:prstGeom prst="rect">
-            <a:avLst/>
-          </a:prstGeom>
-          <a:solidFill>
-            <a:schemeClr val="accent1">
-              <a:alpha val="30000"/>
-            </a:schemeClr>
-          </a:solidFill>
-        </p:spPr>
-        <p:style>
-          <a:lnRef idx="1">
-            <a:schemeClr val="accent1"/>
-          </a:lnRef>
-          <a:fillRef idx="3">
-            <a:schemeClr val="accent1"/>
-          </a:fillRef>
-          <a:effectRef idx="2">
-            <a:schemeClr val="accent1"/>
-          </a:effectRef>
-          <a:fontRef idx="minor">
-            <a:schemeClr val="lt1"/>
-          </a:fontRef>
-        </p:style>
-        <p:txBody>
-          <a:bodyPr rtlCol="0" anchor="ctr"/>
-          <a:lstStyle/>
-          <a:p>
-            <a:pPr algn="ctr"/>
-            <a:r>
-              <a:rPr lang="en-US" sz="3100" b="1" dirty="0" smtClean="0">
-                <a:effectLst>
-                  <a:outerShdw blurRad="50800" dist="38100" dir="2700000" algn="tl" rotWithShape="0">
-                    <a:srgbClr val="000000">
-                      <a:alpha val="43000"/>
-                    </a:srgbClr>
-                  </a:outerShdw>
-                </a:effectLst>
-              </a:rPr>
-              <a:t>Quality</a:t>
-            </a:r>
           </a:p>
         </p:txBody>
       </p:sp>
@@ -7806,7 +8671,7 @@
         <p:spPr/>
         <p:txBody>
           <a:bodyPr>
-            <a:normAutofit lnSpcReduction="10000"/>
+            <a:normAutofit/>
           </a:bodyPr>
           <a:lstStyle/>
           <a:p>
@@ -7856,72 +8721,32 @@
               </a:rPr>
               <a:t>BBbfYcbV^BV`cQffaBZfB_fdfUYaa]`adcbfef\acfd^cad^fOabRceb`beSbdfaad_e^^dbeedTbd`V\ecdfffYBddb^fa\d\de</a:t>
             </a:r>
-            <a:endParaRPr lang="en-US" sz="2400" dirty="0" smtClean="0">
+            <a:endParaRPr lang="en-US" sz="2400" dirty="0">
               <a:latin typeface="Courier New"/>
               <a:cs typeface="Courier New"/>
             </a:endParaRPr>
           </a:p>
-          <a:p>
-            <a:pPr marL="0" indent="0">
-              <a:buNone/>
-            </a:pPr>
-            <a:endParaRPr lang="en-US" sz="2400" dirty="0" smtClean="0">
-              <a:latin typeface="Courier New"/>
-              <a:cs typeface="Courier New"/>
-            </a:endParaRPr>
-          </a:p>
-          <a:p>
-            <a:pPr marL="0" indent="0">
-              <a:buNone/>
-            </a:pPr>
-            <a:r>
-              <a:rPr lang="en-US" sz="2400" dirty="0" smtClean="0">
-                <a:cs typeface="Courier New"/>
-              </a:rPr>
-              <a:t>Matching pair in the other file:</a:t>
-            </a:r>
-          </a:p>
-          <a:p>
-            <a:pPr marL="0" indent="0">
-              <a:buNone/>
-            </a:pPr>
-            <a:r>
-              <a:rPr lang="en-US" sz="2400" dirty="0" smtClean="0">
-                <a:latin typeface="Courier New"/>
-                <a:cs typeface="Courier New"/>
-              </a:rPr>
-              <a:t>+@PCUS-319-EAS487_0004_FC:6:1:1351:952#0/2</a:t>
-            </a:r>
-          </a:p>
-        </p:txBody>
-      </p:sp>
-      <p:sp>
-        <p:nvSpPr>
-          <p:cNvPr id="5" name="Oval 4"/>
+        </p:txBody>
+      </p:sp>
+      <p:sp>
+        <p:nvSpPr>
+          <p:cNvPr id="5" name="Rectangle 4"/>
           <p:cNvSpPr/>
           <p:nvPr/>
         </p:nvSpPr>
         <p:spPr>
           <a:xfrm>
-            <a:off x="7958664" y="3136254"/>
-            <a:ext cx="362857" cy="290286"/>
+            <a:off x="457200" y="1734207"/>
+            <a:ext cx="8117489" cy="1471448"/>
           </a:xfrm>
-          <a:prstGeom prst="ellipse">
+          <a:prstGeom prst="rect">
             <a:avLst/>
           </a:prstGeom>
-          <a:noFill/>
-          <a:ln w="28575" cap="flat" cmpd="sng" algn="ctr">
-            <a:solidFill>
-              <a:schemeClr val="accent1">
-                <a:shade val="95000"/>
-                <a:satMod val="105000"/>
-              </a:schemeClr>
-            </a:solidFill>
-            <a:prstDash val="solid"/>
-            <a:round/>
-            <a:headEnd type="none" w="med" len="med"/>
-            <a:tailEnd type="none" w="med" len="med"/>
-          </a:ln>
+          <a:solidFill>
+            <a:schemeClr val="accent1">
+              <a:alpha val="30000"/>
+            </a:schemeClr>
+          </a:solidFill>
         </p:spPr>
         <p:style>
           <a:lnRef idx="1">
@@ -7942,37 +8767,49 @@
           <a:lstStyle/>
           <a:p>
             <a:pPr algn="ctr"/>
-            <a:endParaRPr lang="en-US"/>
-          </a:p>
-        </p:txBody>
-      </p:sp>
-      <p:sp>
-        <p:nvSpPr>
-          <p:cNvPr id="6" name="Oval 5"/>
+            <a:r>
+              <a:rPr lang="en-US" sz="3100" b="1" dirty="0" smtClean="0">
+                <a:effectLst>
+                  <a:outerShdw blurRad="50800" dist="38100" dir="2700000" algn="tl" rotWithShape="0">
+                    <a:srgbClr val="000000">
+                      <a:alpha val="43000"/>
+                    </a:srgbClr>
+                  </a:outerShdw>
+                </a:effectLst>
+              </a:rPr>
+              <a:t>Sequence</a:t>
+            </a:r>
+            <a:endParaRPr lang="en-US" sz="3100" b="1" dirty="0">
+              <a:effectLst>
+                <a:outerShdw blurRad="50800" dist="38100" dir="2700000" algn="tl" rotWithShape="0">
+                  <a:srgbClr val="000000">
+                    <a:alpha val="43000"/>
+                  </a:srgbClr>
+                </a:outerShdw>
+              </a:effectLst>
+            </a:endParaRPr>
+          </a:p>
+        </p:txBody>
+      </p:sp>
+      <p:sp>
+        <p:nvSpPr>
+          <p:cNvPr id="6" name="Rectangle 5"/>
           <p:cNvSpPr/>
           <p:nvPr/>
         </p:nvSpPr>
         <p:spPr>
           <a:xfrm>
-            <a:off x="7751839" y="1681342"/>
-            <a:ext cx="362857" cy="290286"/>
+            <a:off x="457200" y="3358055"/>
+            <a:ext cx="8117489" cy="1471448"/>
           </a:xfrm>
-          <a:prstGeom prst="ellipse">
+          <a:prstGeom prst="rect">
             <a:avLst/>
           </a:prstGeom>
-          <a:noFill/>
-          <a:ln w="28575" cap="flat" cmpd="sng" algn="ctr">
-            <a:solidFill>
-              <a:schemeClr val="accent1">
-                <a:shade val="95000"/>
-                <a:satMod val="105000"/>
-              </a:schemeClr>
-            </a:solidFill>
-            <a:prstDash val="solid"/>
-            <a:round/>
-            <a:headEnd type="none" w="med" len="med"/>
-            <a:tailEnd type="none" w="med" len="med"/>
-          </a:ln>
+          <a:solidFill>
+            <a:schemeClr val="accent1">
+              <a:alpha val="30000"/>
+            </a:schemeClr>
+          </a:solidFill>
         </p:spPr>
         <p:style>
           <a:lnRef idx="1">
@@ -7993,58 +8830,18 @@
           <a:lstStyle/>
           <a:p>
             <a:pPr algn="ctr"/>
-            <a:endParaRPr lang="en-US"/>
-          </a:p>
-        </p:txBody>
-      </p:sp>
-      <p:sp>
-        <p:nvSpPr>
-          <p:cNvPr id="7" name="Oval 6"/>
-          <p:cNvSpPr/>
-          <p:nvPr/>
-        </p:nvSpPr>
-        <p:spPr>
-          <a:xfrm>
-            <a:off x="7958664" y="5464952"/>
-            <a:ext cx="362857" cy="290286"/>
-          </a:xfrm>
-          <a:prstGeom prst="ellipse">
-            <a:avLst/>
-          </a:prstGeom>
-          <a:noFill/>
-          <a:ln w="28575" cap="flat" cmpd="sng" algn="ctr">
-            <a:solidFill>
-              <a:schemeClr val="accent1">
-                <a:shade val="95000"/>
-                <a:satMod val="105000"/>
-              </a:schemeClr>
-            </a:solidFill>
-            <a:prstDash val="solid"/>
-            <a:round/>
-            <a:headEnd type="none" w="med" len="med"/>
-            <a:tailEnd type="none" w="med" len="med"/>
-          </a:ln>
-        </p:spPr>
-        <p:style>
-          <a:lnRef idx="1">
-            <a:schemeClr val="accent1"/>
-          </a:lnRef>
-          <a:fillRef idx="3">
-            <a:schemeClr val="accent1"/>
-          </a:fillRef>
-          <a:effectRef idx="2">
-            <a:schemeClr val="accent1"/>
-          </a:effectRef>
-          <a:fontRef idx="minor">
-            <a:schemeClr val="lt1"/>
-          </a:fontRef>
-        </p:style>
-        <p:txBody>
-          <a:bodyPr rtlCol="0" anchor="ctr"/>
-          <a:lstStyle/>
-          <a:p>
-            <a:pPr algn="ctr"/>
-            <a:endParaRPr lang="en-US"/>
+            <a:r>
+              <a:rPr lang="en-US" sz="3100" b="1" dirty="0" smtClean="0">
+                <a:effectLst>
+                  <a:outerShdw blurRad="50800" dist="38100" dir="2700000" algn="tl" rotWithShape="0">
+                    <a:srgbClr val="000000">
+                      <a:alpha val="43000"/>
+                    </a:srgbClr>
+                  </a:outerShdw>
+                </a:effectLst>
+              </a:rPr>
+              <a:t>Quality</a:t>
+            </a:r>
           </a:p>
         </p:txBody>
       </p:sp>

--- a/presentations/Practical_1_preparing_and_QC_of_sequence_ data.pptx
+++ b/presentations/Practical_1_preparing_and_QC_of_sequence_ data.pptx
@@ -225,7 +225,7 @@
             <a:fld id="{7B017CDE-E91F-D348-A70E-2B7B84391936}" type="datetimeFigureOut">
               <a:rPr lang="en-US" smtClean="0"/>
               <a:pPr/>
-              <a:t>24/10/2011</a:t>
+              <a:t>26/10/2011</a:t>
             </a:fld>
             <a:endParaRPr lang="en-US"/>
           </a:p>
@@ -678,7 +678,7 @@
             <a:fld id="{A4AAEA4C-2FC0-8F41-AA8D-DA93A16F9072}" type="datetimeFigureOut">
               <a:rPr lang="en-US" smtClean="0"/>
               <a:pPr/>
-              <a:t>24/10/2011</a:t>
+              <a:t>26/10/2011</a:t>
             </a:fld>
             <a:endParaRPr lang="en-US"/>
           </a:p>
@@ -845,7 +845,7 @@
             <a:fld id="{A4AAEA4C-2FC0-8F41-AA8D-DA93A16F9072}" type="datetimeFigureOut">
               <a:rPr lang="en-US" smtClean="0"/>
               <a:pPr/>
-              <a:t>24/10/2011</a:t>
+              <a:t>26/10/2011</a:t>
             </a:fld>
             <a:endParaRPr lang="en-US"/>
           </a:p>
@@ -1022,7 +1022,7 @@
             <a:fld id="{A4AAEA4C-2FC0-8F41-AA8D-DA93A16F9072}" type="datetimeFigureOut">
               <a:rPr lang="en-US" smtClean="0"/>
               <a:pPr/>
-              <a:t>24/10/2011</a:t>
+              <a:t>26/10/2011</a:t>
             </a:fld>
             <a:endParaRPr lang="en-US"/>
           </a:p>
@@ -1189,7 +1189,7 @@
             <a:fld id="{A4AAEA4C-2FC0-8F41-AA8D-DA93A16F9072}" type="datetimeFigureOut">
               <a:rPr lang="en-US" smtClean="0"/>
               <a:pPr/>
-              <a:t>24/10/2011</a:t>
+              <a:t>26/10/2011</a:t>
             </a:fld>
             <a:endParaRPr lang="en-US"/>
           </a:p>
@@ -1432,7 +1432,7 @@
             <a:fld id="{A4AAEA4C-2FC0-8F41-AA8D-DA93A16F9072}" type="datetimeFigureOut">
               <a:rPr lang="en-US" smtClean="0"/>
               <a:pPr/>
-              <a:t>24/10/2011</a:t>
+              <a:t>26/10/2011</a:t>
             </a:fld>
             <a:endParaRPr lang="en-US"/>
           </a:p>
@@ -1717,7 +1717,7 @@
             <a:fld id="{A4AAEA4C-2FC0-8F41-AA8D-DA93A16F9072}" type="datetimeFigureOut">
               <a:rPr lang="en-US" smtClean="0"/>
               <a:pPr/>
-              <a:t>24/10/2011</a:t>
+              <a:t>26/10/2011</a:t>
             </a:fld>
             <a:endParaRPr lang="en-US"/>
           </a:p>
@@ -2136,7 +2136,7 @@
             <a:fld id="{A4AAEA4C-2FC0-8F41-AA8D-DA93A16F9072}" type="datetimeFigureOut">
               <a:rPr lang="en-US" smtClean="0"/>
               <a:pPr/>
-              <a:t>24/10/2011</a:t>
+              <a:t>26/10/2011</a:t>
             </a:fld>
             <a:endParaRPr lang="en-US"/>
           </a:p>
@@ -2251,7 +2251,7 @@
             <a:fld id="{A4AAEA4C-2FC0-8F41-AA8D-DA93A16F9072}" type="datetimeFigureOut">
               <a:rPr lang="en-US" smtClean="0"/>
               <a:pPr/>
-              <a:t>24/10/2011</a:t>
+              <a:t>26/10/2011</a:t>
             </a:fld>
             <a:endParaRPr lang="en-US"/>
           </a:p>
@@ -2343,7 +2343,7 @@
             <a:fld id="{A4AAEA4C-2FC0-8F41-AA8D-DA93A16F9072}" type="datetimeFigureOut">
               <a:rPr lang="en-US" smtClean="0"/>
               <a:pPr/>
-              <a:t>24/10/2011</a:t>
+              <a:t>26/10/2011</a:t>
             </a:fld>
             <a:endParaRPr lang="en-US"/>
           </a:p>
@@ -2617,7 +2617,7 @@
             <a:fld id="{A4AAEA4C-2FC0-8F41-AA8D-DA93A16F9072}" type="datetimeFigureOut">
               <a:rPr lang="en-US" smtClean="0"/>
               <a:pPr/>
-              <a:t>24/10/2011</a:t>
+              <a:t>26/10/2011</a:t>
             </a:fld>
             <a:endParaRPr lang="en-US"/>
           </a:p>
@@ -2867,7 +2867,7 @@
             <a:fld id="{A4AAEA4C-2FC0-8F41-AA8D-DA93A16F9072}" type="datetimeFigureOut">
               <a:rPr lang="en-US" smtClean="0"/>
               <a:pPr/>
-              <a:t>24/10/2011</a:t>
+              <a:t>26/10/2011</a:t>
             </a:fld>
             <a:endParaRPr lang="en-US"/>
           </a:p>
@@ -3137,7 +3137,7 @@
             <a:fld id="{A4AAEA4C-2FC0-8F41-AA8D-DA93A16F9072}" type="datetimeFigureOut">
               <a:rPr lang="en-US" smtClean="0"/>
               <a:pPr/>
-              <a:t>24/10/2011</a:t>
+              <a:t>26/10/2011</a:t>
             </a:fld>
             <a:endParaRPr lang="en-US"/>
           </a:p>
@@ -3977,7 +3977,39 @@
                 <a:ea typeface="+mj-ea"/>
                 <a:cs typeface="+mj-cs"/>
               </a:rPr>
-              <a:t>Sanger				ASCII = </a:t>
+              <a:t>Sanger		</a:t>
+            </a:r>
+            <a:r>
+              <a:rPr lang="en-US" dirty="0" smtClean="0">
+                <a:latin typeface="+mj-lt"/>
+                <a:ea typeface="+mj-ea"/>
+                <a:cs typeface="+mj-cs"/>
+              </a:rPr>
+              <a:t>	</a:t>
+            </a:r>
+            <a:r>
+              <a:rPr lang="en-US" dirty="0" smtClean="0">
+                <a:latin typeface="+mj-lt"/>
+                <a:ea typeface="+mj-ea"/>
+                <a:cs typeface="+mj-cs"/>
+              </a:rPr>
+              <a:t>	</a:t>
+            </a:r>
+            <a:r>
+              <a:rPr lang="en-US" dirty="0" smtClean="0">
+                <a:latin typeface="+mj-lt"/>
+                <a:ea typeface="+mj-ea"/>
+                <a:cs typeface="+mj-cs"/>
+              </a:rPr>
+              <a:t>ASCII </a:t>
+            </a:r>
+            <a:r>
+              <a:rPr lang="en-US" dirty="0" smtClean="0">
+                <a:latin typeface="+mj-lt"/>
+                <a:ea typeface="+mj-ea"/>
+                <a:cs typeface="+mj-cs"/>
+              </a:rPr>
+              <a:t>= </a:t>
             </a:r>
             <a:r>
               <a:rPr lang="en-US" dirty="0" err="1" smtClean="0">
@@ -4012,7 +4044,23 @@
                 <a:ea typeface="+mj-ea"/>
                 <a:cs typeface="+mj-cs"/>
               </a:rPr>
-              <a:t> 1.3+	</a:t>
+              <a:t> 1.3</a:t>
+            </a:r>
+            <a:r>
+              <a:rPr lang="en-US" dirty="0" smtClean="0">
+                <a:latin typeface="+mj-lt"/>
+                <a:ea typeface="+mj-ea"/>
+                <a:cs typeface="+mj-cs"/>
+              </a:rPr>
+              <a:t>+	</a:t>
+            </a:r>
+            <a:r>
+              <a:rPr lang="en-US" dirty="0" smtClean="0">
+                <a:latin typeface="+mj-lt"/>
+                <a:ea typeface="+mj-ea"/>
+                <a:cs typeface="+mj-cs"/>
+              </a:rPr>
+              <a:t>	</a:t>
             </a:r>
             <a:r>
               <a:rPr lang="en-US" dirty="0" smtClean="0"/>
@@ -4050,7 +4098,31 @@
                 <a:ea typeface="+mj-ea"/>
                 <a:cs typeface="+mj-cs"/>
               </a:rPr>
-              <a:t> 1.8+	Same as Sanger</a:t>
+              <a:t> 1.8+</a:t>
+            </a:r>
+            <a:r>
+              <a:rPr lang="en-US" smtClean="0">
+                <a:latin typeface="+mj-lt"/>
+                <a:ea typeface="+mj-ea"/>
+                <a:cs typeface="+mj-cs"/>
+              </a:rPr>
+              <a:t>	</a:t>
+            </a:r>
+            <a:r>
+              <a:rPr lang="en-US" smtClean="0">
+                <a:latin typeface="+mj-lt"/>
+                <a:ea typeface="+mj-ea"/>
+                <a:cs typeface="+mj-cs"/>
+              </a:rPr>
+              <a:t>	Same </a:t>
+            </a:r>
+            <a:r>
+              <a:rPr lang="en-US" dirty="0" smtClean="0">
+                <a:latin typeface="+mj-lt"/>
+                <a:ea typeface="+mj-ea"/>
+                <a:cs typeface="+mj-cs"/>
+              </a:rPr>
+              <a:t>as Sanger</a:t>
             </a:r>
           </a:p>
           <a:p>
@@ -4893,13 +4965,8 @@
             </a:r>
             <a:r>
               <a:rPr lang="en-US" dirty="0" smtClean="0"/>
-              <a:t> file (optional</a:t>
-            </a:r>
-            <a:r>
-              <a:rPr lang="en-US" dirty="0" smtClean="0"/>
-              <a:t>)</a:t>
-            </a:r>
-            <a:endParaRPr lang="en-US" dirty="0" smtClean="0"/>
+              <a:t> file (optional)</a:t>
+            </a:r>
           </a:p>
         </p:txBody>
       </p:sp>
@@ -5430,6 +5497,13 @@
   <p:clrMapOvr>
     <a:masterClrMapping/>
   </p:clrMapOvr>
+  <p:timing>
+    <p:tnLst>
+      <p:par>
+        <p:cTn xmlns:p14="http://schemas.microsoft.com/office/powerpoint/2010/main" id="1" dur="indefinite" restart="never" nodeType="tmRoot"/>
+      </p:par>
+    </p:tnLst>
+  </p:timing>
 </p:sld>
 </file>
 
@@ -5554,11 +5628,7 @@
             </a:r>
             <a:r>
               <a:rPr lang="en-US" dirty="0" smtClean="0"/>
-              <a:t>: </a:t>
-            </a:r>
-            <a:r>
-              <a:rPr lang="en-US" dirty="0" smtClean="0"/>
-              <a:t>GC content</a:t>
+              <a:t>: GC content</a:t>
             </a:r>
             <a:endParaRPr lang="en-US" dirty="0"/>
           </a:p>
@@ -6797,6 +6867,13 @@
   <p:clrMapOvr>
     <a:masterClrMapping/>
   </p:clrMapOvr>
+  <p:timing>
+    <p:tnLst>
+      <p:par>
+        <p:cTn xmlns:p14="http://schemas.microsoft.com/office/powerpoint/2010/main" id="1" dur="indefinite" restart="never" nodeType="tmRoot"/>
+      </p:par>
+    </p:tnLst>
+  </p:timing>
 </p:sld>
 </file>
 
